--- a/Validate Virus.pptx
+++ b/Validate Virus.pptx
@@ -1,24 +1,24 @@
 
 <file path=ppt/presentation.xml><?xml version="1.0" encoding="utf-8"?>
-<p:presentation xmlns:a="http://schemas.openxmlformats.org/drawingml/2006/main" xmlns:r="http://schemas.openxmlformats.org/officeDocument/2006/relationships" xmlns:p="http://schemas.openxmlformats.org/presentationml/2006/main" strictFirstAndLastChars="0" saveSubsetFonts="1" autoCompressPictures="0">
+<p:presentation xmlns:a="http://schemas.openxmlformats.org/drawingml/2006/main" xmlns:r="http://schemas.openxmlformats.org/officeDocument/2006/relationships" xmlns:mc="http://schemas.openxmlformats.org/markup-compatibility/2006" xmlns:mv="urn:schemas-microsoft-com:mac:vml" xmlns:p="http://schemas.openxmlformats.org/presentationml/2006/main" xmlns:c="http://schemas.openxmlformats.org/drawingml/2006/chart" xmlns:dgm="http://schemas.openxmlformats.org/drawingml/2006/diagram" xmlns:o="urn:schemas-microsoft-com:office:office" xmlns:v="urn:schemas-microsoft-com:vml" xmlns:pvml="urn:schemas-microsoft-com:office:powerpoint" xmlns:com="http://schemas.openxmlformats.org/drawingml/2006/compatibility" xmlns:p14="http://schemas.microsoft.com/office/powerpoint/2010/main" xmlns:p15="http://schemas.microsoft.com/office/powerpoint/2012/main" xmlns:ahyp="http://schemas.microsoft.com/office/drawing/2018/hyperlinkcolor" autoCompressPictures="0" strictFirstAndLastChars="0" saveSubsetFonts="1">
   <p:sldMasterIdLst>
-    <p:sldMasterId id="2147483659" r:id="rId1"/>
+    <p:sldMasterId id="2147483659" r:id="rId4"/>
   </p:sldMasterIdLst>
   <p:notesMasterIdLst>
-    <p:notesMasterId r:id="rId8"/>
+    <p:notesMasterId r:id="rId5"/>
   </p:notesMasterIdLst>
   <p:sldIdLst>
-    <p:sldId id="256" r:id="rId2"/>
-    <p:sldId id="257" r:id="rId3"/>
-    <p:sldId id="258" r:id="rId4"/>
-    <p:sldId id="259" r:id="rId5"/>
-    <p:sldId id="260" r:id="rId6"/>
-    <p:sldId id="261" r:id="rId7"/>
+    <p:sldId id="256" r:id="rId6"/>
+    <p:sldId id="257" r:id="rId7"/>
+    <p:sldId id="258" r:id="rId8"/>
+    <p:sldId id="259" r:id="rId9"/>
+    <p:sldId id="260" r:id="rId10"/>
+    <p:sldId id="261" r:id="rId11"/>
   </p:sldIdLst>
-  <p:sldSz cx="9144000" cy="5143500" type="screen16x9"/>
+  <p:sldSz cy="5143500" cx="9144000"/>
   <p:notesSz cx="6858000" cy="9144000"/>
   <p:defaultTextStyle>
-    <a:defPPr marR="0" lvl="0" algn="l" rtl="0">
+    <a:defPPr lvl="0" marR="0" rtl="0" algn="l">
       <a:lnSpc>
         <a:spcPct val="100000"/>
       </a:lnSpc>
@@ -29,7 +29,7 @@
         <a:spcPts val="0"/>
       </a:spcAft>
     </a:defPPr>
-    <a:lvl1pPr marR="0" lvl="0" algn="l" rtl="0">
+    <a:lvl1pPr lvl="0" marR="0" rtl="0" algn="l">
       <a:lnSpc>
         <a:spcPct val="100000"/>
       </a:lnSpc>
@@ -43,7 +43,7 @@
         <a:srgbClr val="000000"/>
       </a:buClr>
       <a:buFont typeface="Arial"/>
-      <a:defRPr sz="1400" b="0" i="0" u="none" strike="noStrike" cap="none">
+      <a:defRPr b="0" i="0" sz="1400" u="none" cap="none" strike="noStrike">
         <a:solidFill>
           <a:srgbClr val="000000"/>
         </a:solidFill>
@@ -53,7 +53,7 @@
         <a:sym typeface="Arial"/>
       </a:defRPr>
     </a:lvl1pPr>
-    <a:lvl2pPr marR="0" lvl="1" algn="l" rtl="0">
+    <a:lvl2pPr lvl="1" marR="0" rtl="0" algn="l">
       <a:lnSpc>
         <a:spcPct val="100000"/>
       </a:lnSpc>
@@ -67,7 +67,7 @@
         <a:srgbClr val="000000"/>
       </a:buClr>
       <a:buFont typeface="Arial"/>
-      <a:defRPr sz="1400" b="0" i="0" u="none" strike="noStrike" cap="none">
+      <a:defRPr b="0" i="0" sz="1400" u="none" cap="none" strike="noStrike">
         <a:solidFill>
           <a:srgbClr val="000000"/>
         </a:solidFill>
@@ -77,7 +77,7 @@
         <a:sym typeface="Arial"/>
       </a:defRPr>
     </a:lvl2pPr>
-    <a:lvl3pPr marR="0" lvl="2" algn="l" rtl="0">
+    <a:lvl3pPr lvl="2" marR="0" rtl="0" algn="l">
       <a:lnSpc>
         <a:spcPct val="100000"/>
       </a:lnSpc>
@@ -91,7 +91,7 @@
         <a:srgbClr val="000000"/>
       </a:buClr>
       <a:buFont typeface="Arial"/>
-      <a:defRPr sz="1400" b="0" i="0" u="none" strike="noStrike" cap="none">
+      <a:defRPr b="0" i="0" sz="1400" u="none" cap="none" strike="noStrike">
         <a:solidFill>
           <a:srgbClr val="000000"/>
         </a:solidFill>
@@ -101,7 +101,7 @@
         <a:sym typeface="Arial"/>
       </a:defRPr>
     </a:lvl3pPr>
-    <a:lvl4pPr marR="0" lvl="3" algn="l" rtl="0">
+    <a:lvl4pPr lvl="3" marR="0" rtl="0" algn="l">
       <a:lnSpc>
         <a:spcPct val="100000"/>
       </a:lnSpc>
@@ -115,7 +115,7 @@
         <a:srgbClr val="000000"/>
       </a:buClr>
       <a:buFont typeface="Arial"/>
-      <a:defRPr sz="1400" b="0" i="0" u="none" strike="noStrike" cap="none">
+      <a:defRPr b="0" i="0" sz="1400" u="none" cap="none" strike="noStrike">
         <a:solidFill>
           <a:srgbClr val="000000"/>
         </a:solidFill>
@@ -125,7 +125,7 @@
         <a:sym typeface="Arial"/>
       </a:defRPr>
     </a:lvl4pPr>
-    <a:lvl5pPr marR="0" lvl="4" algn="l" rtl="0">
+    <a:lvl5pPr lvl="4" marR="0" rtl="0" algn="l">
       <a:lnSpc>
         <a:spcPct val="100000"/>
       </a:lnSpc>
@@ -139,7 +139,7 @@
         <a:srgbClr val="000000"/>
       </a:buClr>
       <a:buFont typeface="Arial"/>
-      <a:defRPr sz="1400" b="0" i="0" u="none" strike="noStrike" cap="none">
+      <a:defRPr b="0" i="0" sz="1400" u="none" cap="none" strike="noStrike">
         <a:solidFill>
           <a:srgbClr val="000000"/>
         </a:solidFill>
@@ -149,7 +149,7 @@
         <a:sym typeface="Arial"/>
       </a:defRPr>
     </a:lvl5pPr>
-    <a:lvl6pPr marR="0" lvl="5" algn="l" rtl="0">
+    <a:lvl6pPr lvl="5" marR="0" rtl="0" algn="l">
       <a:lnSpc>
         <a:spcPct val="100000"/>
       </a:lnSpc>
@@ -163,7 +163,7 @@
         <a:srgbClr val="000000"/>
       </a:buClr>
       <a:buFont typeface="Arial"/>
-      <a:defRPr sz="1400" b="0" i="0" u="none" strike="noStrike" cap="none">
+      <a:defRPr b="0" i="0" sz="1400" u="none" cap="none" strike="noStrike">
         <a:solidFill>
           <a:srgbClr val="000000"/>
         </a:solidFill>
@@ -173,7 +173,7 @@
         <a:sym typeface="Arial"/>
       </a:defRPr>
     </a:lvl6pPr>
-    <a:lvl7pPr marR="0" lvl="6" algn="l" rtl="0">
+    <a:lvl7pPr lvl="6" marR="0" rtl="0" algn="l">
       <a:lnSpc>
         <a:spcPct val="100000"/>
       </a:lnSpc>
@@ -187,7 +187,7 @@
         <a:srgbClr val="000000"/>
       </a:buClr>
       <a:buFont typeface="Arial"/>
-      <a:defRPr sz="1400" b="0" i="0" u="none" strike="noStrike" cap="none">
+      <a:defRPr b="0" i="0" sz="1400" u="none" cap="none" strike="noStrike">
         <a:solidFill>
           <a:srgbClr val="000000"/>
         </a:solidFill>
@@ -197,7 +197,7 @@
         <a:sym typeface="Arial"/>
       </a:defRPr>
     </a:lvl7pPr>
-    <a:lvl8pPr marR="0" lvl="7" algn="l" rtl="0">
+    <a:lvl8pPr lvl="7" marR="0" rtl="0" algn="l">
       <a:lnSpc>
         <a:spcPct val="100000"/>
       </a:lnSpc>
@@ -211,7 +211,7 @@
         <a:srgbClr val="000000"/>
       </a:buClr>
       <a:buFont typeface="Arial"/>
-      <a:defRPr sz="1400" b="0" i="0" u="none" strike="noStrike" cap="none">
+      <a:defRPr b="0" i="0" sz="1400" u="none" cap="none" strike="noStrike">
         <a:solidFill>
           <a:srgbClr val="000000"/>
         </a:solidFill>
@@ -221,7 +221,7 @@
         <a:sym typeface="Arial"/>
       </a:defRPr>
     </a:lvl8pPr>
-    <a:lvl9pPr marR="0" lvl="8" algn="l" rtl="0">
+    <a:lvl9pPr lvl="8" marR="0" rtl="0" algn="l">
       <a:lnSpc>
         <a:spcPct val="100000"/>
       </a:lnSpc>
@@ -235,7 +235,7 @@
         <a:srgbClr val="000000"/>
       </a:buClr>
       <a:buFont typeface="Arial"/>
-      <a:defRPr sz="1400" b="0" i="0" u="none" strike="noStrike" cap="none">
+      <a:defRPr b="0" i="0" sz="1400" u="none" cap="none" strike="noStrike">
         <a:solidFill>
           <a:srgbClr val="000000"/>
         </a:solidFill>
@@ -248,7 +248,7 @@
   </p:defaultTextStyle>
   <p:extLst>
     <p:ext uri="{EFAFB233-063F-42B5-8137-9DF3F51BA10A}">
-      <p15:sldGuideLst xmlns:p15="http://schemas.microsoft.com/office/powerpoint/2012/main">
+      <p15:sldGuideLst>
         <p15:guide id="1" orient="horz" pos="1620">
           <p15:clr>
             <a:srgbClr val="A4A3A4"/>
@@ -266,16 +266,11 @@
 </file>
 
 <file path=ppt/notesMasters/notesMaster1.xml><?xml version="1.0" encoding="utf-8"?>
-<p:notesMaster xmlns:a="http://schemas.openxmlformats.org/drawingml/2006/main" xmlns:r="http://schemas.openxmlformats.org/officeDocument/2006/relationships" xmlns:p="http://schemas.openxmlformats.org/presentationml/2006/main">
+<p:notesMaster xmlns:a="http://schemas.openxmlformats.org/drawingml/2006/main" xmlns:r="http://schemas.openxmlformats.org/officeDocument/2006/relationships" xmlns:mc="http://schemas.openxmlformats.org/markup-compatibility/2006" xmlns:mv="urn:schemas-microsoft-com:mac:vml" xmlns:p="http://schemas.openxmlformats.org/presentationml/2006/main" xmlns:c="http://schemas.openxmlformats.org/drawingml/2006/chart" xmlns:dgm="http://schemas.openxmlformats.org/drawingml/2006/diagram" xmlns:o="urn:schemas-microsoft-com:office:office" xmlns:v="urn:schemas-microsoft-com:vml" xmlns:pvml="urn:schemas-microsoft-com:office:powerpoint" xmlns:com="http://schemas.openxmlformats.org/drawingml/2006/compatibility" xmlns:p14="http://schemas.microsoft.com/office/powerpoint/2010/main" xmlns:p15="http://schemas.microsoft.com/office/powerpoint/2012/main" xmlns:ahyp="http://schemas.microsoft.com/office/drawing/2018/hyperlinkcolor">
   <p:cSld>
-    <p:bg>
-      <p:bgRef idx="1001">
-        <a:schemeClr val="bg1"/>
-      </p:bgRef>
-    </p:bg>
     <p:spTree>
       <p:nvGrpSpPr>
-        <p:cNvPr id="1" name="Shape 2"/>
+        <p:cNvPr id="2" name="Shape 2"/>
         <p:cNvGrpSpPr/>
         <p:nvPr/>
       </p:nvGrpSpPr>
@@ -290,11 +285,9 @@
       <p:sp>
         <p:nvSpPr>
           <p:cNvPr id="3" name="Google Shape;3;n"/>
-          <p:cNvSpPr>
-            <a:spLocks noGrp="1" noRot="1" noChangeAspect="1"/>
-          </p:cNvSpPr>
+          <p:cNvSpPr/>
           <p:nvPr>
-            <p:ph type="sldImg" idx="2"/>
+            <p:ph idx="2" type="sldImg"/>
           </p:nvPr>
         </p:nvSpPr>
         <p:spPr>
@@ -303,13 +296,9 @@
             <a:ext cx="6096075" cy="3429000"/>
           </a:xfrm>
           <a:custGeom>
-            <a:avLst/>
-            <a:gdLst/>
-            <a:ahLst/>
-            <a:cxnLst/>
-            <a:rect l="l" t="t" r="r" b="b"/>
+            <a:rect b="b" l="l" r="r" t="t"/>
             <a:pathLst>
-              <a:path w="120000" h="120000" extrusionOk="0">
+              <a:path extrusionOk="0" h="120000" w="120000">
                 <a:moveTo>
                   <a:pt x="0" y="0"/>
                 </a:moveTo>
@@ -327,25 +316,23 @@
             </a:pathLst>
           </a:custGeom>
           <a:noFill/>
-          <a:ln w="9525" cap="flat" cmpd="sng">
+          <a:ln cap="flat" cmpd="sng" w="9525">
             <a:solidFill>
               <a:srgbClr val="000000"/>
             </a:solidFill>
             <a:prstDash val="solid"/>
             <a:round/>
-            <a:headEnd type="none" w="sm" len="sm"/>
-            <a:tailEnd type="none" w="sm" len="sm"/>
+            <a:headEnd len="sm" w="sm" type="none"/>
+            <a:tailEnd len="sm" w="sm" type="none"/>
           </a:ln>
         </p:spPr>
       </p:sp>
       <p:sp>
         <p:nvSpPr>
           <p:cNvPr id="4" name="Google Shape;4;n"/>
-          <p:cNvSpPr txBox="1">
-            <a:spLocks noGrp="1"/>
-          </p:cNvSpPr>
+          <p:cNvSpPr txBox="1"/>
           <p:nvPr>
-            <p:ph type="body" idx="1"/>
+            <p:ph idx="1" type="body"/>
           </p:nvPr>
         </p:nvSpPr>
         <p:spPr>
@@ -362,11 +349,11 @@
           </a:ln>
         </p:spPr>
         <p:txBody>
-          <a:bodyPr spcFirstLastPara="1" wrap="square" lIns="91425" tIns="91425" rIns="91425" bIns="91425" anchor="t" anchorCtr="0">
+          <a:bodyPr anchorCtr="0" anchor="t" bIns="91425" lIns="91425" spcFirstLastPara="1" rIns="91425" wrap="square" tIns="91425">
             <a:noAutofit/>
           </a:bodyPr>
           <a:lstStyle>
-            <a:lvl1pPr marL="457200" lvl="0" indent="-298450">
+            <a:lvl1pPr indent="-298450" lvl="0" marL="457200">
               <a:spcBef>
                 <a:spcPts val="0"/>
               </a:spcBef>
@@ -377,7 +364,7 @@
               <a:buChar char="●"/>
               <a:defRPr sz="1100"/>
             </a:lvl1pPr>
-            <a:lvl2pPr marL="914400" lvl="1" indent="-298450">
+            <a:lvl2pPr indent="-298450" lvl="1" marL="914400">
               <a:spcBef>
                 <a:spcPts val="0"/>
               </a:spcBef>
@@ -388,7 +375,7 @@
               <a:buChar char="○"/>
               <a:defRPr sz="1100"/>
             </a:lvl2pPr>
-            <a:lvl3pPr marL="1371600" lvl="2" indent="-298450">
+            <a:lvl3pPr indent="-298450" lvl="2" marL="1371600">
               <a:spcBef>
                 <a:spcPts val="0"/>
               </a:spcBef>
@@ -399,7 +386,7 @@
               <a:buChar char="■"/>
               <a:defRPr sz="1100"/>
             </a:lvl3pPr>
-            <a:lvl4pPr marL="1828800" lvl="3" indent="-298450">
+            <a:lvl4pPr indent="-298450" lvl="3" marL="1828800">
               <a:spcBef>
                 <a:spcPts val="0"/>
               </a:spcBef>
@@ -410,7 +397,7 @@
               <a:buChar char="●"/>
               <a:defRPr sz="1100"/>
             </a:lvl4pPr>
-            <a:lvl5pPr marL="2286000" lvl="4" indent="-298450">
+            <a:lvl5pPr indent="-298450" lvl="4" marL="2286000">
               <a:spcBef>
                 <a:spcPts val="0"/>
               </a:spcBef>
@@ -421,7 +408,7 @@
               <a:buChar char="○"/>
               <a:defRPr sz="1100"/>
             </a:lvl5pPr>
-            <a:lvl6pPr marL="2743200" lvl="5" indent="-298450">
+            <a:lvl6pPr indent="-298450" lvl="5" marL="2743200">
               <a:spcBef>
                 <a:spcPts val="0"/>
               </a:spcBef>
@@ -432,7 +419,7 @@
               <a:buChar char="■"/>
               <a:defRPr sz="1100"/>
             </a:lvl6pPr>
-            <a:lvl7pPr marL="3200400" lvl="6" indent="-298450">
+            <a:lvl7pPr indent="-298450" lvl="6" marL="3200400">
               <a:spcBef>
                 <a:spcPts val="0"/>
               </a:spcBef>
@@ -443,7 +430,7 @@
               <a:buChar char="●"/>
               <a:defRPr sz="1100"/>
             </a:lvl7pPr>
-            <a:lvl8pPr marL="3657600" lvl="7" indent="-298450">
+            <a:lvl8pPr indent="-298450" lvl="7" marL="3657600">
               <a:spcBef>
                 <a:spcPts val="0"/>
               </a:spcBef>
@@ -454,7 +441,7 @@
               <a:buChar char="○"/>
               <a:defRPr sz="1100"/>
             </a:lvl8pPr>
-            <a:lvl9pPr marL="4114800" lvl="8" indent="-298450">
+            <a:lvl9pPr indent="-298450" lvl="8" marL="4114800">
               <a:spcBef>
                 <a:spcPts val="0"/>
               </a:spcBef>
@@ -466,21 +453,14 @@
               <a:defRPr sz="1100"/>
             </a:lvl9pPr>
           </a:lstStyle>
-          <a:p>
-            <a:endParaRPr/>
-          </a:p>
+          <a:p/>
         </p:txBody>
       </p:sp>
     </p:spTree>
-    <p:extLst>
-      <p:ext uri="{BB962C8B-B14F-4D97-AF65-F5344CB8AC3E}">
-        <p14:creationId xmlns:p14="http://schemas.microsoft.com/office/powerpoint/2010/main" val="3261460520"/>
-      </p:ext>
-    </p:extLst>
   </p:cSld>
-  <p:clrMap bg1="lt1" tx1="dk1" bg2="dk2" tx2="lt2" accent1="accent1" accent2="accent2" accent3="accent3" accent4="accent4" accent5="accent5" accent6="accent6" hlink="hlink" folHlink="folHlink"/>
+  <p:clrMap accent1="accent1" accent2="accent2" accent3="accent3" accent4="accent4" accent5="accent5" accent6="accent6" bg1="lt1" bg2="dk2" tx1="dk1" tx2="lt2" folHlink="folHlink" hlink="hlink"/>
   <p:notesStyle>
-    <a:defPPr marR="0" lvl="0" algn="l" rtl="0">
+    <a:defPPr lvl="0" marR="0" rtl="0" algn="l">
       <a:lnSpc>
         <a:spcPct val="100000"/>
       </a:lnSpc>
@@ -491,7 +471,7 @@
         <a:spcPts val="0"/>
       </a:spcAft>
     </a:defPPr>
-    <a:lvl1pPr marR="0" lvl="0" algn="l" rtl="0">
+    <a:lvl1pPr lvl="0" marR="0" rtl="0" algn="l">
       <a:lnSpc>
         <a:spcPct val="100000"/>
       </a:lnSpc>
@@ -505,7 +485,7 @@
         <a:srgbClr val="000000"/>
       </a:buClr>
       <a:buFont typeface="Arial"/>
-      <a:defRPr sz="1400" b="0" i="0" u="none" strike="noStrike" cap="none">
+      <a:defRPr b="0" i="0" sz="1400" u="none" cap="none" strike="noStrike">
         <a:solidFill>
           <a:srgbClr val="000000"/>
         </a:solidFill>
@@ -515,7 +495,7 @@
         <a:sym typeface="Arial"/>
       </a:defRPr>
     </a:lvl1pPr>
-    <a:lvl2pPr marR="0" lvl="1" algn="l" rtl="0">
+    <a:lvl2pPr lvl="1" marR="0" rtl="0" algn="l">
       <a:lnSpc>
         <a:spcPct val="100000"/>
       </a:lnSpc>
@@ -529,7 +509,7 @@
         <a:srgbClr val="000000"/>
       </a:buClr>
       <a:buFont typeface="Arial"/>
-      <a:defRPr sz="1400" b="0" i="0" u="none" strike="noStrike" cap="none">
+      <a:defRPr b="0" i="0" sz="1400" u="none" cap="none" strike="noStrike">
         <a:solidFill>
           <a:srgbClr val="000000"/>
         </a:solidFill>
@@ -539,7 +519,7 @@
         <a:sym typeface="Arial"/>
       </a:defRPr>
     </a:lvl2pPr>
-    <a:lvl3pPr marR="0" lvl="2" algn="l" rtl="0">
+    <a:lvl3pPr lvl="2" marR="0" rtl="0" algn="l">
       <a:lnSpc>
         <a:spcPct val="100000"/>
       </a:lnSpc>
@@ -553,7 +533,7 @@
         <a:srgbClr val="000000"/>
       </a:buClr>
       <a:buFont typeface="Arial"/>
-      <a:defRPr sz="1400" b="0" i="0" u="none" strike="noStrike" cap="none">
+      <a:defRPr b="0" i="0" sz="1400" u="none" cap="none" strike="noStrike">
         <a:solidFill>
           <a:srgbClr val="000000"/>
         </a:solidFill>
@@ -563,7 +543,7 @@
         <a:sym typeface="Arial"/>
       </a:defRPr>
     </a:lvl3pPr>
-    <a:lvl4pPr marR="0" lvl="3" algn="l" rtl="0">
+    <a:lvl4pPr lvl="3" marR="0" rtl="0" algn="l">
       <a:lnSpc>
         <a:spcPct val="100000"/>
       </a:lnSpc>
@@ -577,7 +557,7 @@
         <a:srgbClr val="000000"/>
       </a:buClr>
       <a:buFont typeface="Arial"/>
-      <a:defRPr sz="1400" b="0" i="0" u="none" strike="noStrike" cap="none">
+      <a:defRPr b="0" i="0" sz="1400" u="none" cap="none" strike="noStrike">
         <a:solidFill>
           <a:srgbClr val="000000"/>
         </a:solidFill>
@@ -587,7 +567,7 @@
         <a:sym typeface="Arial"/>
       </a:defRPr>
     </a:lvl4pPr>
-    <a:lvl5pPr marR="0" lvl="4" algn="l" rtl="0">
+    <a:lvl5pPr lvl="4" marR="0" rtl="0" algn="l">
       <a:lnSpc>
         <a:spcPct val="100000"/>
       </a:lnSpc>
@@ -601,7 +581,7 @@
         <a:srgbClr val="000000"/>
       </a:buClr>
       <a:buFont typeface="Arial"/>
-      <a:defRPr sz="1400" b="0" i="0" u="none" strike="noStrike" cap="none">
+      <a:defRPr b="0" i="0" sz="1400" u="none" cap="none" strike="noStrike">
         <a:solidFill>
           <a:srgbClr val="000000"/>
         </a:solidFill>
@@ -611,7 +591,7 @@
         <a:sym typeface="Arial"/>
       </a:defRPr>
     </a:lvl5pPr>
-    <a:lvl6pPr marR="0" lvl="5" algn="l" rtl="0">
+    <a:lvl6pPr lvl="5" marR="0" rtl="0" algn="l">
       <a:lnSpc>
         <a:spcPct val="100000"/>
       </a:lnSpc>
@@ -625,7 +605,7 @@
         <a:srgbClr val="000000"/>
       </a:buClr>
       <a:buFont typeface="Arial"/>
-      <a:defRPr sz="1400" b="0" i="0" u="none" strike="noStrike" cap="none">
+      <a:defRPr b="0" i="0" sz="1400" u="none" cap="none" strike="noStrike">
         <a:solidFill>
           <a:srgbClr val="000000"/>
         </a:solidFill>
@@ -635,7 +615,7 @@
         <a:sym typeface="Arial"/>
       </a:defRPr>
     </a:lvl6pPr>
-    <a:lvl7pPr marR="0" lvl="6" algn="l" rtl="0">
+    <a:lvl7pPr lvl="6" marR="0" rtl="0" algn="l">
       <a:lnSpc>
         <a:spcPct val="100000"/>
       </a:lnSpc>
@@ -649,7 +629,7 @@
         <a:srgbClr val="000000"/>
       </a:buClr>
       <a:buFont typeface="Arial"/>
-      <a:defRPr sz="1400" b="0" i="0" u="none" strike="noStrike" cap="none">
+      <a:defRPr b="0" i="0" sz="1400" u="none" cap="none" strike="noStrike">
         <a:solidFill>
           <a:srgbClr val="000000"/>
         </a:solidFill>
@@ -659,7 +639,7 @@
         <a:sym typeface="Arial"/>
       </a:defRPr>
     </a:lvl7pPr>
-    <a:lvl8pPr marR="0" lvl="7" algn="l" rtl="0">
+    <a:lvl8pPr lvl="7" marR="0" rtl="0" algn="l">
       <a:lnSpc>
         <a:spcPct val="100000"/>
       </a:lnSpc>
@@ -673,7 +653,7 @@
         <a:srgbClr val="000000"/>
       </a:buClr>
       <a:buFont typeface="Arial"/>
-      <a:defRPr sz="1400" b="0" i="0" u="none" strike="noStrike" cap="none">
+      <a:defRPr b="0" i="0" sz="1400" u="none" cap="none" strike="noStrike">
         <a:solidFill>
           <a:srgbClr val="000000"/>
         </a:solidFill>
@@ -683,7 +663,7 @@
         <a:sym typeface="Arial"/>
       </a:defRPr>
     </a:lvl8pPr>
-    <a:lvl9pPr marR="0" lvl="8" algn="l" rtl="0">
+    <a:lvl9pPr lvl="8" marR="0" rtl="0" algn="l">
       <a:lnSpc>
         <a:spcPct val="100000"/>
       </a:lnSpc>
@@ -697,7 +677,7 @@
         <a:srgbClr val="000000"/>
       </a:buClr>
       <a:buFont typeface="Arial"/>
-      <a:defRPr sz="1400" b="0" i="0" u="none" strike="noStrike" cap="none">
+      <a:defRPr b="0" i="0" sz="1400" u="none" cap="none" strike="noStrike">
         <a:solidFill>
           <a:srgbClr val="000000"/>
         </a:solidFill>
@@ -712,11 +692,11 @@
 </file>
 
 <file path=ppt/notesSlides/notesSlide1.xml><?xml version="1.0" encoding="utf-8"?>
-<p:notes xmlns:a="http://schemas.openxmlformats.org/drawingml/2006/main" xmlns:r="http://schemas.openxmlformats.org/officeDocument/2006/relationships" xmlns:p="http://schemas.openxmlformats.org/presentationml/2006/main" showMasterSp="0" showMasterPhAnim="0">
+<p:notes xmlns:a="http://schemas.openxmlformats.org/drawingml/2006/main" xmlns:r="http://schemas.openxmlformats.org/officeDocument/2006/relationships" xmlns:mc="http://schemas.openxmlformats.org/markup-compatibility/2006" xmlns:mv="urn:schemas-microsoft-com:mac:vml" xmlns:p="http://schemas.openxmlformats.org/presentationml/2006/main" xmlns:c="http://schemas.openxmlformats.org/drawingml/2006/chart" xmlns:dgm="http://schemas.openxmlformats.org/drawingml/2006/diagram" xmlns:o="urn:schemas-microsoft-com:office:office" xmlns:v="urn:schemas-microsoft-com:vml" xmlns:pvml="urn:schemas-microsoft-com:office:powerpoint" xmlns:com="http://schemas.openxmlformats.org/drawingml/2006/compatibility" xmlns:p14="http://schemas.microsoft.com/office/powerpoint/2010/main" xmlns:p15="http://schemas.microsoft.com/office/powerpoint/2012/main" xmlns:ahyp="http://schemas.microsoft.com/office/drawing/2018/hyperlinkcolor" showMasterPhAnim="0" showMasterSp="0">
   <p:cSld>
     <p:spTree>
       <p:nvGrpSpPr>
-        <p:cNvPr id="1" name="Shape 50"/>
+        <p:cNvPr id="50" name="Shape 50"/>
         <p:cNvGrpSpPr/>
         <p:nvPr/>
       </p:nvGrpSpPr>
@@ -731,26 +711,20 @@
       <p:sp>
         <p:nvSpPr>
           <p:cNvPr id="51" name="Google Shape;51;p:notes"/>
-          <p:cNvSpPr>
-            <a:spLocks noGrp="1" noRot="1" noChangeAspect="1"/>
-          </p:cNvSpPr>
+          <p:cNvSpPr/>
           <p:nvPr>
-            <p:ph type="sldImg" idx="2"/>
+            <p:ph idx="2" type="sldImg"/>
           </p:nvPr>
         </p:nvSpPr>
         <p:spPr>
           <a:xfrm>
-            <a:off x="381000" y="685800"/>
-            <a:ext cx="6096000" cy="3429000"/>
+            <a:off x="381300" y="685800"/>
+            <a:ext cx="6096075" cy="3429000"/>
           </a:xfrm>
           <a:custGeom>
-            <a:avLst/>
-            <a:gdLst/>
-            <a:ahLst/>
-            <a:cxnLst/>
-            <a:rect l="l" t="t" r="r" b="b"/>
+            <a:rect b="b" l="l" r="r" t="t"/>
             <a:pathLst>
-              <a:path w="120000" h="120000" extrusionOk="0">
+              <a:path extrusionOk="0" h="120000" w="120000">
                 <a:moveTo>
                   <a:pt x="0" y="0"/>
                 </a:moveTo>
@@ -772,11 +746,9 @@
       <p:sp>
         <p:nvSpPr>
           <p:cNvPr id="52" name="Google Shape;52;p:notes"/>
-          <p:cNvSpPr txBox="1">
-            <a:spLocks noGrp="1"/>
-          </p:cNvSpPr>
+          <p:cNvSpPr txBox="1"/>
           <p:nvPr>
-            <p:ph type="body" idx="1"/>
+            <p:ph idx="1" type="body"/>
           </p:nvPr>
         </p:nvSpPr>
         <p:spPr>
@@ -789,12 +761,12 @@
           </a:prstGeom>
         </p:spPr>
         <p:txBody>
-          <a:bodyPr spcFirstLastPara="1" wrap="square" lIns="91425" tIns="91425" rIns="91425" bIns="91425" anchor="t" anchorCtr="0">
+          <a:bodyPr anchorCtr="0" anchor="t" bIns="91425" lIns="91425" spcFirstLastPara="1" rIns="91425" wrap="square" tIns="91425">
             <a:noAutofit/>
           </a:bodyPr>
           <a:lstStyle/>
           <a:p>
-            <a:pPr marL="0" lvl="0" indent="0" algn="l" rtl="0">
+            <a:pPr indent="0" lvl="0" marL="0" rtl="0" algn="l">
               <a:spcBef>
                 <a:spcPts val="0"/>
               </a:spcBef>
@@ -803,16 +775,14 @@
               </a:spcAft>
               <a:buNone/>
             </a:pPr>
+            <a:r>
+              <a:t/>
+            </a:r>
             <a:endParaRPr/>
           </a:p>
         </p:txBody>
       </p:sp>
     </p:spTree>
-    <p:extLst>
-      <p:ext uri="{BB962C8B-B14F-4D97-AF65-F5344CB8AC3E}">
-        <p14:creationId xmlns:p14="http://schemas.microsoft.com/office/powerpoint/2010/main" val="119486695"/>
-      </p:ext>
-    </p:extLst>
   </p:cSld>
   <p:clrMapOvr>
     <a:masterClrMapping/>
@@ -821,11 +791,11 @@
 </file>
 
 <file path=ppt/notesSlides/notesSlide2.xml><?xml version="1.0" encoding="utf-8"?>
-<p:notes xmlns:a="http://schemas.openxmlformats.org/drawingml/2006/main" xmlns:r="http://schemas.openxmlformats.org/officeDocument/2006/relationships" xmlns:p="http://schemas.openxmlformats.org/presentationml/2006/main" showMasterSp="0" showMasterPhAnim="0">
+<p:notes xmlns:a="http://schemas.openxmlformats.org/drawingml/2006/main" xmlns:r="http://schemas.openxmlformats.org/officeDocument/2006/relationships" xmlns:mc="http://schemas.openxmlformats.org/markup-compatibility/2006" xmlns:mv="urn:schemas-microsoft-com:mac:vml" xmlns:p="http://schemas.openxmlformats.org/presentationml/2006/main" xmlns:c="http://schemas.openxmlformats.org/drawingml/2006/chart" xmlns:dgm="http://schemas.openxmlformats.org/drawingml/2006/diagram" xmlns:o="urn:schemas-microsoft-com:office:office" xmlns:v="urn:schemas-microsoft-com:vml" xmlns:pvml="urn:schemas-microsoft-com:office:powerpoint" xmlns:com="http://schemas.openxmlformats.org/drawingml/2006/compatibility" xmlns:p14="http://schemas.microsoft.com/office/powerpoint/2010/main" xmlns:p15="http://schemas.microsoft.com/office/powerpoint/2012/main" xmlns:ahyp="http://schemas.microsoft.com/office/drawing/2018/hyperlinkcolor" showMasterPhAnim="0" showMasterSp="0">
   <p:cSld>
     <p:spTree>
       <p:nvGrpSpPr>
-        <p:cNvPr id="1" name="Shape 58"/>
+        <p:cNvPr id="58" name="Shape 58"/>
         <p:cNvGrpSpPr/>
         <p:nvPr/>
       </p:nvGrpSpPr>
@@ -840,26 +810,20 @@
       <p:sp>
         <p:nvSpPr>
           <p:cNvPr id="59" name="Google Shape;59;g177e49eb143_0_45:notes"/>
-          <p:cNvSpPr>
-            <a:spLocks noGrp="1" noRot="1" noChangeAspect="1"/>
-          </p:cNvSpPr>
+          <p:cNvSpPr/>
           <p:nvPr>
-            <p:ph type="sldImg" idx="2"/>
+            <p:ph idx="2" type="sldImg"/>
           </p:nvPr>
         </p:nvSpPr>
         <p:spPr>
           <a:xfrm>
-            <a:off x="381000" y="685800"/>
+            <a:off x="381300" y="685800"/>
             <a:ext cx="6096000" cy="3429000"/>
           </a:xfrm>
           <a:custGeom>
-            <a:avLst/>
-            <a:gdLst/>
-            <a:ahLst/>
-            <a:cxnLst/>
-            <a:rect l="l" t="t" r="r" b="b"/>
+            <a:rect b="b" l="l" r="r" t="t"/>
             <a:pathLst>
-              <a:path w="120000" h="120000" extrusionOk="0">
+              <a:path extrusionOk="0" h="120000" w="120000">
                 <a:moveTo>
                   <a:pt x="0" y="0"/>
                 </a:moveTo>
@@ -881,11 +845,9 @@
       <p:sp>
         <p:nvSpPr>
           <p:cNvPr id="60" name="Google Shape;60;g177e49eb143_0_45:notes"/>
-          <p:cNvSpPr txBox="1">
-            <a:spLocks noGrp="1"/>
-          </p:cNvSpPr>
+          <p:cNvSpPr txBox="1"/>
           <p:nvPr>
-            <p:ph type="body" idx="1"/>
+            <p:ph idx="1" type="body"/>
           </p:nvPr>
         </p:nvSpPr>
         <p:spPr>
@@ -898,12 +860,12 @@
           </a:prstGeom>
         </p:spPr>
         <p:txBody>
-          <a:bodyPr spcFirstLastPara="1" wrap="square" lIns="91425" tIns="91425" rIns="91425" bIns="91425" anchor="t" anchorCtr="0">
+          <a:bodyPr anchorCtr="0" anchor="t" bIns="91425" lIns="91425" spcFirstLastPara="1" rIns="91425" wrap="square" tIns="91425">
             <a:noAutofit/>
           </a:bodyPr>
           <a:lstStyle/>
           <a:p>
-            <a:pPr marL="0" lvl="0" indent="0" algn="l" rtl="0">
+            <a:pPr indent="0" lvl="0" marL="0" rtl="0" algn="l">
               <a:spcBef>
                 <a:spcPts val="0"/>
               </a:spcBef>
@@ -912,16 +874,14 @@
               </a:spcAft>
               <a:buNone/>
             </a:pPr>
+            <a:r>
+              <a:t/>
+            </a:r>
             <a:endParaRPr/>
           </a:p>
         </p:txBody>
       </p:sp>
     </p:spTree>
-    <p:extLst>
-      <p:ext uri="{BB962C8B-B14F-4D97-AF65-F5344CB8AC3E}">
-        <p14:creationId xmlns:p14="http://schemas.microsoft.com/office/powerpoint/2010/main" val="3053498479"/>
-      </p:ext>
-    </p:extLst>
   </p:cSld>
   <p:clrMapOvr>
     <a:masterClrMapping/>
@@ -930,11 +890,11 @@
 </file>
 
 <file path=ppt/notesSlides/notesSlide3.xml><?xml version="1.0" encoding="utf-8"?>
-<p:notes xmlns:a="http://schemas.openxmlformats.org/drawingml/2006/main" xmlns:r="http://schemas.openxmlformats.org/officeDocument/2006/relationships" xmlns:p="http://schemas.openxmlformats.org/presentationml/2006/main" showMasterSp="0" showMasterPhAnim="0">
+<p:notes xmlns:a="http://schemas.openxmlformats.org/drawingml/2006/main" xmlns:r="http://schemas.openxmlformats.org/officeDocument/2006/relationships" xmlns:mc="http://schemas.openxmlformats.org/markup-compatibility/2006" xmlns:mv="urn:schemas-microsoft-com:mac:vml" xmlns:p="http://schemas.openxmlformats.org/presentationml/2006/main" xmlns:c="http://schemas.openxmlformats.org/drawingml/2006/chart" xmlns:dgm="http://schemas.openxmlformats.org/drawingml/2006/diagram" xmlns:o="urn:schemas-microsoft-com:office:office" xmlns:v="urn:schemas-microsoft-com:vml" xmlns:pvml="urn:schemas-microsoft-com:office:powerpoint" xmlns:com="http://schemas.openxmlformats.org/drawingml/2006/compatibility" xmlns:p14="http://schemas.microsoft.com/office/powerpoint/2010/main" xmlns:p15="http://schemas.microsoft.com/office/powerpoint/2012/main" xmlns:ahyp="http://schemas.microsoft.com/office/drawing/2018/hyperlinkcolor" showMasterPhAnim="0" showMasterSp="0">
   <p:cSld>
     <p:spTree>
       <p:nvGrpSpPr>
-        <p:cNvPr id="1" name="Shape 65"/>
+        <p:cNvPr id="65" name="Shape 65"/>
         <p:cNvGrpSpPr/>
         <p:nvPr/>
       </p:nvGrpSpPr>
@@ -949,26 +909,20 @@
       <p:sp>
         <p:nvSpPr>
           <p:cNvPr id="66" name="Google Shape;66;g177e49eb143_0_50:notes"/>
-          <p:cNvSpPr>
-            <a:spLocks noGrp="1" noRot="1" noChangeAspect="1"/>
-          </p:cNvSpPr>
+          <p:cNvSpPr/>
           <p:nvPr>
-            <p:ph type="sldImg" idx="2"/>
+            <p:ph idx="2" type="sldImg"/>
           </p:nvPr>
         </p:nvSpPr>
         <p:spPr>
           <a:xfrm>
-            <a:off x="381000" y="685800"/>
+            <a:off x="381300" y="685800"/>
             <a:ext cx="6096000" cy="3429000"/>
           </a:xfrm>
           <a:custGeom>
-            <a:avLst/>
-            <a:gdLst/>
-            <a:ahLst/>
-            <a:cxnLst/>
-            <a:rect l="l" t="t" r="r" b="b"/>
+            <a:rect b="b" l="l" r="r" t="t"/>
             <a:pathLst>
-              <a:path w="120000" h="120000" extrusionOk="0">
+              <a:path extrusionOk="0" h="120000" w="120000">
                 <a:moveTo>
                   <a:pt x="0" y="0"/>
                 </a:moveTo>
@@ -990,11 +944,9 @@
       <p:sp>
         <p:nvSpPr>
           <p:cNvPr id="67" name="Google Shape;67;g177e49eb143_0_50:notes"/>
-          <p:cNvSpPr txBox="1">
-            <a:spLocks noGrp="1"/>
-          </p:cNvSpPr>
+          <p:cNvSpPr txBox="1"/>
           <p:nvPr>
-            <p:ph type="body" idx="1"/>
+            <p:ph idx="1" type="body"/>
           </p:nvPr>
         </p:nvSpPr>
         <p:spPr>
@@ -1007,12 +959,12 @@
           </a:prstGeom>
         </p:spPr>
         <p:txBody>
-          <a:bodyPr spcFirstLastPara="1" wrap="square" lIns="91425" tIns="91425" rIns="91425" bIns="91425" anchor="t" anchorCtr="0">
+          <a:bodyPr anchorCtr="0" anchor="t" bIns="91425" lIns="91425" spcFirstLastPara="1" rIns="91425" wrap="square" tIns="91425">
             <a:noAutofit/>
           </a:bodyPr>
           <a:lstStyle/>
           <a:p>
-            <a:pPr marL="0" lvl="0" indent="0" algn="l" rtl="0">
+            <a:pPr indent="0" lvl="0" marL="0" rtl="0" algn="l">
               <a:spcBef>
                 <a:spcPts val="0"/>
               </a:spcBef>
@@ -1021,16 +973,14 @@
               </a:spcAft>
               <a:buNone/>
             </a:pPr>
+            <a:r>
+              <a:t/>
+            </a:r>
             <a:endParaRPr/>
           </a:p>
         </p:txBody>
       </p:sp>
     </p:spTree>
-    <p:extLst>
-      <p:ext uri="{BB962C8B-B14F-4D97-AF65-F5344CB8AC3E}">
-        <p14:creationId xmlns:p14="http://schemas.microsoft.com/office/powerpoint/2010/main" val="3764334803"/>
-      </p:ext>
-    </p:extLst>
   </p:cSld>
   <p:clrMapOvr>
     <a:masterClrMapping/>
@@ -1039,11 +989,11 @@
 </file>
 
 <file path=ppt/notesSlides/notesSlide4.xml><?xml version="1.0" encoding="utf-8"?>
-<p:notes xmlns:a="http://schemas.openxmlformats.org/drawingml/2006/main" xmlns:r="http://schemas.openxmlformats.org/officeDocument/2006/relationships" xmlns:p="http://schemas.openxmlformats.org/presentationml/2006/main" showMasterSp="0" showMasterPhAnim="0">
+<p:notes xmlns:a="http://schemas.openxmlformats.org/drawingml/2006/main" xmlns:r="http://schemas.openxmlformats.org/officeDocument/2006/relationships" xmlns:mc="http://schemas.openxmlformats.org/markup-compatibility/2006" xmlns:mv="urn:schemas-microsoft-com:mac:vml" xmlns:p="http://schemas.openxmlformats.org/presentationml/2006/main" xmlns:c="http://schemas.openxmlformats.org/drawingml/2006/chart" xmlns:dgm="http://schemas.openxmlformats.org/drawingml/2006/diagram" xmlns:o="urn:schemas-microsoft-com:office:office" xmlns:v="urn:schemas-microsoft-com:vml" xmlns:pvml="urn:schemas-microsoft-com:office:powerpoint" xmlns:com="http://schemas.openxmlformats.org/drawingml/2006/compatibility" xmlns:p14="http://schemas.microsoft.com/office/powerpoint/2010/main" xmlns:p15="http://schemas.microsoft.com/office/powerpoint/2012/main" xmlns:ahyp="http://schemas.microsoft.com/office/drawing/2018/hyperlinkcolor" showMasterPhAnim="0" showMasterSp="0">
   <p:cSld>
     <p:spTree>
       <p:nvGrpSpPr>
-        <p:cNvPr id="1" name="Shape 72"/>
+        <p:cNvPr id="72" name="Shape 72"/>
         <p:cNvGrpSpPr/>
         <p:nvPr/>
       </p:nvGrpSpPr>
@@ -1058,26 +1008,20 @@
       <p:sp>
         <p:nvSpPr>
           <p:cNvPr id="73" name="Google Shape;73;g17b906911b2_3_0:notes"/>
-          <p:cNvSpPr>
-            <a:spLocks noGrp="1" noRot="1" noChangeAspect="1"/>
-          </p:cNvSpPr>
+          <p:cNvSpPr/>
           <p:nvPr>
-            <p:ph type="sldImg" idx="2"/>
+            <p:ph idx="2" type="sldImg"/>
           </p:nvPr>
         </p:nvSpPr>
         <p:spPr>
           <a:xfrm>
-            <a:off x="381000" y="685800"/>
+            <a:off x="381300" y="685800"/>
             <a:ext cx="6096000" cy="3429000"/>
           </a:xfrm>
           <a:custGeom>
-            <a:avLst/>
-            <a:gdLst/>
-            <a:ahLst/>
-            <a:cxnLst/>
-            <a:rect l="l" t="t" r="r" b="b"/>
+            <a:rect b="b" l="l" r="r" t="t"/>
             <a:pathLst>
-              <a:path w="120000" h="120000" extrusionOk="0">
+              <a:path extrusionOk="0" h="120000" w="120000">
                 <a:moveTo>
                   <a:pt x="0" y="0"/>
                 </a:moveTo>
@@ -1099,11 +1043,9 @@
       <p:sp>
         <p:nvSpPr>
           <p:cNvPr id="74" name="Google Shape;74;g17b906911b2_3_0:notes"/>
-          <p:cNvSpPr txBox="1">
-            <a:spLocks noGrp="1"/>
-          </p:cNvSpPr>
+          <p:cNvSpPr txBox="1"/>
           <p:nvPr>
-            <p:ph type="body" idx="1"/>
+            <p:ph idx="1" type="body"/>
           </p:nvPr>
         </p:nvSpPr>
         <p:spPr>
@@ -1116,12 +1058,12 @@
           </a:prstGeom>
         </p:spPr>
         <p:txBody>
-          <a:bodyPr spcFirstLastPara="1" wrap="square" lIns="91425" tIns="91425" rIns="91425" bIns="91425" anchor="t" anchorCtr="0">
+          <a:bodyPr anchorCtr="0" anchor="t" bIns="91425" lIns="91425" spcFirstLastPara="1" rIns="91425" wrap="square" tIns="91425">
             <a:noAutofit/>
           </a:bodyPr>
           <a:lstStyle/>
           <a:p>
-            <a:pPr marL="0" lvl="0" indent="0" algn="l" rtl="0">
+            <a:pPr indent="0" lvl="0" marL="0" rtl="0" algn="l">
               <a:spcBef>
                 <a:spcPts val="0"/>
               </a:spcBef>
@@ -1130,16 +1072,14 @@
               </a:spcAft>
               <a:buNone/>
             </a:pPr>
+            <a:r>
+              <a:t/>
+            </a:r>
             <a:endParaRPr/>
           </a:p>
         </p:txBody>
       </p:sp>
     </p:spTree>
-    <p:extLst>
-      <p:ext uri="{BB962C8B-B14F-4D97-AF65-F5344CB8AC3E}">
-        <p14:creationId xmlns:p14="http://schemas.microsoft.com/office/powerpoint/2010/main" val="125264136"/>
-      </p:ext>
-    </p:extLst>
   </p:cSld>
   <p:clrMapOvr>
     <a:masterClrMapping/>
@@ -1148,11 +1088,11 @@
 </file>
 
 <file path=ppt/notesSlides/notesSlide5.xml><?xml version="1.0" encoding="utf-8"?>
-<p:notes xmlns:a="http://schemas.openxmlformats.org/drawingml/2006/main" xmlns:r="http://schemas.openxmlformats.org/officeDocument/2006/relationships" xmlns:p="http://schemas.openxmlformats.org/presentationml/2006/main" showMasterSp="0" showMasterPhAnim="0">
+<p:notes xmlns:a="http://schemas.openxmlformats.org/drawingml/2006/main" xmlns:r="http://schemas.openxmlformats.org/officeDocument/2006/relationships" xmlns:mc="http://schemas.openxmlformats.org/markup-compatibility/2006" xmlns:mv="urn:schemas-microsoft-com:mac:vml" xmlns:p="http://schemas.openxmlformats.org/presentationml/2006/main" xmlns:c="http://schemas.openxmlformats.org/drawingml/2006/chart" xmlns:dgm="http://schemas.openxmlformats.org/drawingml/2006/diagram" xmlns:o="urn:schemas-microsoft-com:office:office" xmlns:v="urn:schemas-microsoft-com:vml" xmlns:pvml="urn:schemas-microsoft-com:office:powerpoint" xmlns:com="http://schemas.openxmlformats.org/drawingml/2006/compatibility" xmlns:p14="http://schemas.microsoft.com/office/powerpoint/2010/main" xmlns:p15="http://schemas.microsoft.com/office/powerpoint/2012/main" xmlns:ahyp="http://schemas.microsoft.com/office/drawing/2018/hyperlinkcolor" showMasterPhAnim="0" showMasterSp="0">
   <p:cSld>
     <p:spTree>
       <p:nvGrpSpPr>
-        <p:cNvPr id="1" name="Shape 77"/>
+        <p:cNvPr id="77" name="Shape 77"/>
         <p:cNvGrpSpPr/>
         <p:nvPr/>
       </p:nvGrpSpPr>
@@ -1167,26 +1107,20 @@
       <p:sp>
         <p:nvSpPr>
           <p:cNvPr id="78" name="Google Shape;78;g17b906911b2_3_11:notes"/>
-          <p:cNvSpPr>
-            <a:spLocks noGrp="1" noRot="1" noChangeAspect="1"/>
-          </p:cNvSpPr>
+          <p:cNvSpPr/>
           <p:nvPr>
-            <p:ph type="sldImg" idx="2"/>
+            <p:ph idx="2" type="sldImg"/>
           </p:nvPr>
         </p:nvSpPr>
         <p:spPr>
           <a:xfrm>
-            <a:off x="381000" y="685800"/>
+            <a:off x="381300" y="685800"/>
             <a:ext cx="6096000" cy="3429000"/>
           </a:xfrm>
           <a:custGeom>
-            <a:avLst/>
-            <a:gdLst/>
-            <a:ahLst/>
-            <a:cxnLst/>
-            <a:rect l="l" t="t" r="r" b="b"/>
+            <a:rect b="b" l="l" r="r" t="t"/>
             <a:pathLst>
-              <a:path w="120000" h="120000" extrusionOk="0">
+              <a:path extrusionOk="0" h="120000" w="120000">
                 <a:moveTo>
                   <a:pt x="0" y="0"/>
                 </a:moveTo>
@@ -1208,11 +1142,9 @@
       <p:sp>
         <p:nvSpPr>
           <p:cNvPr id="79" name="Google Shape;79;g17b906911b2_3_11:notes"/>
-          <p:cNvSpPr txBox="1">
-            <a:spLocks noGrp="1"/>
-          </p:cNvSpPr>
+          <p:cNvSpPr txBox="1"/>
           <p:nvPr>
-            <p:ph type="body" idx="1"/>
+            <p:ph idx="1" type="body"/>
           </p:nvPr>
         </p:nvSpPr>
         <p:spPr>
@@ -1225,12 +1157,12 @@
           </a:prstGeom>
         </p:spPr>
         <p:txBody>
-          <a:bodyPr spcFirstLastPara="1" wrap="square" lIns="91425" tIns="91425" rIns="91425" bIns="91425" anchor="t" anchorCtr="0">
+          <a:bodyPr anchorCtr="0" anchor="t" bIns="91425" lIns="91425" spcFirstLastPara="1" rIns="91425" wrap="square" tIns="91425">
             <a:noAutofit/>
           </a:bodyPr>
           <a:lstStyle/>
           <a:p>
-            <a:pPr marL="0" lvl="0" indent="0" algn="l" rtl="0">
+            <a:pPr indent="0" lvl="0" marL="0" rtl="0" algn="l">
               <a:spcBef>
                 <a:spcPts val="0"/>
               </a:spcBef>
@@ -1239,16 +1171,14 @@
               </a:spcAft>
               <a:buNone/>
             </a:pPr>
+            <a:r>
+              <a:t/>
+            </a:r>
             <a:endParaRPr/>
           </a:p>
         </p:txBody>
       </p:sp>
     </p:spTree>
-    <p:extLst>
-      <p:ext uri="{BB962C8B-B14F-4D97-AF65-F5344CB8AC3E}">
-        <p14:creationId xmlns:p14="http://schemas.microsoft.com/office/powerpoint/2010/main" val="2826743708"/>
-      </p:ext>
-    </p:extLst>
   </p:cSld>
   <p:clrMapOvr>
     <a:masterClrMapping/>
@@ -1257,11 +1187,11 @@
 </file>
 
 <file path=ppt/notesSlides/notesSlide6.xml><?xml version="1.0" encoding="utf-8"?>
-<p:notes xmlns:a="http://schemas.openxmlformats.org/drawingml/2006/main" xmlns:r="http://schemas.openxmlformats.org/officeDocument/2006/relationships" xmlns:p="http://schemas.openxmlformats.org/presentationml/2006/main" showMasterSp="0" showMasterPhAnim="0">
+<p:notes xmlns:a="http://schemas.openxmlformats.org/drawingml/2006/main" xmlns:r="http://schemas.openxmlformats.org/officeDocument/2006/relationships" xmlns:mc="http://schemas.openxmlformats.org/markup-compatibility/2006" xmlns:mv="urn:schemas-microsoft-com:mac:vml" xmlns:p="http://schemas.openxmlformats.org/presentationml/2006/main" xmlns:c="http://schemas.openxmlformats.org/drawingml/2006/chart" xmlns:dgm="http://schemas.openxmlformats.org/drawingml/2006/diagram" xmlns:o="urn:schemas-microsoft-com:office:office" xmlns:v="urn:schemas-microsoft-com:vml" xmlns:pvml="urn:schemas-microsoft-com:office:powerpoint" xmlns:com="http://schemas.openxmlformats.org/drawingml/2006/compatibility" xmlns:p14="http://schemas.microsoft.com/office/powerpoint/2010/main" xmlns:p15="http://schemas.microsoft.com/office/powerpoint/2012/main" xmlns:ahyp="http://schemas.microsoft.com/office/drawing/2018/hyperlinkcolor" showMasterPhAnim="0" showMasterSp="0">
   <p:cSld>
     <p:spTree>
       <p:nvGrpSpPr>
-        <p:cNvPr id="1" name="Shape 82"/>
+        <p:cNvPr id="82" name="Shape 82"/>
         <p:cNvGrpSpPr/>
         <p:nvPr/>
       </p:nvGrpSpPr>
@@ -1276,26 +1206,20 @@
       <p:sp>
         <p:nvSpPr>
           <p:cNvPr id="83" name="Google Shape;83;g17b906911b2_3_6:notes"/>
-          <p:cNvSpPr>
-            <a:spLocks noGrp="1" noRot="1" noChangeAspect="1"/>
-          </p:cNvSpPr>
+          <p:cNvSpPr/>
           <p:nvPr>
-            <p:ph type="sldImg" idx="2"/>
+            <p:ph idx="2" type="sldImg"/>
           </p:nvPr>
         </p:nvSpPr>
         <p:spPr>
           <a:xfrm>
-            <a:off x="381000" y="685800"/>
+            <a:off x="381300" y="685800"/>
             <a:ext cx="6096000" cy="3429000"/>
           </a:xfrm>
           <a:custGeom>
-            <a:avLst/>
-            <a:gdLst/>
-            <a:ahLst/>
-            <a:cxnLst/>
-            <a:rect l="l" t="t" r="r" b="b"/>
+            <a:rect b="b" l="l" r="r" t="t"/>
             <a:pathLst>
-              <a:path w="120000" h="120000" extrusionOk="0">
+              <a:path extrusionOk="0" h="120000" w="120000">
                 <a:moveTo>
                   <a:pt x="0" y="0"/>
                 </a:moveTo>
@@ -1317,11 +1241,9 @@
       <p:sp>
         <p:nvSpPr>
           <p:cNvPr id="84" name="Google Shape;84;g17b906911b2_3_6:notes"/>
-          <p:cNvSpPr txBox="1">
-            <a:spLocks noGrp="1"/>
-          </p:cNvSpPr>
+          <p:cNvSpPr txBox="1"/>
           <p:nvPr>
-            <p:ph type="body" idx="1"/>
+            <p:ph idx="1" type="body"/>
           </p:nvPr>
         </p:nvSpPr>
         <p:spPr>
@@ -1334,12 +1256,12 @@
           </a:prstGeom>
         </p:spPr>
         <p:txBody>
-          <a:bodyPr spcFirstLastPara="1" wrap="square" lIns="91425" tIns="91425" rIns="91425" bIns="91425" anchor="t" anchorCtr="0">
+          <a:bodyPr anchorCtr="0" anchor="t" bIns="91425" lIns="91425" spcFirstLastPara="1" rIns="91425" wrap="square" tIns="91425">
             <a:noAutofit/>
           </a:bodyPr>
           <a:lstStyle/>
           <a:p>
-            <a:pPr marL="0" lvl="0" indent="0" algn="l" rtl="0">
+            <a:pPr indent="0" lvl="0" marL="0" rtl="0" algn="l">
               <a:spcBef>
                 <a:spcPts val="0"/>
               </a:spcBef>
@@ -1348,16 +1270,14 @@
               </a:spcAft>
               <a:buNone/>
             </a:pPr>
+            <a:r>
+              <a:t/>
+            </a:r>
             <a:endParaRPr/>
           </a:p>
         </p:txBody>
       </p:sp>
     </p:spTree>
-    <p:extLst>
-      <p:ext uri="{BB962C8B-B14F-4D97-AF65-F5344CB8AC3E}">
-        <p14:creationId xmlns:p14="http://schemas.microsoft.com/office/powerpoint/2010/main" val="489936532"/>
-      </p:ext>
-    </p:extLst>
   </p:cSld>
   <p:clrMapOvr>
     <a:masterClrMapping/>
@@ -1366,11 +1286,11 @@
 </file>
 
 <file path=ppt/slideLayouts/slideLayout1.xml><?xml version="1.0" encoding="utf-8"?>
-<p:sldLayout xmlns:a="http://schemas.openxmlformats.org/drawingml/2006/main" xmlns:r="http://schemas.openxmlformats.org/officeDocument/2006/relationships" xmlns:p="http://schemas.openxmlformats.org/presentationml/2006/main" matchingName="Title slide" type="title">
+<p:sldLayout xmlns:a="http://schemas.openxmlformats.org/drawingml/2006/main" xmlns:r="http://schemas.openxmlformats.org/officeDocument/2006/relationships" xmlns:mc="http://schemas.openxmlformats.org/markup-compatibility/2006" xmlns:mv="urn:schemas-microsoft-com:mac:vml" xmlns:p="http://schemas.openxmlformats.org/presentationml/2006/main" xmlns:c="http://schemas.openxmlformats.org/drawingml/2006/chart" xmlns:dgm="http://schemas.openxmlformats.org/drawingml/2006/diagram" xmlns:o="urn:schemas-microsoft-com:office:office" xmlns:v="urn:schemas-microsoft-com:vml" xmlns:pvml="urn:schemas-microsoft-com:office:powerpoint" xmlns:com="http://schemas.openxmlformats.org/drawingml/2006/compatibility" xmlns:p14="http://schemas.microsoft.com/office/powerpoint/2010/main" xmlns:p15="http://schemas.microsoft.com/office/powerpoint/2012/main" xmlns:ahyp="http://schemas.microsoft.com/office/drawing/2018/hyperlinkcolor" matchingName="Title slide" type="title">
   <p:cSld name="TITLE">
     <p:spTree>
       <p:nvGrpSpPr>
-        <p:cNvPr id="1" name="Shape 9"/>
+        <p:cNvPr id="9" name="Shape 9"/>
         <p:cNvGrpSpPr/>
         <p:nvPr/>
       </p:nvGrpSpPr>
@@ -1385,9 +1305,7 @@
       <p:sp>
         <p:nvSpPr>
           <p:cNvPr id="10" name="Google Shape;10;p2"/>
-          <p:cNvSpPr txBox="1">
-            <a:spLocks noGrp="1"/>
-          </p:cNvSpPr>
+          <p:cNvSpPr txBox="1"/>
           <p:nvPr>
             <p:ph type="ctrTitle"/>
           </p:nvPr>
@@ -1402,7 +1320,7 @@
           </a:prstGeom>
         </p:spPr>
         <p:txBody>
-          <a:bodyPr spcFirstLastPara="1" wrap="square" lIns="91425" tIns="91425" rIns="91425" bIns="91425" anchor="b" anchorCtr="0">
+          <a:bodyPr anchorCtr="0" anchor="b" bIns="91425" lIns="91425" spcFirstLastPara="1" rIns="91425" wrap="square" tIns="91425">
             <a:normAutofit/>
           </a:bodyPr>
           <a:lstStyle>
@@ -1506,19 +1424,15 @@
               <a:defRPr sz="5200"/>
             </a:lvl9pPr>
           </a:lstStyle>
-          <a:p>
-            <a:endParaRPr/>
-          </a:p>
+          <a:p/>
         </p:txBody>
       </p:sp>
       <p:sp>
         <p:nvSpPr>
           <p:cNvPr id="11" name="Google Shape;11;p2"/>
-          <p:cNvSpPr txBox="1">
-            <a:spLocks noGrp="1"/>
-          </p:cNvSpPr>
+          <p:cNvSpPr txBox="1"/>
           <p:nvPr>
-            <p:ph type="subTitle" idx="1"/>
+            <p:ph idx="1" type="subTitle"/>
           </p:nvPr>
         </p:nvSpPr>
         <p:spPr>
@@ -1531,7 +1445,7 @@
           </a:prstGeom>
         </p:spPr>
         <p:txBody>
-          <a:bodyPr spcFirstLastPara="1" wrap="square" lIns="91425" tIns="91425" rIns="91425" bIns="91425" anchor="t" anchorCtr="0">
+          <a:bodyPr anchorCtr="0" anchor="t" bIns="91425" lIns="91425" spcFirstLastPara="1" rIns="91425" wrap="square" tIns="91425">
             <a:normAutofit/>
           </a:bodyPr>
           <a:lstStyle>
@@ -1662,19 +1576,15 @@
               <a:defRPr sz="2800"/>
             </a:lvl9pPr>
           </a:lstStyle>
-          <a:p>
-            <a:endParaRPr/>
-          </a:p>
+          <a:p/>
         </p:txBody>
       </p:sp>
       <p:sp>
         <p:nvSpPr>
           <p:cNvPr id="12" name="Google Shape;12;p2"/>
-          <p:cNvSpPr txBox="1">
-            <a:spLocks noGrp="1"/>
-          </p:cNvSpPr>
+          <p:cNvSpPr txBox="1"/>
           <p:nvPr>
-            <p:ph type="sldNum" idx="12"/>
+            <p:ph idx="12" type="sldNum"/>
           </p:nvPr>
         </p:nvSpPr>
         <p:spPr>
@@ -1687,7 +1597,7 @@
           </a:prstGeom>
         </p:spPr>
         <p:txBody>
-          <a:bodyPr spcFirstLastPara="1" wrap="square" lIns="91425" tIns="91425" rIns="91425" bIns="91425" anchor="ctr" anchorCtr="0">
+          <a:bodyPr anchorCtr="0" anchor="ctr" bIns="91425" lIns="91425" spcFirstLastPara="1" rIns="91425" wrap="square" tIns="91425">
             <a:normAutofit/>
           </a:bodyPr>
           <a:lstStyle>
@@ -1729,7 +1639,7 @@
             </a:lvl9pPr>
           </a:lstStyle>
           <a:p>
-            <a:pPr marL="0" lvl="0" indent="0" algn="r" rtl="0">
+            <a:pPr indent="0" lvl="0" marL="0" rtl="0" algn="r">
               <a:spcBef>
                 <a:spcPts val="0"/>
               </a:spcBef>
@@ -1755,11 +1665,11 @@
 </file>
 
 <file path=ppt/slideLayouts/slideLayout10.xml><?xml version="1.0" encoding="utf-8"?>
-<p:sldLayout xmlns:a="http://schemas.openxmlformats.org/drawingml/2006/main" xmlns:r="http://schemas.openxmlformats.org/officeDocument/2006/relationships" xmlns:p="http://schemas.openxmlformats.org/presentationml/2006/main" matchingName="Big number">
+<p:sldLayout xmlns:a="http://schemas.openxmlformats.org/drawingml/2006/main" xmlns:r="http://schemas.openxmlformats.org/officeDocument/2006/relationships" xmlns:mc="http://schemas.openxmlformats.org/markup-compatibility/2006" xmlns:mv="urn:schemas-microsoft-com:mac:vml" xmlns:p="http://schemas.openxmlformats.org/presentationml/2006/main" xmlns:c="http://schemas.openxmlformats.org/drawingml/2006/chart" xmlns:dgm="http://schemas.openxmlformats.org/drawingml/2006/diagram" xmlns:o="urn:schemas-microsoft-com:office:office" xmlns:v="urn:schemas-microsoft-com:vml" xmlns:pvml="urn:schemas-microsoft-com:office:powerpoint" xmlns:com="http://schemas.openxmlformats.org/drawingml/2006/compatibility" xmlns:p14="http://schemas.microsoft.com/office/powerpoint/2010/main" xmlns:p15="http://schemas.microsoft.com/office/powerpoint/2012/main" xmlns:ahyp="http://schemas.microsoft.com/office/drawing/2018/hyperlinkcolor" matchingName="Big number">
   <p:cSld name="BIG_NUMBER">
     <p:spTree>
       <p:nvGrpSpPr>
-        <p:cNvPr id="1" name="Shape 44"/>
+        <p:cNvPr id="44" name="Shape 44"/>
         <p:cNvGrpSpPr/>
         <p:nvPr/>
       </p:nvGrpSpPr>
@@ -1774,11 +1684,9 @@
       <p:sp>
         <p:nvSpPr>
           <p:cNvPr id="45" name="Google Shape;45;p11"/>
-          <p:cNvSpPr txBox="1">
-            <a:spLocks noGrp="1"/>
-          </p:cNvSpPr>
+          <p:cNvSpPr txBox="1"/>
           <p:nvPr>
-            <p:ph type="title" hasCustomPrompt="1"/>
+            <p:ph hasCustomPrompt="1" type="title"/>
           </p:nvPr>
         </p:nvSpPr>
         <p:spPr>
@@ -1791,7 +1699,7 @@
           </a:prstGeom>
         </p:spPr>
         <p:txBody>
-          <a:bodyPr spcFirstLastPara="1" wrap="square" lIns="91425" tIns="91425" rIns="91425" bIns="91425" anchor="b" anchorCtr="0">
+          <a:bodyPr anchorCtr="0" anchor="b" bIns="91425" lIns="91425" spcFirstLastPara="1" rIns="91425" wrap="square" tIns="91425">
             <a:normAutofit/>
           </a:bodyPr>
           <a:lstStyle>
@@ -1905,11 +1813,9 @@
       <p:sp>
         <p:nvSpPr>
           <p:cNvPr id="46" name="Google Shape;46;p11"/>
-          <p:cNvSpPr txBox="1">
-            <a:spLocks noGrp="1"/>
-          </p:cNvSpPr>
+          <p:cNvSpPr txBox="1"/>
           <p:nvPr>
-            <p:ph type="body" idx="1"/>
+            <p:ph idx="1" type="body"/>
           </p:nvPr>
         </p:nvSpPr>
         <p:spPr>
@@ -1922,11 +1828,11 @@
           </a:prstGeom>
         </p:spPr>
         <p:txBody>
-          <a:bodyPr spcFirstLastPara="1" wrap="square" lIns="91425" tIns="91425" rIns="91425" bIns="91425" anchor="t" anchorCtr="0">
+          <a:bodyPr anchorCtr="0" anchor="t" bIns="91425" lIns="91425" spcFirstLastPara="1" rIns="91425" wrap="square" tIns="91425">
             <a:normAutofit/>
           </a:bodyPr>
           <a:lstStyle>
-            <a:lvl1pPr marL="457200" lvl="0" indent="-342900" algn="ctr">
+            <a:lvl1pPr indent="-342900" lvl="0" marL="457200" algn="ctr">
               <a:spcBef>
                 <a:spcPts val="0"/>
               </a:spcBef>
@@ -1937,7 +1843,7 @@
               <a:buChar char="●"/>
               <a:defRPr/>
             </a:lvl1pPr>
-            <a:lvl2pPr marL="914400" lvl="1" indent="-317500" algn="ctr">
+            <a:lvl2pPr indent="-317500" lvl="1" marL="914400" algn="ctr">
               <a:spcBef>
                 <a:spcPts val="0"/>
               </a:spcBef>
@@ -1948,7 +1854,7 @@
               <a:buChar char="○"/>
               <a:defRPr/>
             </a:lvl2pPr>
-            <a:lvl3pPr marL="1371600" lvl="2" indent="-317500" algn="ctr">
+            <a:lvl3pPr indent="-317500" lvl="2" marL="1371600" algn="ctr">
               <a:spcBef>
                 <a:spcPts val="0"/>
               </a:spcBef>
@@ -1959,7 +1865,7 @@
               <a:buChar char="■"/>
               <a:defRPr/>
             </a:lvl3pPr>
-            <a:lvl4pPr marL="1828800" lvl="3" indent="-317500" algn="ctr">
+            <a:lvl4pPr indent="-317500" lvl="3" marL="1828800" algn="ctr">
               <a:spcBef>
                 <a:spcPts val="0"/>
               </a:spcBef>
@@ -1970,7 +1876,7 @@
               <a:buChar char="●"/>
               <a:defRPr/>
             </a:lvl4pPr>
-            <a:lvl5pPr marL="2286000" lvl="4" indent="-317500" algn="ctr">
+            <a:lvl5pPr indent="-317500" lvl="4" marL="2286000" algn="ctr">
               <a:spcBef>
                 <a:spcPts val="0"/>
               </a:spcBef>
@@ -1981,7 +1887,7 @@
               <a:buChar char="○"/>
               <a:defRPr/>
             </a:lvl5pPr>
-            <a:lvl6pPr marL="2743200" lvl="5" indent="-317500" algn="ctr">
+            <a:lvl6pPr indent="-317500" lvl="5" marL="2743200" algn="ctr">
               <a:spcBef>
                 <a:spcPts val="0"/>
               </a:spcBef>
@@ -1992,7 +1898,7 @@
               <a:buChar char="■"/>
               <a:defRPr/>
             </a:lvl6pPr>
-            <a:lvl7pPr marL="3200400" lvl="6" indent="-317500" algn="ctr">
+            <a:lvl7pPr indent="-317500" lvl="6" marL="3200400" algn="ctr">
               <a:spcBef>
                 <a:spcPts val="0"/>
               </a:spcBef>
@@ -2003,7 +1909,7 @@
               <a:buChar char="●"/>
               <a:defRPr/>
             </a:lvl7pPr>
-            <a:lvl8pPr marL="3657600" lvl="7" indent="-317500" algn="ctr">
+            <a:lvl8pPr indent="-317500" lvl="7" marL="3657600" algn="ctr">
               <a:spcBef>
                 <a:spcPts val="0"/>
               </a:spcBef>
@@ -2014,7 +1920,7 @@
               <a:buChar char="○"/>
               <a:defRPr/>
             </a:lvl8pPr>
-            <a:lvl9pPr marL="4114800" lvl="8" indent="-317500" algn="ctr">
+            <a:lvl9pPr indent="-317500" lvl="8" marL="4114800" algn="ctr">
               <a:spcBef>
                 <a:spcPts val="0"/>
               </a:spcBef>
@@ -2026,19 +1932,15 @@
               <a:defRPr/>
             </a:lvl9pPr>
           </a:lstStyle>
-          <a:p>
-            <a:endParaRPr/>
-          </a:p>
+          <a:p/>
         </p:txBody>
       </p:sp>
       <p:sp>
         <p:nvSpPr>
           <p:cNvPr id="47" name="Google Shape;47;p11"/>
-          <p:cNvSpPr txBox="1">
-            <a:spLocks noGrp="1"/>
-          </p:cNvSpPr>
+          <p:cNvSpPr txBox="1"/>
           <p:nvPr>
-            <p:ph type="sldNum" idx="12"/>
+            <p:ph idx="12" type="sldNum"/>
           </p:nvPr>
         </p:nvSpPr>
         <p:spPr>
@@ -2051,7 +1953,7 @@
           </a:prstGeom>
         </p:spPr>
         <p:txBody>
-          <a:bodyPr spcFirstLastPara="1" wrap="square" lIns="91425" tIns="91425" rIns="91425" bIns="91425" anchor="ctr" anchorCtr="0">
+          <a:bodyPr anchorCtr="0" anchor="ctr" bIns="91425" lIns="91425" spcFirstLastPara="1" rIns="91425" wrap="square" tIns="91425">
             <a:normAutofit/>
           </a:bodyPr>
           <a:lstStyle>
@@ -2093,7 +1995,7 @@
             </a:lvl9pPr>
           </a:lstStyle>
           <a:p>
-            <a:pPr marL="0" lvl="0" indent="0" algn="r" rtl="0">
+            <a:pPr indent="0" lvl="0" marL="0" rtl="0" algn="r">
               <a:spcBef>
                 <a:spcPts val="0"/>
               </a:spcBef>
@@ -2119,11 +2021,11 @@
 </file>
 
 <file path=ppt/slideLayouts/slideLayout11.xml><?xml version="1.0" encoding="utf-8"?>
-<p:sldLayout xmlns:a="http://schemas.openxmlformats.org/drawingml/2006/main" xmlns:r="http://schemas.openxmlformats.org/officeDocument/2006/relationships" xmlns:p="http://schemas.openxmlformats.org/presentationml/2006/main" matchingName="Blank" type="blank">
+<p:sldLayout xmlns:a="http://schemas.openxmlformats.org/drawingml/2006/main" xmlns:r="http://schemas.openxmlformats.org/officeDocument/2006/relationships" xmlns:mc="http://schemas.openxmlformats.org/markup-compatibility/2006" xmlns:mv="urn:schemas-microsoft-com:mac:vml" xmlns:p="http://schemas.openxmlformats.org/presentationml/2006/main" xmlns:c="http://schemas.openxmlformats.org/drawingml/2006/chart" xmlns:dgm="http://schemas.openxmlformats.org/drawingml/2006/diagram" xmlns:o="urn:schemas-microsoft-com:office:office" xmlns:v="urn:schemas-microsoft-com:vml" xmlns:pvml="urn:schemas-microsoft-com:office:powerpoint" xmlns:com="http://schemas.openxmlformats.org/drawingml/2006/compatibility" xmlns:p14="http://schemas.microsoft.com/office/powerpoint/2010/main" xmlns:p15="http://schemas.microsoft.com/office/powerpoint/2012/main" xmlns:ahyp="http://schemas.microsoft.com/office/drawing/2018/hyperlinkcolor" matchingName="Blank" type="blank">
   <p:cSld name="BLANK">
     <p:spTree>
       <p:nvGrpSpPr>
-        <p:cNvPr id="1" name="Shape 48"/>
+        <p:cNvPr id="48" name="Shape 48"/>
         <p:cNvGrpSpPr/>
         <p:nvPr/>
       </p:nvGrpSpPr>
@@ -2138,11 +2040,9 @@
       <p:sp>
         <p:nvSpPr>
           <p:cNvPr id="49" name="Google Shape;49;p12"/>
-          <p:cNvSpPr txBox="1">
-            <a:spLocks noGrp="1"/>
-          </p:cNvSpPr>
+          <p:cNvSpPr txBox="1"/>
           <p:nvPr>
-            <p:ph type="sldNum" idx="12"/>
+            <p:ph idx="12" type="sldNum"/>
           </p:nvPr>
         </p:nvSpPr>
         <p:spPr>
@@ -2155,7 +2055,7 @@
           </a:prstGeom>
         </p:spPr>
         <p:txBody>
-          <a:bodyPr spcFirstLastPara="1" wrap="square" lIns="91425" tIns="91425" rIns="91425" bIns="91425" anchor="ctr" anchorCtr="0">
+          <a:bodyPr anchorCtr="0" anchor="ctr" bIns="91425" lIns="91425" spcFirstLastPara="1" rIns="91425" wrap="square" tIns="91425">
             <a:normAutofit/>
           </a:bodyPr>
           <a:lstStyle>
@@ -2197,7 +2097,7 @@
             </a:lvl9pPr>
           </a:lstStyle>
           <a:p>
-            <a:pPr marL="0" lvl="0" indent="0" algn="r" rtl="0">
+            <a:pPr indent="0" lvl="0" marL="0" rtl="0" algn="r">
               <a:spcBef>
                 <a:spcPts val="0"/>
               </a:spcBef>
@@ -2223,11 +2123,11 @@
 </file>
 
 <file path=ppt/slideLayouts/slideLayout2.xml><?xml version="1.0" encoding="utf-8"?>
-<p:sldLayout xmlns:a="http://schemas.openxmlformats.org/drawingml/2006/main" xmlns:r="http://schemas.openxmlformats.org/officeDocument/2006/relationships" xmlns:p="http://schemas.openxmlformats.org/presentationml/2006/main" matchingName="Section header" type="secHead">
+<p:sldLayout xmlns:a="http://schemas.openxmlformats.org/drawingml/2006/main" xmlns:r="http://schemas.openxmlformats.org/officeDocument/2006/relationships" xmlns:mc="http://schemas.openxmlformats.org/markup-compatibility/2006" xmlns:mv="urn:schemas-microsoft-com:mac:vml" xmlns:p="http://schemas.openxmlformats.org/presentationml/2006/main" xmlns:c="http://schemas.openxmlformats.org/drawingml/2006/chart" xmlns:dgm="http://schemas.openxmlformats.org/drawingml/2006/diagram" xmlns:o="urn:schemas-microsoft-com:office:office" xmlns:v="urn:schemas-microsoft-com:vml" xmlns:pvml="urn:schemas-microsoft-com:office:powerpoint" xmlns:com="http://schemas.openxmlformats.org/drawingml/2006/compatibility" xmlns:p14="http://schemas.microsoft.com/office/powerpoint/2010/main" xmlns:p15="http://schemas.microsoft.com/office/powerpoint/2012/main" xmlns:ahyp="http://schemas.microsoft.com/office/drawing/2018/hyperlinkcolor" matchingName="Section header" type="secHead">
   <p:cSld name="SECTION_HEADER">
     <p:spTree>
       <p:nvGrpSpPr>
-        <p:cNvPr id="1" name="Shape 13"/>
+        <p:cNvPr id="13" name="Shape 13"/>
         <p:cNvGrpSpPr/>
         <p:nvPr/>
       </p:nvGrpSpPr>
@@ -2242,9 +2142,7 @@
       <p:sp>
         <p:nvSpPr>
           <p:cNvPr id="14" name="Google Shape;14;p3"/>
-          <p:cNvSpPr txBox="1">
-            <a:spLocks noGrp="1"/>
-          </p:cNvSpPr>
+          <p:cNvSpPr txBox="1"/>
           <p:nvPr>
             <p:ph type="title"/>
           </p:nvPr>
@@ -2259,7 +2157,7 @@
           </a:prstGeom>
         </p:spPr>
         <p:txBody>
-          <a:bodyPr spcFirstLastPara="1" wrap="square" lIns="91425" tIns="91425" rIns="91425" bIns="91425" anchor="ctr" anchorCtr="0">
+          <a:bodyPr anchorCtr="0" anchor="ctr" bIns="91425" lIns="91425" spcFirstLastPara="1" rIns="91425" wrap="square" tIns="91425">
             <a:normAutofit/>
           </a:bodyPr>
           <a:lstStyle>
@@ -2363,19 +2261,15 @@
               <a:defRPr sz="3600"/>
             </a:lvl9pPr>
           </a:lstStyle>
-          <a:p>
-            <a:endParaRPr/>
-          </a:p>
+          <a:p/>
         </p:txBody>
       </p:sp>
       <p:sp>
         <p:nvSpPr>
           <p:cNvPr id="15" name="Google Shape;15;p3"/>
-          <p:cNvSpPr txBox="1">
-            <a:spLocks noGrp="1"/>
-          </p:cNvSpPr>
+          <p:cNvSpPr txBox="1"/>
           <p:nvPr>
-            <p:ph type="sldNum" idx="12"/>
+            <p:ph idx="12" type="sldNum"/>
           </p:nvPr>
         </p:nvSpPr>
         <p:spPr>
@@ -2388,7 +2282,7 @@
           </a:prstGeom>
         </p:spPr>
         <p:txBody>
-          <a:bodyPr spcFirstLastPara="1" wrap="square" lIns="91425" tIns="91425" rIns="91425" bIns="91425" anchor="ctr" anchorCtr="0">
+          <a:bodyPr anchorCtr="0" anchor="ctr" bIns="91425" lIns="91425" spcFirstLastPara="1" rIns="91425" wrap="square" tIns="91425">
             <a:normAutofit/>
           </a:bodyPr>
           <a:lstStyle>
@@ -2430,7 +2324,7 @@
             </a:lvl9pPr>
           </a:lstStyle>
           <a:p>
-            <a:pPr marL="0" lvl="0" indent="0" algn="r" rtl="0">
+            <a:pPr indent="0" lvl="0" marL="0" rtl="0" algn="r">
               <a:spcBef>
                 <a:spcPts val="0"/>
               </a:spcBef>
@@ -2456,11 +2350,11 @@
 </file>
 
 <file path=ppt/slideLayouts/slideLayout3.xml><?xml version="1.0" encoding="utf-8"?>
-<p:sldLayout xmlns:a="http://schemas.openxmlformats.org/drawingml/2006/main" xmlns:r="http://schemas.openxmlformats.org/officeDocument/2006/relationships" xmlns:p="http://schemas.openxmlformats.org/presentationml/2006/main" matchingName="Title and body" type="tx">
+<p:sldLayout xmlns:a="http://schemas.openxmlformats.org/drawingml/2006/main" xmlns:r="http://schemas.openxmlformats.org/officeDocument/2006/relationships" xmlns:mc="http://schemas.openxmlformats.org/markup-compatibility/2006" xmlns:mv="urn:schemas-microsoft-com:mac:vml" xmlns:p="http://schemas.openxmlformats.org/presentationml/2006/main" xmlns:c="http://schemas.openxmlformats.org/drawingml/2006/chart" xmlns:dgm="http://schemas.openxmlformats.org/drawingml/2006/diagram" xmlns:o="urn:schemas-microsoft-com:office:office" xmlns:v="urn:schemas-microsoft-com:vml" xmlns:pvml="urn:schemas-microsoft-com:office:powerpoint" xmlns:com="http://schemas.openxmlformats.org/drawingml/2006/compatibility" xmlns:p14="http://schemas.microsoft.com/office/powerpoint/2010/main" xmlns:p15="http://schemas.microsoft.com/office/powerpoint/2012/main" xmlns:ahyp="http://schemas.microsoft.com/office/drawing/2018/hyperlinkcolor" matchingName="Title and body" type="tx">
   <p:cSld name="TITLE_AND_BODY">
     <p:spTree>
       <p:nvGrpSpPr>
-        <p:cNvPr id="1" name="Shape 16"/>
+        <p:cNvPr id="16" name="Shape 16"/>
         <p:cNvGrpSpPr/>
         <p:nvPr/>
       </p:nvGrpSpPr>
@@ -2475,9 +2369,7 @@
       <p:sp>
         <p:nvSpPr>
           <p:cNvPr id="17" name="Google Shape;17;p4"/>
-          <p:cNvSpPr txBox="1">
-            <a:spLocks noGrp="1"/>
-          </p:cNvSpPr>
+          <p:cNvSpPr txBox="1"/>
           <p:nvPr>
             <p:ph type="title"/>
           </p:nvPr>
@@ -2492,7 +2384,7 @@
           </a:prstGeom>
         </p:spPr>
         <p:txBody>
-          <a:bodyPr spcFirstLastPara="1" wrap="square" lIns="91425" tIns="91425" rIns="91425" bIns="91425" anchor="t" anchorCtr="0">
+          <a:bodyPr anchorCtr="0" anchor="t" bIns="91425" lIns="91425" spcFirstLastPara="1" rIns="91425" wrap="square" tIns="91425">
             <a:normAutofit/>
           </a:bodyPr>
           <a:lstStyle>
@@ -2596,19 +2488,15 @@
               <a:defRPr/>
             </a:lvl9pPr>
           </a:lstStyle>
-          <a:p>
-            <a:endParaRPr/>
-          </a:p>
+          <a:p/>
         </p:txBody>
       </p:sp>
       <p:sp>
         <p:nvSpPr>
           <p:cNvPr id="18" name="Google Shape;18;p4"/>
-          <p:cNvSpPr txBox="1">
-            <a:spLocks noGrp="1"/>
-          </p:cNvSpPr>
+          <p:cNvSpPr txBox="1"/>
           <p:nvPr>
-            <p:ph type="body" idx="1"/>
+            <p:ph idx="1" type="body"/>
           </p:nvPr>
         </p:nvSpPr>
         <p:spPr>
@@ -2621,11 +2509,11 @@
           </a:prstGeom>
         </p:spPr>
         <p:txBody>
-          <a:bodyPr spcFirstLastPara="1" wrap="square" lIns="91425" tIns="91425" rIns="91425" bIns="91425" anchor="t" anchorCtr="0">
+          <a:bodyPr anchorCtr="0" anchor="t" bIns="91425" lIns="91425" spcFirstLastPara="1" rIns="91425" wrap="square" tIns="91425">
             <a:normAutofit/>
           </a:bodyPr>
           <a:lstStyle>
-            <a:lvl1pPr marL="457200" lvl="0" indent="-342900">
+            <a:lvl1pPr indent="-342900" lvl="0" marL="457200">
               <a:spcBef>
                 <a:spcPts val="0"/>
               </a:spcBef>
@@ -2636,7 +2524,7 @@
               <a:buChar char="●"/>
               <a:defRPr/>
             </a:lvl1pPr>
-            <a:lvl2pPr marL="914400" lvl="1" indent="-317500">
+            <a:lvl2pPr indent="-317500" lvl="1" marL="914400">
               <a:spcBef>
                 <a:spcPts val="0"/>
               </a:spcBef>
@@ -2647,7 +2535,7 @@
               <a:buChar char="○"/>
               <a:defRPr/>
             </a:lvl2pPr>
-            <a:lvl3pPr marL="1371600" lvl="2" indent="-317500">
+            <a:lvl3pPr indent="-317500" lvl="2" marL="1371600">
               <a:spcBef>
                 <a:spcPts val="0"/>
               </a:spcBef>
@@ -2658,7 +2546,7 @@
               <a:buChar char="■"/>
               <a:defRPr/>
             </a:lvl3pPr>
-            <a:lvl4pPr marL="1828800" lvl="3" indent="-317500">
+            <a:lvl4pPr indent="-317500" lvl="3" marL="1828800">
               <a:spcBef>
                 <a:spcPts val="0"/>
               </a:spcBef>
@@ -2669,7 +2557,7 @@
               <a:buChar char="●"/>
               <a:defRPr/>
             </a:lvl4pPr>
-            <a:lvl5pPr marL="2286000" lvl="4" indent="-317500">
+            <a:lvl5pPr indent="-317500" lvl="4" marL="2286000">
               <a:spcBef>
                 <a:spcPts val="0"/>
               </a:spcBef>
@@ -2680,7 +2568,7 @@
               <a:buChar char="○"/>
               <a:defRPr/>
             </a:lvl5pPr>
-            <a:lvl6pPr marL="2743200" lvl="5" indent="-317500">
+            <a:lvl6pPr indent="-317500" lvl="5" marL="2743200">
               <a:spcBef>
                 <a:spcPts val="0"/>
               </a:spcBef>
@@ -2691,7 +2579,7 @@
               <a:buChar char="■"/>
               <a:defRPr/>
             </a:lvl6pPr>
-            <a:lvl7pPr marL="3200400" lvl="6" indent="-317500">
+            <a:lvl7pPr indent="-317500" lvl="6" marL="3200400">
               <a:spcBef>
                 <a:spcPts val="0"/>
               </a:spcBef>
@@ -2702,7 +2590,7 @@
               <a:buChar char="●"/>
               <a:defRPr/>
             </a:lvl7pPr>
-            <a:lvl8pPr marL="3657600" lvl="7" indent="-317500">
+            <a:lvl8pPr indent="-317500" lvl="7" marL="3657600">
               <a:spcBef>
                 <a:spcPts val="0"/>
               </a:spcBef>
@@ -2713,7 +2601,7 @@
               <a:buChar char="○"/>
               <a:defRPr/>
             </a:lvl8pPr>
-            <a:lvl9pPr marL="4114800" lvl="8" indent="-317500">
+            <a:lvl9pPr indent="-317500" lvl="8" marL="4114800">
               <a:spcBef>
                 <a:spcPts val="0"/>
               </a:spcBef>
@@ -2725,19 +2613,15 @@
               <a:defRPr/>
             </a:lvl9pPr>
           </a:lstStyle>
-          <a:p>
-            <a:endParaRPr/>
-          </a:p>
+          <a:p/>
         </p:txBody>
       </p:sp>
       <p:sp>
         <p:nvSpPr>
           <p:cNvPr id="19" name="Google Shape;19;p4"/>
-          <p:cNvSpPr txBox="1">
-            <a:spLocks noGrp="1"/>
-          </p:cNvSpPr>
+          <p:cNvSpPr txBox="1"/>
           <p:nvPr>
-            <p:ph type="sldNum" idx="12"/>
+            <p:ph idx="12" type="sldNum"/>
           </p:nvPr>
         </p:nvSpPr>
         <p:spPr>
@@ -2750,7 +2634,7 @@
           </a:prstGeom>
         </p:spPr>
         <p:txBody>
-          <a:bodyPr spcFirstLastPara="1" wrap="square" lIns="91425" tIns="91425" rIns="91425" bIns="91425" anchor="ctr" anchorCtr="0">
+          <a:bodyPr anchorCtr="0" anchor="ctr" bIns="91425" lIns="91425" spcFirstLastPara="1" rIns="91425" wrap="square" tIns="91425">
             <a:normAutofit/>
           </a:bodyPr>
           <a:lstStyle>
@@ -2792,7 +2676,7 @@
             </a:lvl9pPr>
           </a:lstStyle>
           <a:p>
-            <a:pPr marL="0" lvl="0" indent="0" algn="r" rtl="0">
+            <a:pPr indent="0" lvl="0" marL="0" rtl="0" algn="r">
               <a:spcBef>
                 <a:spcPts val="0"/>
               </a:spcBef>
@@ -2818,11 +2702,11 @@
 </file>
 
 <file path=ppt/slideLayouts/slideLayout4.xml><?xml version="1.0" encoding="utf-8"?>
-<p:sldLayout xmlns:a="http://schemas.openxmlformats.org/drawingml/2006/main" xmlns:r="http://schemas.openxmlformats.org/officeDocument/2006/relationships" xmlns:p="http://schemas.openxmlformats.org/presentationml/2006/main" matchingName="Title and two columns" type="twoColTx">
+<p:sldLayout xmlns:a="http://schemas.openxmlformats.org/drawingml/2006/main" xmlns:r="http://schemas.openxmlformats.org/officeDocument/2006/relationships" xmlns:mc="http://schemas.openxmlformats.org/markup-compatibility/2006" xmlns:mv="urn:schemas-microsoft-com:mac:vml" xmlns:p="http://schemas.openxmlformats.org/presentationml/2006/main" xmlns:c="http://schemas.openxmlformats.org/drawingml/2006/chart" xmlns:dgm="http://schemas.openxmlformats.org/drawingml/2006/diagram" xmlns:o="urn:schemas-microsoft-com:office:office" xmlns:v="urn:schemas-microsoft-com:vml" xmlns:pvml="urn:schemas-microsoft-com:office:powerpoint" xmlns:com="http://schemas.openxmlformats.org/drawingml/2006/compatibility" xmlns:p14="http://schemas.microsoft.com/office/powerpoint/2010/main" xmlns:p15="http://schemas.microsoft.com/office/powerpoint/2012/main" xmlns:ahyp="http://schemas.microsoft.com/office/drawing/2018/hyperlinkcolor" matchingName="Title and two columns" type="twoColTx">
   <p:cSld name="TITLE_AND_TWO_COLUMNS">
     <p:spTree>
       <p:nvGrpSpPr>
-        <p:cNvPr id="1" name="Shape 20"/>
+        <p:cNvPr id="20" name="Shape 20"/>
         <p:cNvGrpSpPr/>
         <p:nvPr/>
       </p:nvGrpSpPr>
@@ -2837,9 +2721,7 @@
       <p:sp>
         <p:nvSpPr>
           <p:cNvPr id="21" name="Google Shape;21;p5"/>
-          <p:cNvSpPr txBox="1">
-            <a:spLocks noGrp="1"/>
-          </p:cNvSpPr>
+          <p:cNvSpPr txBox="1"/>
           <p:nvPr>
             <p:ph type="title"/>
           </p:nvPr>
@@ -2854,7 +2736,7 @@
           </a:prstGeom>
         </p:spPr>
         <p:txBody>
-          <a:bodyPr spcFirstLastPara="1" wrap="square" lIns="91425" tIns="91425" rIns="91425" bIns="91425" anchor="t" anchorCtr="0">
+          <a:bodyPr anchorCtr="0" anchor="t" bIns="91425" lIns="91425" spcFirstLastPara="1" rIns="91425" wrap="square" tIns="91425">
             <a:normAutofit/>
           </a:bodyPr>
           <a:lstStyle>
@@ -2958,19 +2840,15 @@
               <a:defRPr/>
             </a:lvl9pPr>
           </a:lstStyle>
-          <a:p>
-            <a:endParaRPr/>
-          </a:p>
+          <a:p/>
         </p:txBody>
       </p:sp>
       <p:sp>
         <p:nvSpPr>
           <p:cNvPr id="22" name="Google Shape;22;p5"/>
-          <p:cNvSpPr txBox="1">
-            <a:spLocks noGrp="1"/>
-          </p:cNvSpPr>
+          <p:cNvSpPr txBox="1"/>
           <p:nvPr>
-            <p:ph type="body" idx="1"/>
+            <p:ph idx="1" type="body"/>
           </p:nvPr>
         </p:nvSpPr>
         <p:spPr>
@@ -2983,11 +2861,11 @@
           </a:prstGeom>
         </p:spPr>
         <p:txBody>
-          <a:bodyPr spcFirstLastPara="1" wrap="square" lIns="91425" tIns="91425" rIns="91425" bIns="91425" anchor="t" anchorCtr="0">
+          <a:bodyPr anchorCtr="0" anchor="t" bIns="91425" lIns="91425" spcFirstLastPara="1" rIns="91425" wrap="square" tIns="91425">
             <a:normAutofit/>
           </a:bodyPr>
           <a:lstStyle>
-            <a:lvl1pPr marL="457200" lvl="0" indent="-317500">
+            <a:lvl1pPr indent="-317500" lvl="0" marL="457200">
               <a:spcBef>
                 <a:spcPts val="0"/>
               </a:spcBef>
@@ -2998,7 +2876,7 @@
               <a:buChar char="●"/>
               <a:defRPr sz="1400"/>
             </a:lvl1pPr>
-            <a:lvl2pPr marL="914400" lvl="1" indent="-304800">
+            <a:lvl2pPr indent="-304800" lvl="1" marL="914400">
               <a:spcBef>
                 <a:spcPts val="0"/>
               </a:spcBef>
@@ -3009,7 +2887,7 @@
               <a:buChar char="○"/>
               <a:defRPr sz="1200"/>
             </a:lvl2pPr>
-            <a:lvl3pPr marL="1371600" lvl="2" indent="-304800">
+            <a:lvl3pPr indent="-304800" lvl="2" marL="1371600">
               <a:spcBef>
                 <a:spcPts val="0"/>
               </a:spcBef>
@@ -3020,7 +2898,7 @@
               <a:buChar char="■"/>
               <a:defRPr sz="1200"/>
             </a:lvl3pPr>
-            <a:lvl4pPr marL="1828800" lvl="3" indent="-304800">
+            <a:lvl4pPr indent="-304800" lvl="3" marL="1828800">
               <a:spcBef>
                 <a:spcPts val="0"/>
               </a:spcBef>
@@ -3031,7 +2909,7 @@
               <a:buChar char="●"/>
               <a:defRPr sz="1200"/>
             </a:lvl4pPr>
-            <a:lvl5pPr marL="2286000" lvl="4" indent="-304800">
+            <a:lvl5pPr indent="-304800" lvl="4" marL="2286000">
               <a:spcBef>
                 <a:spcPts val="0"/>
               </a:spcBef>
@@ -3042,7 +2920,7 @@
               <a:buChar char="○"/>
               <a:defRPr sz="1200"/>
             </a:lvl5pPr>
-            <a:lvl6pPr marL="2743200" lvl="5" indent="-304800">
+            <a:lvl6pPr indent="-304800" lvl="5" marL="2743200">
               <a:spcBef>
                 <a:spcPts val="0"/>
               </a:spcBef>
@@ -3053,7 +2931,7 @@
               <a:buChar char="■"/>
               <a:defRPr sz="1200"/>
             </a:lvl6pPr>
-            <a:lvl7pPr marL="3200400" lvl="6" indent="-304800">
+            <a:lvl7pPr indent="-304800" lvl="6" marL="3200400">
               <a:spcBef>
                 <a:spcPts val="0"/>
               </a:spcBef>
@@ -3064,7 +2942,7 @@
               <a:buChar char="●"/>
               <a:defRPr sz="1200"/>
             </a:lvl7pPr>
-            <a:lvl8pPr marL="3657600" lvl="7" indent="-304800">
+            <a:lvl8pPr indent="-304800" lvl="7" marL="3657600">
               <a:spcBef>
                 <a:spcPts val="0"/>
               </a:spcBef>
@@ -3075,7 +2953,7 @@
               <a:buChar char="○"/>
               <a:defRPr sz="1200"/>
             </a:lvl8pPr>
-            <a:lvl9pPr marL="4114800" lvl="8" indent="-304800">
+            <a:lvl9pPr indent="-304800" lvl="8" marL="4114800">
               <a:spcBef>
                 <a:spcPts val="0"/>
               </a:spcBef>
@@ -3087,19 +2965,15 @@
               <a:defRPr sz="1200"/>
             </a:lvl9pPr>
           </a:lstStyle>
-          <a:p>
-            <a:endParaRPr/>
-          </a:p>
+          <a:p/>
         </p:txBody>
       </p:sp>
       <p:sp>
         <p:nvSpPr>
           <p:cNvPr id="23" name="Google Shape;23;p5"/>
-          <p:cNvSpPr txBox="1">
-            <a:spLocks noGrp="1"/>
-          </p:cNvSpPr>
+          <p:cNvSpPr txBox="1"/>
           <p:nvPr>
-            <p:ph type="body" idx="2"/>
+            <p:ph idx="2" type="body"/>
           </p:nvPr>
         </p:nvSpPr>
         <p:spPr>
@@ -3112,11 +2986,11 @@
           </a:prstGeom>
         </p:spPr>
         <p:txBody>
-          <a:bodyPr spcFirstLastPara="1" wrap="square" lIns="91425" tIns="91425" rIns="91425" bIns="91425" anchor="t" anchorCtr="0">
+          <a:bodyPr anchorCtr="0" anchor="t" bIns="91425" lIns="91425" spcFirstLastPara="1" rIns="91425" wrap="square" tIns="91425">
             <a:normAutofit/>
           </a:bodyPr>
           <a:lstStyle>
-            <a:lvl1pPr marL="457200" lvl="0" indent="-317500">
+            <a:lvl1pPr indent="-317500" lvl="0" marL="457200">
               <a:spcBef>
                 <a:spcPts val="0"/>
               </a:spcBef>
@@ -3127,7 +3001,7 @@
               <a:buChar char="●"/>
               <a:defRPr sz="1400"/>
             </a:lvl1pPr>
-            <a:lvl2pPr marL="914400" lvl="1" indent="-304800">
+            <a:lvl2pPr indent="-304800" lvl="1" marL="914400">
               <a:spcBef>
                 <a:spcPts val="0"/>
               </a:spcBef>
@@ -3138,7 +3012,7 @@
               <a:buChar char="○"/>
               <a:defRPr sz="1200"/>
             </a:lvl2pPr>
-            <a:lvl3pPr marL="1371600" lvl="2" indent="-304800">
+            <a:lvl3pPr indent="-304800" lvl="2" marL="1371600">
               <a:spcBef>
                 <a:spcPts val="0"/>
               </a:spcBef>
@@ -3149,7 +3023,7 @@
               <a:buChar char="■"/>
               <a:defRPr sz="1200"/>
             </a:lvl3pPr>
-            <a:lvl4pPr marL="1828800" lvl="3" indent="-304800">
+            <a:lvl4pPr indent="-304800" lvl="3" marL="1828800">
               <a:spcBef>
                 <a:spcPts val="0"/>
               </a:spcBef>
@@ -3160,7 +3034,7 @@
               <a:buChar char="●"/>
               <a:defRPr sz="1200"/>
             </a:lvl4pPr>
-            <a:lvl5pPr marL="2286000" lvl="4" indent="-304800">
+            <a:lvl5pPr indent="-304800" lvl="4" marL="2286000">
               <a:spcBef>
                 <a:spcPts val="0"/>
               </a:spcBef>
@@ -3171,7 +3045,7 @@
               <a:buChar char="○"/>
               <a:defRPr sz="1200"/>
             </a:lvl5pPr>
-            <a:lvl6pPr marL="2743200" lvl="5" indent="-304800">
+            <a:lvl6pPr indent="-304800" lvl="5" marL="2743200">
               <a:spcBef>
                 <a:spcPts val="0"/>
               </a:spcBef>
@@ -3182,7 +3056,7 @@
               <a:buChar char="■"/>
               <a:defRPr sz="1200"/>
             </a:lvl6pPr>
-            <a:lvl7pPr marL="3200400" lvl="6" indent="-304800">
+            <a:lvl7pPr indent="-304800" lvl="6" marL="3200400">
               <a:spcBef>
                 <a:spcPts val="0"/>
               </a:spcBef>
@@ -3193,7 +3067,7 @@
               <a:buChar char="●"/>
               <a:defRPr sz="1200"/>
             </a:lvl7pPr>
-            <a:lvl8pPr marL="3657600" lvl="7" indent="-304800">
+            <a:lvl8pPr indent="-304800" lvl="7" marL="3657600">
               <a:spcBef>
                 <a:spcPts val="0"/>
               </a:spcBef>
@@ -3204,7 +3078,7 @@
               <a:buChar char="○"/>
               <a:defRPr sz="1200"/>
             </a:lvl8pPr>
-            <a:lvl9pPr marL="4114800" lvl="8" indent="-304800">
+            <a:lvl9pPr indent="-304800" lvl="8" marL="4114800">
               <a:spcBef>
                 <a:spcPts val="0"/>
               </a:spcBef>
@@ -3216,19 +3090,15 @@
               <a:defRPr sz="1200"/>
             </a:lvl9pPr>
           </a:lstStyle>
-          <a:p>
-            <a:endParaRPr/>
-          </a:p>
+          <a:p/>
         </p:txBody>
       </p:sp>
       <p:sp>
         <p:nvSpPr>
           <p:cNvPr id="24" name="Google Shape;24;p5"/>
-          <p:cNvSpPr txBox="1">
-            <a:spLocks noGrp="1"/>
-          </p:cNvSpPr>
+          <p:cNvSpPr txBox="1"/>
           <p:nvPr>
-            <p:ph type="sldNum" idx="12"/>
+            <p:ph idx="12" type="sldNum"/>
           </p:nvPr>
         </p:nvSpPr>
         <p:spPr>
@@ -3241,7 +3111,7 @@
           </a:prstGeom>
         </p:spPr>
         <p:txBody>
-          <a:bodyPr spcFirstLastPara="1" wrap="square" lIns="91425" tIns="91425" rIns="91425" bIns="91425" anchor="ctr" anchorCtr="0">
+          <a:bodyPr anchorCtr="0" anchor="ctr" bIns="91425" lIns="91425" spcFirstLastPara="1" rIns="91425" wrap="square" tIns="91425">
             <a:normAutofit/>
           </a:bodyPr>
           <a:lstStyle>
@@ -3283,7 +3153,7 @@
             </a:lvl9pPr>
           </a:lstStyle>
           <a:p>
-            <a:pPr marL="0" lvl="0" indent="0" algn="r" rtl="0">
+            <a:pPr indent="0" lvl="0" marL="0" rtl="0" algn="r">
               <a:spcBef>
                 <a:spcPts val="0"/>
               </a:spcBef>
@@ -3309,11 +3179,11 @@
 </file>
 
 <file path=ppt/slideLayouts/slideLayout5.xml><?xml version="1.0" encoding="utf-8"?>
-<p:sldLayout xmlns:a="http://schemas.openxmlformats.org/drawingml/2006/main" xmlns:r="http://schemas.openxmlformats.org/officeDocument/2006/relationships" xmlns:p="http://schemas.openxmlformats.org/presentationml/2006/main" matchingName="Title only" type="titleOnly">
+<p:sldLayout xmlns:a="http://schemas.openxmlformats.org/drawingml/2006/main" xmlns:r="http://schemas.openxmlformats.org/officeDocument/2006/relationships" xmlns:mc="http://schemas.openxmlformats.org/markup-compatibility/2006" xmlns:mv="urn:schemas-microsoft-com:mac:vml" xmlns:p="http://schemas.openxmlformats.org/presentationml/2006/main" xmlns:c="http://schemas.openxmlformats.org/drawingml/2006/chart" xmlns:dgm="http://schemas.openxmlformats.org/drawingml/2006/diagram" xmlns:o="urn:schemas-microsoft-com:office:office" xmlns:v="urn:schemas-microsoft-com:vml" xmlns:pvml="urn:schemas-microsoft-com:office:powerpoint" xmlns:com="http://schemas.openxmlformats.org/drawingml/2006/compatibility" xmlns:p14="http://schemas.microsoft.com/office/powerpoint/2010/main" xmlns:p15="http://schemas.microsoft.com/office/powerpoint/2012/main" xmlns:ahyp="http://schemas.microsoft.com/office/drawing/2018/hyperlinkcolor" matchingName="Title only" type="titleOnly">
   <p:cSld name="TITLE_ONLY">
     <p:spTree>
       <p:nvGrpSpPr>
-        <p:cNvPr id="1" name="Shape 25"/>
+        <p:cNvPr id="25" name="Shape 25"/>
         <p:cNvGrpSpPr/>
         <p:nvPr/>
       </p:nvGrpSpPr>
@@ -3328,9 +3198,7 @@
       <p:sp>
         <p:nvSpPr>
           <p:cNvPr id="26" name="Google Shape;26;p6"/>
-          <p:cNvSpPr txBox="1">
-            <a:spLocks noGrp="1"/>
-          </p:cNvSpPr>
+          <p:cNvSpPr txBox="1"/>
           <p:nvPr>
             <p:ph type="title"/>
           </p:nvPr>
@@ -3345,7 +3213,7 @@
           </a:prstGeom>
         </p:spPr>
         <p:txBody>
-          <a:bodyPr spcFirstLastPara="1" wrap="square" lIns="91425" tIns="91425" rIns="91425" bIns="91425" anchor="t" anchorCtr="0">
+          <a:bodyPr anchorCtr="0" anchor="t" bIns="91425" lIns="91425" spcFirstLastPara="1" rIns="91425" wrap="square" tIns="91425">
             <a:normAutofit/>
           </a:bodyPr>
           <a:lstStyle>
@@ -3449,19 +3317,15 @@
               <a:defRPr/>
             </a:lvl9pPr>
           </a:lstStyle>
-          <a:p>
-            <a:endParaRPr/>
-          </a:p>
+          <a:p/>
         </p:txBody>
       </p:sp>
       <p:sp>
         <p:nvSpPr>
           <p:cNvPr id="27" name="Google Shape;27;p6"/>
-          <p:cNvSpPr txBox="1">
-            <a:spLocks noGrp="1"/>
-          </p:cNvSpPr>
+          <p:cNvSpPr txBox="1"/>
           <p:nvPr>
-            <p:ph type="sldNum" idx="12"/>
+            <p:ph idx="12" type="sldNum"/>
           </p:nvPr>
         </p:nvSpPr>
         <p:spPr>
@@ -3474,7 +3338,7 @@
           </a:prstGeom>
         </p:spPr>
         <p:txBody>
-          <a:bodyPr spcFirstLastPara="1" wrap="square" lIns="91425" tIns="91425" rIns="91425" bIns="91425" anchor="ctr" anchorCtr="0">
+          <a:bodyPr anchorCtr="0" anchor="ctr" bIns="91425" lIns="91425" spcFirstLastPara="1" rIns="91425" wrap="square" tIns="91425">
             <a:normAutofit/>
           </a:bodyPr>
           <a:lstStyle>
@@ -3516,7 +3380,7 @@
             </a:lvl9pPr>
           </a:lstStyle>
           <a:p>
-            <a:pPr marL="0" lvl="0" indent="0" algn="r" rtl="0">
+            <a:pPr indent="0" lvl="0" marL="0" rtl="0" algn="r">
               <a:spcBef>
                 <a:spcPts val="0"/>
               </a:spcBef>
@@ -3542,11 +3406,11 @@
 </file>
 
 <file path=ppt/slideLayouts/slideLayout6.xml><?xml version="1.0" encoding="utf-8"?>
-<p:sldLayout xmlns:a="http://schemas.openxmlformats.org/drawingml/2006/main" xmlns:r="http://schemas.openxmlformats.org/officeDocument/2006/relationships" xmlns:p="http://schemas.openxmlformats.org/presentationml/2006/main" matchingName="One column text">
+<p:sldLayout xmlns:a="http://schemas.openxmlformats.org/drawingml/2006/main" xmlns:r="http://schemas.openxmlformats.org/officeDocument/2006/relationships" xmlns:mc="http://schemas.openxmlformats.org/markup-compatibility/2006" xmlns:mv="urn:schemas-microsoft-com:mac:vml" xmlns:p="http://schemas.openxmlformats.org/presentationml/2006/main" xmlns:c="http://schemas.openxmlformats.org/drawingml/2006/chart" xmlns:dgm="http://schemas.openxmlformats.org/drawingml/2006/diagram" xmlns:o="urn:schemas-microsoft-com:office:office" xmlns:v="urn:schemas-microsoft-com:vml" xmlns:pvml="urn:schemas-microsoft-com:office:powerpoint" xmlns:com="http://schemas.openxmlformats.org/drawingml/2006/compatibility" xmlns:p14="http://schemas.microsoft.com/office/powerpoint/2010/main" xmlns:p15="http://schemas.microsoft.com/office/powerpoint/2012/main" xmlns:ahyp="http://schemas.microsoft.com/office/drawing/2018/hyperlinkcolor" matchingName="One column text">
   <p:cSld name="ONE_COLUMN_TEXT">
     <p:spTree>
       <p:nvGrpSpPr>
-        <p:cNvPr id="1" name="Shape 28"/>
+        <p:cNvPr id="28" name="Shape 28"/>
         <p:cNvGrpSpPr/>
         <p:nvPr/>
       </p:nvGrpSpPr>
@@ -3561,9 +3425,7 @@
       <p:sp>
         <p:nvSpPr>
           <p:cNvPr id="29" name="Google Shape;29;p7"/>
-          <p:cNvSpPr txBox="1">
-            <a:spLocks noGrp="1"/>
-          </p:cNvSpPr>
+          <p:cNvSpPr txBox="1"/>
           <p:nvPr>
             <p:ph type="title"/>
           </p:nvPr>
@@ -3578,7 +3440,7 @@
           </a:prstGeom>
         </p:spPr>
         <p:txBody>
-          <a:bodyPr spcFirstLastPara="1" wrap="square" lIns="91425" tIns="91425" rIns="91425" bIns="91425" anchor="b" anchorCtr="0">
+          <a:bodyPr anchorCtr="0" anchor="b" bIns="91425" lIns="91425" spcFirstLastPara="1" rIns="91425" wrap="square" tIns="91425">
             <a:normAutofit/>
           </a:bodyPr>
           <a:lstStyle>
@@ -3682,19 +3544,15 @@
               <a:defRPr sz="2400"/>
             </a:lvl9pPr>
           </a:lstStyle>
-          <a:p>
-            <a:endParaRPr/>
-          </a:p>
+          <a:p/>
         </p:txBody>
       </p:sp>
       <p:sp>
         <p:nvSpPr>
           <p:cNvPr id="30" name="Google Shape;30;p7"/>
-          <p:cNvSpPr txBox="1">
-            <a:spLocks noGrp="1"/>
-          </p:cNvSpPr>
+          <p:cNvSpPr txBox="1"/>
           <p:nvPr>
-            <p:ph type="body" idx="1"/>
+            <p:ph idx="1" type="body"/>
           </p:nvPr>
         </p:nvSpPr>
         <p:spPr>
@@ -3707,11 +3565,11 @@
           </a:prstGeom>
         </p:spPr>
         <p:txBody>
-          <a:bodyPr spcFirstLastPara="1" wrap="square" lIns="91425" tIns="91425" rIns="91425" bIns="91425" anchor="t" anchorCtr="0">
+          <a:bodyPr anchorCtr="0" anchor="t" bIns="91425" lIns="91425" spcFirstLastPara="1" rIns="91425" wrap="square" tIns="91425">
             <a:normAutofit/>
           </a:bodyPr>
           <a:lstStyle>
-            <a:lvl1pPr marL="457200" lvl="0" indent="-304800">
+            <a:lvl1pPr indent="-304800" lvl="0" marL="457200">
               <a:spcBef>
                 <a:spcPts val="0"/>
               </a:spcBef>
@@ -3722,7 +3580,7 @@
               <a:buChar char="●"/>
               <a:defRPr sz="1200"/>
             </a:lvl1pPr>
-            <a:lvl2pPr marL="914400" lvl="1" indent="-304800">
+            <a:lvl2pPr indent="-304800" lvl="1" marL="914400">
               <a:spcBef>
                 <a:spcPts val="0"/>
               </a:spcBef>
@@ -3733,7 +3591,7 @@
               <a:buChar char="○"/>
               <a:defRPr sz="1200"/>
             </a:lvl2pPr>
-            <a:lvl3pPr marL="1371600" lvl="2" indent="-304800">
+            <a:lvl3pPr indent="-304800" lvl="2" marL="1371600">
               <a:spcBef>
                 <a:spcPts val="0"/>
               </a:spcBef>
@@ -3744,7 +3602,7 @@
               <a:buChar char="■"/>
               <a:defRPr sz="1200"/>
             </a:lvl3pPr>
-            <a:lvl4pPr marL="1828800" lvl="3" indent="-304800">
+            <a:lvl4pPr indent="-304800" lvl="3" marL="1828800">
               <a:spcBef>
                 <a:spcPts val="0"/>
               </a:spcBef>
@@ -3755,7 +3613,7 @@
               <a:buChar char="●"/>
               <a:defRPr sz="1200"/>
             </a:lvl4pPr>
-            <a:lvl5pPr marL="2286000" lvl="4" indent="-304800">
+            <a:lvl5pPr indent="-304800" lvl="4" marL="2286000">
               <a:spcBef>
                 <a:spcPts val="0"/>
               </a:spcBef>
@@ -3766,7 +3624,7 @@
               <a:buChar char="○"/>
               <a:defRPr sz="1200"/>
             </a:lvl5pPr>
-            <a:lvl6pPr marL="2743200" lvl="5" indent="-304800">
+            <a:lvl6pPr indent="-304800" lvl="5" marL="2743200">
               <a:spcBef>
                 <a:spcPts val="0"/>
               </a:spcBef>
@@ -3777,7 +3635,7 @@
               <a:buChar char="■"/>
               <a:defRPr sz="1200"/>
             </a:lvl6pPr>
-            <a:lvl7pPr marL="3200400" lvl="6" indent="-304800">
+            <a:lvl7pPr indent="-304800" lvl="6" marL="3200400">
               <a:spcBef>
                 <a:spcPts val="0"/>
               </a:spcBef>
@@ -3788,7 +3646,7 @@
               <a:buChar char="●"/>
               <a:defRPr sz="1200"/>
             </a:lvl7pPr>
-            <a:lvl8pPr marL="3657600" lvl="7" indent="-304800">
+            <a:lvl8pPr indent="-304800" lvl="7" marL="3657600">
               <a:spcBef>
                 <a:spcPts val="0"/>
               </a:spcBef>
@@ -3799,7 +3657,7 @@
               <a:buChar char="○"/>
               <a:defRPr sz="1200"/>
             </a:lvl8pPr>
-            <a:lvl9pPr marL="4114800" lvl="8" indent="-304800">
+            <a:lvl9pPr indent="-304800" lvl="8" marL="4114800">
               <a:spcBef>
                 <a:spcPts val="0"/>
               </a:spcBef>
@@ -3811,19 +3669,15 @@
               <a:defRPr sz="1200"/>
             </a:lvl9pPr>
           </a:lstStyle>
-          <a:p>
-            <a:endParaRPr/>
-          </a:p>
+          <a:p/>
         </p:txBody>
       </p:sp>
       <p:sp>
         <p:nvSpPr>
           <p:cNvPr id="31" name="Google Shape;31;p7"/>
-          <p:cNvSpPr txBox="1">
-            <a:spLocks noGrp="1"/>
-          </p:cNvSpPr>
+          <p:cNvSpPr txBox="1"/>
           <p:nvPr>
-            <p:ph type="sldNum" idx="12"/>
+            <p:ph idx="12" type="sldNum"/>
           </p:nvPr>
         </p:nvSpPr>
         <p:spPr>
@@ -3836,7 +3690,7 @@
           </a:prstGeom>
         </p:spPr>
         <p:txBody>
-          <a:bodyPr spcFirstLastPara="1" wrap="square" lIns="91425" tIns="91425" rIns="91425" bIns="91425" anchor="ctr" anchorCtr="0">
+          <a:bodyPr anchorCtr="0" anchor="ctr" bIns="91425" lIns="91425" spcFirstLastPara="1" rIns="91425" wrap="square" tIns="91425">
             <a:normAutofit/>
           </a:bodyPr>
           <a:lstStyle>
@@ -3878,7 +3732,7 @@
             </a:lvl9pPr>
           </a:lstStyle>
           <a:p>
-            <a:pPr marL="0" lvl="0" indent="0" algn="r" rtl="0">
+            <a:pPr indent="0" lvl="0" marL="0" rtl="0" algn="r">
               <a:spcBef>
                 <a:spcPts val="0"/>
               </a:spcBef>
@@ -3904,11 +3758,11 @@
 </file>
 
 <file path=ppt/slideLayouts/slideLayout7.xml><?xml version="1.0" encoding="utf-8"?>
-<p:sldLayout xmlns:a="http://schemas.openxmlformats.org/drawingml/2006/main" xmlns:r="http://schemas.openxmlformats.org/officeDocument/2006/relationships" xmlns:p="http://schemas.openxmlformats.org/presentationml/2006/main" matchingName="Main point">
+<p:sldLayout xmlns:a="http://schemas.openxmlformats.org/drawingml/2006/main" xmlns:r="http://schemas.openxmlformats.org/officeDocument/2006/relationships" xmlns:mc="http://schemas.openxmlformats.org/markup-compatibility/2006" xmlns:mv="urn:schemas-microsoft-com:mac:vml" xmlns:p="http://schemas.openxmlformats.org/presentationml/2006/main" xmlns:c="http://schemas.openxmlformats.org/drawingml/2006/chart" xmlns:dgm="http://schemas.openxmlformats.org/drawingml/2006/diagram" xmlns:o="urn:schemas-microsoft-com:office:office" xmlns:v="urn:schemas-microsoft-com:vml" xmlns:pvml="urn:schemas-microsoft-com:office:powerpoint" xmlns:com="http://schemas.openxmlformats.org/drawingml/2006/compatibility" xmlns:p14="http://schemas.microsoft.com/office/powerpoint/2010/main" xmlns:p15="http://schemas.microsoft.com/office/powerpoint/2012/main" xmlns:ahyp="http://schemas.microsoft.com/office/drawing/2018/hyperlinkcolor" matchingName="Main point">
   <p:cSld name="MAIN_POINT">
     <p:spTree>
       <p:nvGrpSpPr>
-        <p:cNvPr id="1" name="Shape 32"/>
+        <p:cNvPr id="32" name="Shape 32"/>
         <p:cNvGrpSpPr/>
         <p:nvPr/>
       </p:nvGrpSpPr>
@@ -3923,9 +3777,7 @@
       <p:sp>
         <p:nvSpPr>
           <p:cNvPr id="33" name="Google Shape;33;p8"/>
-          <p:cNvSpPr txBox="1">
-            <a:spLocks noGrp="1"/>
-          </p:cNvSpPr>
+          <p:cNvSpPr txBox="1"/>
           <p:nvPr>
             <p:ph type="title"/>
           </p:nvPr>
@@ -3940,7 +3792,7 @@
           </a:prstGeom>
         </p:spPr>
         <p:txBody>
-          <a:bodyPr spcFirstLastPara="1" wrap="square" lIns="91425" tIns="91425" rIns="91425" bIns="91425" anchor="ctr" anchorCtr="0">
+          <a:bodyPr anchorCtr="0" anchor="ctr" bIns="91425" lIns="91425" spcFirstLastPara="1" rIns="91425" wrap="square" tIns="91425">
             <a:normAutofit/>
           </a:bodyPr>
           <a:lstStyle>
@@ -4044,19 +3896,15 @@
               <a:defRPr sz="4800"/>
             </a:lvl9pPr>
           </a:lstStyle>
-          <a:p>
-            <a:endParaRPr/>
-          </a:p>
+          <a:p/>
         </p:txBody>
       </p:sp>
       <p:sp>
         <p:nvSpPr>
           <p:cNvPr id="34" name="Google Shape;34;p8"/>
-          <p:cNvSpPr txBox="1">
-            <a:spLocks noGrp="1"/>
-          </p:cNvSpPr>
+          <p:cNvSpPr txBox="1"/>
           <p:nvPr>
-            <p:ph type="sldNum" idx="12"/>
+            <p:ph idx="12" type="sldNum"/>
           </p:nvPr>
         </p:nvSpPr>
         <p:spPr>
@@ -4069,7 +3917,7 @@
           </a:prstGeom>
         </p:spPr>
         <p:txBody>
-          <a:bodyPr spcFirstLastPara="1" wrap="square" lIns="91425" tIns="91425" rIns="91425" bIns="91425" anchor="ctr" anchorCtr="0">
+          <a:bodyPr anchorCtr="0" anchor="ctr" bIns="91425" lIns="91425" spcFirstLastPara="1" rIns="91425" wrap="square" tIns="91425">
             <a:normAutofit/>
           </a:bodyPr>
           <a:lstStyle>
@@ -4111,7 +3959,7 @@
             </a:lvl9pPr>
           </a:lstStyle>
           <a:p>
-            <a:pPr marL="0" lvl="0" indent="0" algn="r" rtl="0">
+            <a:pPr indent="0" lvl="0" marL="0" rtl="0" algn="r">
               <a:spcBef>
                 <a:spcPts val="0"/>
               </a:spcBef>
@@ -4137,11 +3985,11 @@
 </file>
 
 <file path=ppt/slideLayouts/slideLayout8.xml><?xml version="1.0" encoding="utf-8"?>
-<p:sldLayout xmlns:a="http://schemas.openxmlformats.org/drawingml/2006/main" xmlns:r="http://schemas.openxmlformats.org/officeDocument/2006/relationships" xmlns:p="http://schemas.openxmlformats.org/presentationml/2006/main" matchingName="Section title and description">
+<p:sldLayout xmlns:a="http://schemas.openxmlformats.org/drawingml/2006/main" xmlns:r="http://schemas.openxmlformats.org/officeDocument/2006/relationships" xmlns:mc="http://schemas.openxmlformats.org/markup-compatibility/2006" xmlns:mv="urn:schemas-microsoft-com:mac:vml" xmlns:p="http://schemas.openxmlformats.org/presentationml/2006/main" xmlns:c="http://schemas.openxmlformats.org/drawingml/2006/chart" xmlns:dgm="http://schemas.openxmlformats.org/drawingml/2006/diagram" xmlns:o="urn:schemas-microsoft-com:office:office" xmlns:v="urn:schemas-microsoft-com:vml" xmlns:pvml="urn:schemas-microsoft-com:office:powerpoint" xmlns:com="http://schemas.openxmlformats.org/drawingml/2006/compatibility" xmlns:p14="http://schemas.microsoft.com/office/powerpoint/2010/main" xmlns:p15="http://schemas.microsoft.com/office/powerpoint/2012/main" xmlns:ahyp="http://schemas.microsoft.com/office/drawing/2018/hyperlinkcolor" matchingName="Section title and description">
   <p:cSld name="SECTION_TITLE_AND_DESCRIPTION">
     <p:spTree>
       <p:nvGrpSpPr>
-        <p:cNvPr id="1" name="Shape 35"/>
+        <p:cNvPr id="35" name="Shape 35"/>
         <p:cNvGrpSpPr/>
         <p:nvPr/>
       </p:nvGrpSpPr>
@@ -4175,12 +4023,12 @@
           </a:ln>
         </p:spPr>
         <p:txBody>
-          <a:bodyPr spcFirstLastPara="1" wrap="square" lIns="91425" tIns="91425" rIns="91425" bIns="91425" anchor="ctr" anchorCtr="0">
+          <a:bodyPr anchorCtr="0" anchor="ctr" bIns="91425" lIns="91425" spcFirstLastPara="1" rIns="91425" wrap="square" tIns="91425">
             <a:noAutofit/>
           </a:bodyPr>
           <a:lstStyle/>
           <a:p>
-            <a:pPr marL="0" lvl="0" indent="0" algn="l" rtl="0">
+            <a:pPr indent="0" lvl="0" marL="0" rtl="0" algn="l">
               <a:spcBef>
                 <a:spcPts val="0"/>
               </a:spcBef>
@@ -4189,6 +4037,9 @@
               </a:spcAft>
               <a:buNone/>
             </a:pPr>
+            <a:r>
+              <a:t/>
+            </a:r>
             <a:endParaRPr/>
           </a:p>
         </p:txBody>
@@ -4196,9 +4047,7 @@
       <p:sp>
         <p:nvSpPr>
           <p:cNvPr id="37" name="Google Shape;37;p9"/>
-          <p:cNvSpPr txBox="1">
-            <a:spLocks noGrp="1"/>
-          </p:cNvSpPr>
+          <p:cNvSpPr txBox="1"/>
           <p:nvPr>
             <p:ph type="title"/>
           </p:nvPr>
@@ -4213,7 +4062,7 @@
           </a:prstGeom>
         </p:spPr>
         <p:txBody>
-          <a:bodyPr spcFirstLastPara="1" wrap="square" lIns="91425" tIns="91425" rIns="91425" bIns="91425" anchor="b" anchorCtr="0">
+          <a:bodyPr anchorCtr="0" anchor="b" bIns="91425" lIns="91425" spcFirstLastPara="1" rIns="91425" wrap="square" tIns="91425">
             <a:normAutofit/>
           </a:bodyPr>
           <a:lstStyle>
@@ -4317,19 +4166,15 @@
               <a:defRPr sz="4200"/>
             </a:lvl9pPr>
           </a:lstStyle>
-          <a:p>
-            <a:endParaRPr/>
-          </a:p>
+          <a:p/>
         </p:txBody>
       </p:sp>
       <p:sp>
         <p:nvSpPr>
           <p:cNvPr id="38" name="Google Shape;38;p9"/>
-          <p:cNvSpPr txBox="1">
-            <a:spLocks noGrp="1"/>
-          </p:cNvSpPr>
+          <p:cNvSpPr txBox="1"/>
           <p:nvPr>
-            <p:ph type="subTitle" idx="1"/>
+            <p:ph idx="1" type="subTitle"/>
           </p:nvPr>
         </p:nvSpPr>
         <p:spPr>
@@ -4342,7 +4187,7 @@
           </a:prstGeom>
         </p:spPr>
         <p:txBody>
-          <a:bodyPr spcFirstLastPara="1" wrap="square" lIns="91425" tIns="91425" rIns="91425" bIns="91425" anchor="t" anchorCtr="0">
+          <a:bodyPr anchorCtr="0" anchor="t" bIns="91425" lIns="91425" spcFirstLastPara="1" rIns="91425" wrap="square" tIns="91425">
             <a:normAutofit/>
           </a:bodyPr>
           <a:lstStyle>
@@ -4473,19 +4318,15 @@
               <a:defRPr sz="2100"/>
             </a:lvl9pPr>
           </a:lstStyle>
-          <a:p>
-            <a:endParaRPr/>
-          </a:p>
+          <a:p/>
         </p:txBody>
       </p:sp>
       <p:sp>
         <p:nvSpPr>
           <p:cNvPr id="39" name="Google Shape;39;p9"/>
-          <p:cNvSpPr txBox="1">
-            <a:spLocks noGrp="1"/>
-          </p:cNvSpPr>
+          <p:cNvSpPr txBox="1"/>
           <p:nvPr>
-            <p:ph type="body" idx="2"/>
+            <p:ph idx="2" type="body"/>
           </p:nvPr>
         </p:nvSpPr>
         <p:spPr>
@@ -4498,11 +4339,11 @@
           </a:prstGeom>
         </p:spPr>
         <p:txBody>
-          <a:bodyPr spcFirstLastPara="1" wrap="square" lIns="91425" tIns="91425" rIns="91425" bIns="91425" anchor="ctr" anchorCtr="0">
+          <a:bodyPr anchorCtr="0" anchor="ctr" bIns="91425" lIns="91425" spcFirstLastPara="1" rIns="91425" wrap="square" tIns="91425">
             <a:normAutofit/>
           </a:bodyPr>
           <a:lstStyle>
-            <a:lvl1pPr marL="457200" lvl="0" indent="-342900">
+            <a:lvl1pPr indent="-342900" lvl="0" marL="457200">
               <a:spcBef>
                 <a:spcPts val="0"/>
               </a:spcBef>
@@ -4520,7 +4361,7 @@
                 </a:solidFill>
               </a:defRPr>
             </a:lvl1pPr>
-            <a:lvl2pPr marL="914400" lvl="1" indent="-317500">
+            <a:lvl2pPr indent="-317500" lvl="1" marL="914400">
               <a:spcBef>
                 <a:spcPts val="0"/>
               </a:spcBef>
@@ -4538,7 +4379,7 @@
                 </a:solidFill>
               </a:defRPr>
             </a:lvl2pPr>
-            <a:lvl3pPr marL="1371600" lvl="2" indent="-317500">
+            <a:lvl3pPr indent="-317500" lvl="2" marL="1371600">
               <a:spcBef>
                 <a:spcPts val="0"/>
               </a:spcBef>
@@ -4556,7 +4397,7 @@
                 </a:solidFill>
               </a:defRPr>
             </a:lvl3pPr>
-            <a:lvl4pPr marL="1828800" lvl="3" indent="-317500">
+            <a:lvl4pPr indent="-317500" lvl="3" marL="1828800">
               <a:spcBef>
                 <a:spcPts val="0"/>
               </a:spcBef>
@@ -4574,7 +4415,7 @@
                 </a:solidFill>
               </a:defRPr>
             </a:lvl4pPr>
-            <a:lvl5pPr marL="2286000" lvl="4" indent="-317500">
+            <a:lvl5pPr indent="-317500" lvl="4" marL="2286000">
               <a:spcBef>
                 <a:spcPts val="0"/>
               </a:spcBef>
@@ -4592,7 +4433,7 @@
                 </a:solidFill>
               </a:defRPr>
             </a:lvl5pPr>
-            <a:lvl6pPr marL="2743200" lvl="5" indent="-317500">
+            <a:lvl6pPr indent="-317500" lvl="5" marL="2743200">
               <a:spcBef>
                 <a:spcPts val="0"/>
               </a:spcBef>
@@ -4610,7 +4451,7 @@
                 </a:solidFill>
               </a:defRPr>
             </a:lvl6pPr>
-            <a:lvl7pPr marL="3200400" lvl="6" indent="-317500">
+            <a:lvl7pPr indent="-317500" lvl="6" marL="3200400">
               <a:spcBef>
                 <a:spcPts val="0"/>
               </a:spcBef>
@@ -4628,7 +4469,7 @@
                 </a:solidFill>
               </a:defRPr>
             </a:lvl7pPr>
-            <a:lvl8pPr marL="3657600" lvl="7" indent="-317500">
+            <a:lvl8pPr indent="-317500" lvl="7" marL="3657600">
               <a:spcBef>
                 <a:spcPts val="0"/>
               </a:spcBef>
@@ -4646,7 +4487,7 @@
                 </a:solidFill>
               </a:defRPr>
             </a:lvl8pPr>
-            <a:lvl9pPr marL="4114800" lvl="8" indent="-317500">
+            <a:lvl9pPr indent="-317500" lvl="8" marL="4114800">
               <a:spcBef>
                 <a:spcPts val="0"/>
               </a:spcBef>
@@ -4665,19 +4506,15 @@
               </a:defRPr>
             </a:lvl9pPr>
           </a:lstStyle>
-          <a:p>
-            <a:endParaRPr/>
-          </a:p>
+          <a:p/>
         </p:txBody>
       </p:sp>
       <p:sp>
         <p:nvSpPr>
           <p:cNvPr id="40" name="Google Shape;40;p9"/>
-          <p:cNvSpPr txBox="1">
-            <a:spLocks noGrp="1"/>
-          </p:cNvSpPr>
+          <p:cNvSpPr txBox="1"/>
           <p:nvPr>
-            <p:ph type="sldNum" idx="12"/>
+            <p:ph idx="12" type="sldNum"/>
           </p:nvPr>
         </p:nvSpPr>
         <p:spPr>
@@ -4690,7 +4527,7 @@
           </a:prstGeom>
         </p:spPr>
         <p:txBody>
-          <a:bodyPr spcFirstLastPara="1" wrap="square" lIns="91425" tIns="91425" rIns="91425" bIns="91425" anchor="ctr" anchorCtr="0">
+          <a:bodyPr anchorCtr="0" anchor="ctr" bIns="91425" lIns="91425" spcFirstLastPara="1" rIns="91425" wrap="square" tIns="91425">
             <a:normAutofit/>
           </a:bodyPr>
           <a:lstStyle>
@@ -4732,7 +4569,7 @@
             </a:lvl9pPr>
           </a:lstStyle>
           <a:p>
-            <a:pPr marL="0" lvl="0" indent="0" algn="r" rtl="0">
+            <a:pPr indent="0" lvl="0" marL="0" rtl="0" algn="r">
               <a:spcBef>
                 <a:spcPts val="0"/>
               </a:spcBef>
@@ -4758,11 +4595,11 @@
 </file>
 
 <file path=ppt/slideLayouts/slideLayout9.xml><?xml version="1.0" encoding="utf-8"?>
-<p:sldLayout xmlns:a="http://schemas.openxmlformats.org/drawingml/2006/main" xmlns:r="http://schemas.openxmlformats.org/officeDocument/2006/relationships" xmlns:p="http://schemas.openxmlformats.org/presentationml/2006/main" matchingName="Caption">
+<p:sldLayout xmlns:a="http://schemas.openxmlformats.org/drawingml/2006/main" xmlns:r="http://schemas.openxmlformats.org/officeDocument/2006/relationships" xmlns:mc="http://schemas.openxmlformats.org/markup-compatibility/2006" xmlns:mv="urn:schemas-microsoft-com:mac:vml" xmlns:p="http://schemas.openxmlformats.org/presentationml/2006/main" xmlns:c="http://schemas.openxmlformats.org/drawingml/2006/chart" xmlns:dgm="http://schemas.openxmlformats.org/drawingml/2006/diagram" xmlns:o="urn:schemas-microsoft-com:office:office" xmlns:v="urn:schemas-microsoft-com:vml" xmlns:pvml="urn:schemas-microsoft-com:office:powerpoint" xmlns:com="http://schemas.openxmlformats.org/drawingml/2006/compatibility" xmlns:p14="http://schemas.microsoft.com/office/powerpoint/2010/main" xmlns:p15="http://schemas.microsoft.com/office/powerpoint/2012/main" xmlns:ahyp="http://schemas.microsoft.com/office/drawing/2018/hyperlinkcolor" matchingName="Caption">
   <p:cSld name="CAPTION_ONLY">
     <p:spTree>
       <p:nvGrpSpPr>
-        <p:cNvPr id="1" name="Shape 41"/>
+        <p:cNvPr id="41" name="Shape 41"/>
         <p:cNvGrpSpPr/>
         <p:nvPr/>
       </p:nvGrpSpPr>
@@ -4777,11 +4614,9 @@
       <p:sp>
         <p:nvSpPr>
           <p:cNvPr id="42" name="Google Shape;42;p10"/>
-          <p:cNvSpPr txBox="1">
-            <a:spLocks noGrp="1"/>
-          </p:cNvSpPr>
+          <p:cNvSpPr txBox="1"/>
           <p:nvPr>
-            <p:ph type="body" idx="1"/>
+            <p:ph idx="1" type="body"/>
           </p:nvPr>
         </p:nvSpPr>
         <p:spPr>
@@ -4794,11 +4629,11 @@
           </a:prstGeom>
         </p:spPr>
         <p:txBody>
-          <a:bodyPr spcFirstLastPara="1" wrap="square" lIns="91425" tIns="91425" rIns="91425" bIns="91425" anchor="ctr" anchorCtr="0">
+          <a:bodyPr anchorCtr="0" anchor="ctr" bIns="91425" lIns="91425" spcFirstLastPara="1" rIns="91425" wrap="square" tIns="91425">
             <a:normAutofit/>
           </a:bodyPr>
           <a:lstStyle>
-            <a:lvl1pPr marL="457200" lvl="0" indent="-228600">
+            <a:lvl1pPr indent="-228600" lvl="0" marL="457200">
               <a:lnSpc>
                 <a:spcPct val="100000"/>
               </a:lnSpc>
@@ -4813,19 +4648,15 @@
               <a:defRPr/>
             </a:lvl1pPr>
           </a:lstStyle>
-          <a:p>
-            <a:endParaRPr/>
-          </a:p>
+          <a:p/>
         </p:txBody>
       </p:sp>
       <p:sp>
         <p:nvSpPr>
           <p:cNvPr id="43" name="Google Shape;43;p10"/>
-          <p:cNvSpPr txBox="1">
-            <a:spLocks noGrp="1"/>
-          </p:cNvSpPr>
+          <p:cNvSpPr txBox="1"/>
           <p:nvPr>
-            <p:ph type="sldNum" idx="12"/>
+            <p:ph idx="12" type="sldNum"/>
           </p:nvPr>
         </p:nvSpPr>
         <p:spPr>
@@ -4838,7 +4669,7 @@
           </a:prstGeom>
         </p:spPr>
         <p:txBody>
-          <a:bodyPr spcFirstLastPara="1" wrap="square" lIns="91425" tIns="91425" rIns="91425" bIns="91425" anchor="ctr" anchorCtr="0">
+          <a:bodyPr anchorCtr="0" anchor="ctr" bIns="91425" lIns="91425" spcFirstLastPara="1" rIns="91425" wrap="square" tIns="91425">
             <a:normAutofit/>
           </a:bodyPr>
           <a:lstStyle>
@@ -4880,7 +4711,7 @@
             </a:lvl9pPr>
           </a:lstStyle>
           <a:p>
-            <a:pPr marL="0" lvl="0" indent="0" algn="r" rtl="0">
+            <a:pPr indent="0" lvl="0" marL="0" rtl="0" algn="r">
               <a:spcBef>
                 <a:spcPts val="0"/>
               </a:spcBef>
@@ -4906,19 +4737,18 @@
 </file>
 
 <file path=ppt/slideMasters/slideMaster1.xml><?xml version="1.0" encoding="utf-8"?>
-<p:sldMaster xmlns:a="http://schemas.openxmlformats.org/drawingml/2006/main" xmlns:r="http://schemas.openxmlformats.org/officeDocument/2006/relationships" xmlns:p="http://schemas.openxmlformats.org/presentationml/2006/main">
+<p:sldMaster xmlns:a="http://schemas.openxmlformats.org/drawingml/2006/main" xmlns:r="http://schemas.openxmlformats.org/officeDocument/2006/relationships" xmlns:mc="http://schemas.openxmlformats.org/markup-compatibility/2006" xmlns:mv="urn:schemas-microsoft-com:mac:vml" xmlns:p="http://schemas.openxmlformats.org/presentationml/2006/main" xmlns:c="http://schemas.openxmlformats.org/drawingml/2006/chart" xmlns:dgm="http://schemas.openxmlformats.org/drawingml/2006/diagram" xmlns:o="urn:schemas-microsoft-com:office:office" xmlns:v="urn:schemas-microsoft-com:vml" xmlns:pvml="urn:schemas-microsoft-com:office:powerpoint" xmlns:com="http://schemas.openxmlformats.org/drawingml/2006/compatibility" xmlns:p14="http://schemas.microsoft.com/office/powerpoint/2010/main" xmlns:p15="http://schemas.microsoft.com/office/powerpoint/2012/main" xmlns:ahyp="http://schemas.microsoft.com/office/drawing/2018/hyperlinkcolor">
   <p:cSld name="simple-dark-2">
     <p:bg>
       <p:bgPr>
         <a:solidFill>
           <a:schemeClr val="lt1"/>
         </a:solidFill>
-        <a:effectLst/>
       </p:bgPr>
     </p:bg>
     <p:spTree>
       <p:nvGrpSpPr>
-        <p:cNvPr id="1" name="Shape 5"/>
+        <p:cNvPr id="5" name="Shape 5"/>
         <p:cNvGrpSpPr/>
         <p:nvPr/>
       </p:nvGrpSpPr>
@@ -4933,9 +4763,7 @@
       <p:sp>
         <p:nvSpPr>
           <p:cNvPr id="6" name="Google Shape;6;p1"/>
-          <p:cNvSpPr txBox="1">
-            <a:spLocks noGrp="1"/>
-          </p:cNvSpPr>
+          <p:cNvSpPr txBox="1"/>
           <p:nvPr>
             <p:ph type="title"/>
           </p:nvPr>
@@ -4954,7 +4782,7 @@
           </a:ln>
         </p:spPr>
         <p:txBody>
-          <a:bodyPr spcFirstLastPara="1" wrap="square" lIns="91425" tIns="91425" rIns="91425" bIns="91425" anchor="t" anchorCtr="0">
+          <a:bodyPr anchorCtr="0" anchor="t" bIns="91425" lIns="91425" spcFirstLastPara="1" rIns="91425" wrap="square" tIns="91425">
             <a:normAutofit/>
           </a:bodyPr>
           <a:lstStyle>
@@ -5121,19 +4949,15 @@
               </a:defRPr>
             </a:lvl9pPr>
           </a:lstStyle>
-          <a:p>
-            <a:endParaRPr/>
-          </a:p>
+          <a:p/>
         </p:txBody>
       </p:sp>
       <p:sp>
         <p:nvSpPr>
           <p:cNvPr id="7" name="Google Shape;7;p1"/>
-          <p:cNvSpPr txBox="1">
-            <a:spLocks noGrp="1"/>
-          </p:cNvSpPr>
+          <p:cNvSpPr txBox="1"/>
           <p:nvPr>
-            <p:ph type="body" idx="1"/>
+            <p:ph idx="1" type="body"/>
           </p:nvPr>
         </p:nvSpPr>
         <p:spPr>
@@ -5150,11 +4974,11 @@
           </a:ln>
         </p:spPr>
         <p:txBody>
-          <a:bodyPr spcFirstLastPara="1" wrap="square" lIns="91425" tIns="91425" rIns="91425" bIns="91425" anchor="t" anchorCtr="0">
+          <a:bodyPr anchorCtr="0" anchor="t" bIns="91425" lIns="91425" spcFirstLastPara="1" rIns="91425" wrap="square" tIns="91425">
             <a:normAutofit/>
           </a:bodyPr>
           <a:lstStyle>
-            <a:lvl1pPr marL="457200" lvl="0" indent="-342900">
+            <a:lvl1pPr indent="-342900" lvl="0" marL="457200">
               <a:lnSpc>
                 <a:spcPct val="115000"/>
               </a:lnSpc>
@@ -5175,7 +4999,7 @@
                 </a:solidFill>
               </a:defRPr>
             </a:lvl1pPr>
-            <a:lvl2pPr marL="914400" lvl="1" indent="-317500">
+            <a:lvl2pPr indent="-317500" lvl="1" marL="914400">
               <a:lnSpc>
                 <a:spcPct val="115000"/>
               </a:lnSpc>
@@ -5196,7 +5020,7 @@
                 </a:solidFill>
               </a:defRPr>
             </a:lvl2pPr>
-            <a:lvl3pPr marL="1371600" lvl="2" indent="-317500">
+            <a:lvl3pPr indent="-317500" lvl="2" marL="1371600">
               <a:lnSpc>
                 <a:spcPct val="115000"/>
               </a:lnSpc>
@@ -5217,7 +5041,7 @@
                 </a:solidFill>
               </a:defRPr>
             </a:lvl3pPr>
-            <a:lvl4pPr marL="1828800" lvl="3" indent="-317500">
+            <a:lvl4pPr indent="-317500" lvl="3" marL="1828800">
               <a:lnSpc>
                 <a:spcPct val="115000"/>
               </a:lnSpc>
@@ -5238,7 +5062,7 @@
                 </a:solidFill>
               </a:defRPr>
             </a:lvl4pPr>
-            <a:lvl5pPr marL="2286000" lvl="4" indent="-317500">
+            <a:lvl5pPr indent="-317500" lvl="4" marL="2286000">
               <a:lnSpc>
                 <a:spcPct val="115000"/>
               </a:lnSpc>
@@ -5259,7 +5083,7 @@
                 </a:solidFill>
               </a:defRPr>
             </a:lvl5pPr>
-            <a:lvl6pPr marL="2743200" lvl="5" indent="-317500">
+            <a:lvl6pPr indent="-317500" lvl="5" marL="2743200">
               <a:lnSpc>
                 <a:spcPct val="115000"/>
               </a:lnSpc>
@@ -5280,7 +5104,7 @@
                 </a:solidFill>
               </a:defRPr>
             </a:lvl6pPr>
-            <a:lvl7pPr marL="3200400" lvl="6" indent="-317500">
+            <a:lvl7pPr indent="-317500" lvl="6" marL="3200400">
               <a:lnSpc>
                 <a:spcPct val="115000"/>
               </a:lnSpc>
@@ -5301,7 +5125,7 @@
                 </a:solidFill>
               </a:defRPr>
             </a:lvl7pPr>
-            <a:lvl8pPr marL="3657600" lvl="7" indent="-317500">
+            <a:lvl8pPr indent="-317500" lvl="7" marL="3657600">
               <a:lnSpc>
                 <a:spcPct val="115000"/>
               </a:lnSpc>
@@ -5322,7 +5146,7 @@
                 </a:solidFill>
               </a:defRPr>
             </a:lvl8pPr>
-            <a:lvl9pPr marL="4114800" lvl="8" indent="-317500">
+            <a:lvl9pPr indent="-317500" lvl="8" marL="4114800">
               <a:lnSpc>
                 <a:spcPct val="115000"/>
               </a:lnSpc>
@@ -5344,19 +5168,15 @@
               </a:defRPr>
             </a:lvl9pPr>
           </a:lstStyle>
-          <a:p>
-            <a:endParaRPr/>
-          </a:p>
+          <a:p/>
         </p:txBody>
       </p:sp>
       <p:sp>
         <p:nvSpPr>
           <p:cNvPr id="8" name="Google Shape;8;p1"/>
-          <p:cNvSpPr txBox="1">
-            <a:spLocks noGrp="1"/>
-          </p:cNvSpPr>
+          <p:cNvSpPr txBox="1"/>
           <p:nvPr>
-            <p:ph type="sldNum" idx="12"/>
+            <p:ph idx="12" type="sldNum"/>
           </p:nvPr>
         </p:nvSpPr>
         <p:spPr>
@@ -5373,7 +5193,7 @@
           </a:ln>
         </p:spPr>
         <p:txBody>
-          <a:bodyPr spcFirstLastPara="1" wrap="square" lIns="91425" tIns="91425" rIns="91425" bIns="91425" anchor="ctr" anchorCtr="0">
+          <a:bodyPr anchorCtr="0" anchor="ctr" bIns="91425" lIns="91425" spcFirstLastPara="1" rIns="91425" wrap="square" tIns="91425">
             <a:normAutofit/>
           </a:bodyPr>
           <a:lstStyle>
@@ -5451,7 +5271,7 @@
             </a:lvl9pPr>
           </a:lstStyle>
           <a:p>
-            <a:pPr marL="0" lvl="0" indent="0" algn="r" rtl="0">
+            <a:pPr indent="0" lvl="0" marL="0" rtl="0" algn="r">
               <a:spcBef>
                 <a:spcPts val="0"/>
               </a:spcBef>
@@ -5470,7 +5290,7 @@
       </p:sp>
     </p:spTree>
   </p:cSld>
-  <p:clrMap bg1="lt1" tx1="dk1" bg2="dk2" tx2="lt2" accent1="accent1" accent2="accent2" accent3="accent3" accent4="accent4" accent5="accent5" accent6="accent6" hlink="hlink" folHlink="folHlink"/>
+  <p:clrMap accent1="accent1" accent2="accent2" accent3="accent3" accent4="accent4" accent5="accent5" accent6="accent6" bg1="lt1" bg2="dk2" tx1="dk1" tx2="lt2" folHlink="folHlink" hlink="hlink"/>
   <p:sldLayoutIdLst>
     <p:sldLayoutId id="2147483648" r:id="rId1"/>
     <p:sldLayoutId id="2147483649" r:id="rId2"/>
@@ -5484,10 +5304,10 @@
     <p:sldLayoutId id="2147483657" r:id="rId10"/>
     <p:sldLayoutId id="2147483658" r:id="rId11"/>
   </p:sldLayoutIdLst>
-  <p:hf sldNum="0" hdr="0" ftr="0" dt="0"/>
+  <p:hf dt="0" ftr="0" hdr="0" sldNum="0"/>
   <p:txStyles>
     <p:titleStyle>
-      <a:defPPr marR="0" lvl="0" algn="l" rtl="0">
+      <a:defPPr lvl="0" marR="0" rtl="0" algn="l">
         <a:lnSpc>
           <a:spcPct val="100000"/>
         </a:lnSpc>
@@ -5498,7 +5318,7 @@
           <a:spcPts val="0"/>
         </a:spcAft>
       </a:defPPr>
-      <a:lvl1pPr marR="0" lvl="0" algn="l" rtl="0">
+      <a:lvl1pPr lvl="0" marR="0" rtl="0" algn="l">
         <a:lnSpc>
           <a:spcPct val="100000"/>
         </a:lnSpc>
@@ -5512,7 +5332,7 @@
           <a:srgbClr val="000000"/>
         </a:buClr>
         <a:buFont typeface="Arial"/>
-        <a:defRPr sz="1400" b="0" i="0" u="none" strike="noStrike" cap="none">
+        <a:defRPr b="0" i="0" sz="1400" u="none" cap="none" strike="noStrike">
           <a:solidFill>
             <a:srgbClr val="000000"/>
           </a:solidFill>
@@ -5522,7 +5342,7 @@
           <a:sym typeface="Arial"/>
         </a:defRPr>
       </a:lvl1pPr>
-      <a:lvl2pPr marR="0" lvl="1" algn="l" rtl="0">
+      <a:lvl2pPr lvl="1" marR="0" rtl="0" algn="l">
         <a:lnSpc>
           <a:spcPct val="100000"/>
         </a:lnSpc>
@@ -5536,7 +5356,7 @@
           <a:srgbClr val="000000"/>
         </a:buClr>
         <a:buFont typeface="Arial"/>
-        <a:defRPr sz="1400" b="0" i="0" u="none" strike="noStrike" cap="none">
+        <a:defRPr b="0" i="0" sz="1400" u="none" cap="none" strike="noStrike">
           <a:solidFill>
             <a:srgbClr val="000000"/>
           </a:solidFill>
@@ -5546,7 +5366,7 @@
           <a:sym typeface="Arial"/>
         </a:defRPr>
       </a:lvl2pPr>
-      <a:lvl3pPr marR="0" lvl="2" algn="l" rtl="0">
+      <a:lvl3pPr lvl="2" marR="0" rtl="0" algn="l">
         <a:lnSpc>
           <a:spcPct val="100000"/>
         </a:lnSpc>
@@ -5560,7 +5380,7 @@
           <a:srgbClr val="000000"/>
         </a:buClr>
         <a:buFont typeface="Arial"/>
-        <a:defRPr sz="1400" b="0" i="0" u="none" strike="noStrike" cap="none">
+        <a:defRPr b="0" i="0" sz="1400" u="none" cap="none" strike="noStrike">
           <a:solidFill>
             <a:srgbClr val="000000"/>
           </a:solidFill>
@@ -5570,7 +5390,7 @@
           <a:sym typeface="Arial"/>
         </a:defRPr>
       </a:lvl3pPr>
-      <a:lvl4pPr marR="0" lvl="3" algn="l" rtl="0">
+      <a:lvl4pPr lvl="3" marR="0" rtl="0" algn="l">
         <a:lnSpc>
           <a:spcPct val="100000"/>
         </a:lnSpc>
@@ -5584,7 +5404,7 @@
           <a:srgbClr val="000000"/>
         </a:buClr>
         <a:buFont typeface="Arial"/>
-        <a:defRPr sz="1400" b="0" i="0" u="none" strike="noStrike" cap="none">
+        <a:defRPr b="0" i="0" sz="1400" u="none" cap="none" strike="noStrike">
           <a:solidFill>
             <a:srgbClr val="000000"/>
           </a:solidFill>
@@ -5594,7 +5414,7 @@
           <a:sym typeface="Arial"/>
         </a:defRPr>
       </a:lvl4pPr>
-      <a:lvl5pPr marR="0" lvl="4" algn="l" rtl="0">
+      <a:lvl5pPr lvl="4" marR="0" rtl="0" algn="l">
         <a:lnSpc>
           <a:spcPct val="100000"/>
         </a:lnSpc>
@@ -5608,7 +5428,7 @@
           <a:srgbClr val="000000"/>
         </a:buClr>
         <a:buFont typeface="Arial"/>
-        <a:defRPr sz="1400" b="0" i="0" u="none" strike="noStrike" cap="none">
+        <a:defRPr b="0" i="0" sz="1400" u="none" cap="none" strike="noStrike">
           <a:solidFill>
             <a:srgbClr val="000000"/>
           </a:solidFill>
@@ -5618,7 +5438,7 @@
           <a:sym typeface="Arial"/>
         </a:defRPr>
       </a:lvl5pPr>
-      <a:lvl6pPr marR="0" lvl="5" algn="l" rtl="0">
+      <a:lvl6pPr lvl="5" marR="0" rtl="0" algn="l">
         <a:lnSpc>
           <a:spcPct val="100000"/>
         </a:lnSpc>
@@ -5632,7 +5452,7 @@
           <a:srgbClr val="000000"/>
         </a:buClr>
         <a:buFont typeface="Arial"/>
-        <a:defRPr sz="1400" b="0" i="0" u="none" strike="noStrike" cap="none">
+        <a:defRPr b="0" i="0" sz="1400" u="none" cap="none" strike="noStrike">
           <a:solidFill>
             <a:srgbClr val="000000"/>
           </a:solidFill>
@@ -5642,7 +5462,7 @@
           <a:sym typeface="Arial"/>
         </a:defRPr>
       </a:lvl6pPr>
-      <a:lvl7pPr marR="0" lvl="6" algn="l" rtl="0">
+      <a:lvl7pPr lvl="6" marR="0" rtl="0" algn="l">
         <a:lnSpc>
           <a:spcPct val="100000"/>
         </a:lnSpc>
@@ -5656,7 +5476,7 @@
           <a:srgbClr val="000000"/>
         </a:buClr>
         <a:buFont typeface="Arial"/>
-        <a:defRPr sz="1400" b="0" i="0" u="none" strike="noStrike" cap="none">
+        <a:defRPr b="0" i="0" sz="1400" u="none" cap="none" strike="noStrike">
           <a:solidFill>
             <a:srgbClr val="000000"/>
           </a:solidFill>
@@ -5666,7 +5486,7 @@
           <a:sym typeface="Arial"/>
         </a:defRPr>
       </a:lvl7pPr>
-      <a:lvl8pPr marR="0" lvl="7" algn="l" rtl="0">
+      <a:lvl8pPr lvl="7" marR="0" rtl="0" algn="l">
         <a:lnSpc>
           <a:spcPct val="100000"/>
         </a:lnSpc>
@@ -5680,7 +5500,7 @@
           <a:srgbClr val="000000"/>
         </a:buClr>
         <a:buFont typeface="Arial"/>
-        <a:defRPr sz="1400" b="0" i="0" u="none" strike="noStrike" cap="none">
+        <a:defRPr b="0" i="0" sz="1400" u="none" cap="none" strike="noStrike">
           <a:solidFill>
             <a:srgbClr val="000000"/>
           </a:solidFill>
@@ -5690,7 +5510,7 @@
           <a:sym typeface="Arial"/>
         </a:defRPr>
       </a:lvl8pPr>
-      <a:lvl9pPr marR="0" lvl="8" algn="l" rtl="0">
+      <a:lvl9pPr lvl="8" marR="0" rtl="0" algn="l">
         <a:lnSpc>
           <a:spcPct val="100000"/>
         </a:lnSpc>
@@ -5704,7 +5524,7 @@
           <a:srgbClr val="000000"/>
         </a:buClr>
         <a:buFont typeface="Arial"/>
-        <a:defRPr sz="1400" b="0" i="0" u="none" strike="noStrike" cap="none">
+        <a:defRPr b="0" i="0" sz="1400" u="none" cap="none" strike="noStrike">
           <a:solidFill>
             <a:srgbClr val="000000"/>
           </a:solidFill>
@@ -5716,7 +5536,7 @@
       </a:lvl9pPr>
     </p:titleStyle>
     <p:bodyStyle>
-      <a:defPPr marR="0" lvl="0" algn="l" rtl="0">
+      <a:defPPr lvl="0" marR="0" rtl="0" algn="l">
         <a:lnSpc>
           <a:spcPct val="100000"/>
         </a:lnSpc>
@@ -5727,7 +5547,7 @@
           <a:spcPts val="0"/>
         </a:spcAft>
       </a:defPPr>
-      <a:lvl1pPr marR="0" lvl="0" algn="l" rtl="0">
+      <a:lvl1pPr lvl="0" marR="0" rtl="0" algn="l">
         <a:lnSpc>
           <a:spcPct val="100000"/>
         </a:lnSpc>
@@ -5741,7 +5561,7 @@
           <a:srgbClr val="000000"/>
         </a:buClr>
         <a:buFont typeface="Arial"/>
-        <a:defRPr sz="1400" b="0" i="0" u="none" strike="noStrike" cap="none">
+        <a:defRPr b="0" i="0" sz="1400" u="none" cap="none" strike="noStrike">
           <a:solidFill>
             <a:srgbClr val="000000"/>
           </a:solidFill>
@@ -5751,7 +5571,7 @@
           <a:sym typeface="Arial"/>
         </a:defRPr>
       </a:lvl1pPr>
-      <a:lvl2pPr marR="0" lvl="1" algn="l" rtl="0">
+      <a:lvl2pPr lvl="1" marR="0" rtl="0" algn="l">
         <a:lnSpc>
           <a:spcPct val="100000"/>
         </a:lnSpc>
@@ -5765,7 +5585,7 @@
           <a:srgbClr val="000000"/>
         </a:buClr>
         <a:buFont typeface="Arial"/>
-        <a:defRPr sz="1400" b="0" i="0" u="none" strike="noStrike" cap="none">
+        <a:defRPr b="0" i="0" sz="1400" u="none" cap="none" strike="noStrike">
           <a:solidFill>
             <a:srgbClr val="000000"/>
           </a:solidFill>
@@ -5775,7 +5595,7 @@
           <a:sym typeface="Arial"/>
         </a:defRPr>
       </a:lvl2pPr>
-      <a:lvl3pPr marR="0" lvl="2" algn="l" rtl="0">
+      <a:lvl3pPr lvl="2" marR="0" rtl="0" algn="l">
         <a:lnSpc>
           <a:spcPct val="100000"/>
         </a:lnSpc>
@@ -5789,7 +5609,7 @@
           <a:srgbClr val="000000"/>
         </a:buClr>
         <a:buFont typeface="Arial"/>
-        <a:defRPr sz="1400" b="0" i="0" u="none" strike="noStrike" cap="none">
+        <a:defRPr b="0" i="0" sz="1400" u="none" cap="none" strike="noStrike">
           <a:solidFill>
             <a:srgbClr val="000000"/>
           </a:solidFill>
@@ -5799,7 +5619,7 @@
           <a:sym typeface="Arial"/>
         </a:defRPr>
       </a:lvl3pPr>
-      <a:lvl4pPr marR="0" lvl="3" algn="l" rtl="0">
+      <a:lvl4pPr lvl="3" marR="0" rtl="0" algn="l">
         <a:lnSpc>
           <a:spcPct val="100000"/>
         </a:lnSpc>
@@ -5813,7 +5633,7 @@
           <a:srgbClr val="000000"/>
         </a:buClr>
         <a:buFont typeface="Arial"/>
-        <a:defRPr sz="1400" b="0" i="0" u="none" strike="noStrike" cap="none">
+        <a:defRPr b="0" i="0" sz="1400" u="none" cap="none" strike="noStrike">
           <a:solidFill>
             <a:srgbClr val="000000"/>
           </a:solidFill>
@@ -5823,7 +5643,7 @@
           <a:sym typeface="Arial"/>
         </a:defRPr>
       </a:lvl4pPr>
-      <a:lvl5pPr marR="0" lvl="4" algn="l" rtl="0">
+      <a:lvl5pPr lvl="4" marR="0" rtl="0" algn="l">
         <a:lnSpc>
           <a:spcPct val="100000"/>
         </a:lnSpc>
@@ -5837,7 +5657,7 @@
           <a:srgbClr val="000000"/>
         </a:buClr>
         <a:buFont typeface="Arial"/>
-        <a:defRPr sz="1400" b="0" i="0" u="none" strike="noStrike" cap="none">
+        <a:defRPr b="0" i="0" sz="1400" u="none" cap="none" strike="noStrike">
           <a:solidFill>
             <a:srgbClr val="000000"/>
           </a:solidFill>
@@ -5847,7 +5667,7 @@
           <a:sym typeface="Arial"/>
         </a:defRPr>
       </a:lvl5pPr>
-      <a:lvl6pPr marR="0" lvl="5" algn="l" rtl="0">
+      <a:lvl6pPr lvl="5" marR="0" rtl="0" algn="l">
         <a:lnSpc>
           <a:spcPct val="100000"/>
         </a:lnSpc>
@@ -5861,7 +5681,7 @@
           <a:srgbClr val="000000"/>
         </a:buClr>
         <a:buFont typeface="Arial"/>
-        <a:defRPr sz="1400" b="0" i="0" u="none" strike="noStrike" cap="none">
+        <a:defRPr b="0" i="0" sz="1400" u="none" cap="none" strike="noStrike">
           <a:solidFill>
             <a:srgbClr val="000000"/>
           </a:solidFill>
@@ -5871,7 +5691,7 @@
           <a:sym typeface="Arial"/>
         </a:defRPr>
       </a:lvl6pPr>
-      <a:lvl7pPr marR="0" lvl="6" algn="l" rtl="0">
+      <a:lvl7pPr lvl="6" marR="0" rtl="0" algn="l">
         <a:lnSpc>
           <a:spcPct val="100000"/>
         </a:lnSpc>
@@ -5885,7 +5705,7 @@
           <a:srgbClr val="000000"/>
         </a:buClr>
         <a:buFont typeface="Arial"/>
-        <a:defRPr sz="1400" b="0" i="0" u="none" strike="noStrike" cap="none">
+        <a:defRPr b="0" i="0" sz="1400" u="none" cap="none" strike="noStrike">
           <a:solidFill>
             <a:srgbClr val="000000"/>
           </a:solidFill>
@@ -5895,7 +5715,7 @@
           <a:sym typeface="Arial"/>
         </a:defRPr>
       </a:lvl7pPr>
-      <a:lvl8pPr marR="0" lvl="7" algn="l" rtl="0">
+      <a:lvl8pPr lvl="7" marR="0" rtl="0" algn="l">
         <a:lnSpc>
           <a:spcPct val="100000"/>
         </a:lnSpc>
@@ -5909,7 +5729,7 @@
           <a:srgbClr val="000000"/>
         </a:buClr>
         <a:buFont typeface="Arial"/>
-        <a:defRPr sz="1400" b="0" i="0" u="none" strike="noStrike" cap="none">
+        <a:defRPr b="0" i="0" sz="1400" u="none" cap="none" strike="noStrike">
           <a:solidFill>
             <a:srgbClr val="000000"/>
           </a:solidFill>
@@ -5919,7 +5739,7 @@
           <a:sym typeface="Arial"/>
         </a:defRPr>
       </a:lvl8pPr>
-      <a:lvl9pPr marR="0" lvl="8" algn="l" rtl="0">
+      <a:lvl9pPr lvl="8" marR="0" rtl="0" algn="l">
         <a:lnSpc>
           <a:spcPct val="100000"/>
         </a:lnSpc>
@@ -5933,7 +5753,7 @@
           <a:srgbClr val="000000"/>
         </a:buClr>
         <a:buFont typeface="Arial"/>
-        <a:defRPr sz="1400" b="0" i="0" u="none" strike="noStrike" cap="none">
+        <a:defRPr b="0" i="0" sz="1400" u="none" cap="none" strike="noStrike">
           <a:solidFill>
             <a:srgbClr val="000000"/>
           </a:solidFill>
@@ -5945,7 +5765,7 @@
       </a:lvl9pPr>
     </p:bodyStyle>
     <p:otherStyle>
-      <a:defPPr marR="0" lvl="0" algn="l" rtl="0">
+      <a:defPPr lvl="0" marR="0" rtl="0" algn="l">
         <a:lnSpc>
           <a:spcPct val="100000"/>
         </a:lnSpc>
@@ -5956,7 +5776,7 @@
           <a:spcPts val="0"/>
         </a:spcAft>
       </a:defPPr>
-      <a:lvl1pPr marR="0" lvl="0" algn="l" rtl="0">
+      <a:lvl1pPr lvl="0" marR="0" rtl="0" algn="l">
         <a:lnSpc>
           <a:spcPct val="100000"/>
         </a:lnSpc>
@@ -5970,7 +5790,7 @@
           <a:srgbClr val="000000"/>
         </a:buClr>
         <a:buFont typeface="Arial"/>
-        <a:defRPr sz="1400" b="0" i="0" u="none" strike="noStrike" cap="none">
+        <a:defRPr b="0" i="0" sz="1400" u="none" cap="none" strike="noStrike">
           <a:solidFill>
             <a:srgbClr val="000000"/>
           </a:solidFill>
@@ -5980,7 +5800,7 @@
           <a:sym typeface="Arial"/>
         </a:defRPr>
       </a:lvl1pPr>
-      <a:lvl2pPr marR="0" lvl="1" algn="l" rtl="0">
+      <a:lvl2pPr lvl="1" marR="0" rtl="0" algn="l">
         <a:lnSpc>
           <a:spcPct val="100000"/>
         </a:lnSpc>
@@ -5994,7 +5814,7 @@
           <a:srgbClr val="000000"/>
         </a:buClr>
         <a:buFont typeface="Arial"/>
-        <a:defRPr sz="1400" b="0" i="0" u="none" strike="noStrike" cap="none">
+        <a:defRPr b="0" i="0" sz="1400" u="none" cap="none" strike="noStrike">
           <a:solidFill>
             <a:srgbClr val="000000"/>
           </a:solidFill>
@@ -6004,7 +5824,7 @@
           <a:sym typeface="Arial"/>
         </a:defRPr>
       </a:lvl2pPr>
-      <a:lvl3pPr marR="0" lvl="2" algn="l" rtl="0">
+      <a:lvl3pPr lvl="2" marR="0" rtl="0" algn="l">
         <a:lnSpc>
           <a:spcPct val="100000"/>
         </a:lnSpc>
@@ -6018,7 +5838,7 @@
           <a:srgbClr val="000000"/>
         </a:buClr>
         <a:buFont typeface="Arial"/>
-        <a:defRPr sz="1400" b="0" i="0" u="none" strike="noStrike" cap="none">
+        <a:defRPr b="0" i="0" sz="1400" u="none" cap="none" strike="noStrike">
           <a:solidFill>
             <a:srgbClr val="000000"/>
           </a:solidFill>
@@ -6028,7 +5848,7 @@
           <a:sym typeface="Arial"/>
         </a:defRPr>
       </a:lvl3pPr>
-      <a:lvl4pPr marR="0" lvl="3" algn="l" rtl="0">
+      <a:lvl4pPr lvl="3" marR="0" rtl="0" algn="l">
         <a:lnSpc>
           <a:spcPct val="100000"/>
         </a:lnSpc>
@@ -6042,7 +5862,7 @@
           <a:srgbClr val="000000"/>
         </a:buClr>
         <a:buFont typeface="Arial"/>
-        <a:defRPr sz="1400" b="0" i="0" u="none" strike="noStrike" cap="none">
+        <a:defRPr b="0" i="0" sz="1400" u="none" cap="none" strike="noStrike">
           <a:solidFill>
             <a:srgbClr val="000000"/>
           </a:solidFill>
@@ -6052,7 +5872,7 @@
           <a:sym typeface="Arial"/>
         </a:defRPr>
       </a:lvl4pPr>
-      <a:lvl5pPr marR="0" lvl="4" algn="l" rtl="0">
+      <a:lvl5pPr lvl="4" marR="0" rtl="0" algn="l">
         <a:lnSpc>
           <a:spcPct val="100000"/>
         </a:lnSpc>
@@ -6066,7 +5886,7 @@
           <a:srgbClr val="000000"/>
         </a:buClr>
         <a:buFont typeface="Arial"/>
-        <a:defRPr sz="1400" b="0" i="0" u="none" strike="noStrike" cap="none">
+        <a:defRPr b="0" i="0" sz="1400" u="none" cap="none" strike="noStrike">
           <a:solidFill>
             <a:srgbClr val="000000"/>
           </a:solidFill>
@@ -6076,7 +5896,7 @@
           <a:sym typeface="Arial"/>
         </a:defRPr>
       </a:lvl5pPr>
-      <a:lvl6pPr marR="0" lvl="5" algn="l" rtl="0">
+      <a:lvl6pPr lvl="5" marR="0" rtl="0" algn="l">
         <a:lnSpc>
           <a:spcPct val="100000"/>
         </a:lnSpc>
@@ -6090,7 +5910,7 @@
           <a:srgbClr val="000000"/>
         </a:buClr>
         <a:buFont typeface="Arial"/>
-        <a:defRPr sz="1400" b="0" i="0" u="none" strike="noStrike" cap="none">
+        <a:defRPr b="0" i="0" sz="1400" u="none" cap="none" strike="noStrike">
           <a:solidFill>
             <a:srgbClr val="000000"/>
           </a:solidFill>
@@ -6100,7 +5920,7 @@
           <a:sym typeface="Arial"/>
         </a:defRPr>
       </a:lvl6pPr>
-      <a:lvl7pPr marR="0" lvl="6" algn="l" rtl="0">
+      <a:lvl7pPr lvl="6" marR="0" rtl="0" algn="l">
         <a:lnSpc>
           <a:spcPct val="100000"/>
         </a:lnSpc>
@@ -6114,7 +5934,7 @@
           <a:srgbClr val="000000"/>
         </a:buClr>
         <a:buFont typeface="Arial"/>
-        <a:defRPr sz="1400" b="0" i="0" u="none" strike="noStrike" cap="none">
+        <a:defRPr b="0" i="0" sz="1400" u="none" cap="none" strike="noStrike">
           <a:solidFill>
             <a:srgbClr val="000000"/>
           </a:solidFill>
@@ -6124,7 +5944,7 @@
           <a:sym typeface="Arial"/>
         </a:defRPr>
       </a:lvl7pPr>
-      <a:lvl8pPr marR="0" lvl="7" algn="l" rtl="0">
+      <a:lvl8pPr lvl="7" marR="0" rtl="0" algn="l">
         <a:lnSpc>
           <a:spcPct val="100000"/>
         </a:lnSpc>
@@ -6138,7 +5958,7 @@
           <a:srgbClr val="000000"/>
         </a:buClr>
         <a:buFont typeface="Arial"/>
-        <a:defRPr sz="1400" b="0" i="0" u="none" strike="noStrike" cap="none">
+        <a:defRPr b="0" i="0" sz="1400" u="none" cap="none" strike="noStrike">
           <a:solidFill>
             <a:srgbClr val="000000"/>
           </a:solidFill>
@@ -6148,7 +5968,7 @@
           <a:sym typeface="Arial"/>
         </a:defRPr>
       </a:lvl8pPr>
-      <a:lvl9pPr marR="0" lvl="8" algn="l" rtl="0">
+      <a:lvl9pPr lvl="8" marR="0" rtl="0" algn="l">
         <a:lnSpc>
           <a:spcPct val="100000"/>
         </a:lnSpc>
@@ -6162,7 +5982,7 @@
           <a:srgbClr val="000000"/>
         </a:buClr>
         <a:buFont typeface="Arial"/>
-        <a:defRPr sz="1400" b="0" i="0" u="none" strike="noStrike" cap="none">
+        <a:defRPr b="0" i="0" sz="1400" u="none" cap="none" strike="noStrike">
           <a:solidFill>
             <a:srgbClr val="000000"/>
           </a:solidFill>
@@ -6178,11 +5998,11 @@
 </file>
 
 <file path=ppt/slides/slide1.xml><?xml version="1.0" encoding="utf-8"?>
-<p:sld xmlns:a="http://schemas.openxmlformats.org/drawingml/2006/main" xmlns:r="http://schemas.openxmlformats.org/officeDocument/2006/relationships" xmlns:p="http://schemas.openxmlformats.org/presentationml/2006/main">
+<p:sld xmlns:a="http://schemas.openxmlformats.org/drawingml/2006/main" xmlns:r="http://schemas.openxmlformats.org/officeDocument/2006/relationships" xmlns:mc="http://schemas.openxmlformats.org/markup-compatibility/2006" xmlns:mv="urn:schemas-microsoft-com:mac:vml" xmlns:p="http://schemas.openxmlformats.org/presentationml/2006/main" xmlns:c="http://schemas.openxmlformats.org/drawingml/2006/chart" xmlns:dgm="http://schemas.openxmlformats.org/drawingml/2006/diagram" xmlns:o="urn:schemas-microsoft-com:office:office" xmlns:v="urn:schemas-microsoft-com:vml" xmlns:pvml="urn:schemas-microsoft-com:office:powerpoint" xmlns:com="http://schemas.openxmlformats.org/drawingml/2006/compatibility" xmlns:p14="http://schemas.microsoft.com/office/powerpoint/2010/main" xmlns:p15="http://schemas.microsoft.com/office/powerpoint/2012/main" xmlns:ahyp="http://schemas.microsoft.com/office/drawing/2018/hyperlinkcolor">
   <p:cSld>
     <p:spTree>
       <p:nvGrpSpPr>
-        <p:cNvPr id="1" name="Shape 53"/>
+        <p:cNvPr id="53" name="Shape 53"/>
         <p:cNvGrpSpPr/>
         <p:nvPr/>
       </p:nvGrpSpPr>
@@ -6197,9 +6017,7 @@
       <p:sp>
         <p:nvSpPr>
           <p:cNvPr id="54" name="Google Shape;54;p13"/>
-          <p:cNvSpPr txBox="1">
-            <a:spLocks noGrp="1"/>
-          </p:cNvSpPr>
+          <p:cNvSpPr txBox="1"/>
           <p:nvPr>
             <p:ph type="ctrTitle"/>
           </p:nvPr>
@@ -6214,12 +6032,12 @@
           </a:prstGeom>
         </p:spPr>
         <p:txBody>
-          <a:bodyPr spcFirstLastPara="1" wrap="square" lIns="91425" tIns="91425" rIns="91425" bIns="91425" anchor="b" anchorCtr="0">
+          <a:bodyPr anchorCtr="0" anchor="b" bIns="91425" lIns="91425" spcFirstLastPara="1" rIns="91425" wrap="square" tIns="91425">
             <a:normAutofit/>
           </a:bodyPr>
           <a:lstStyle/>
           <a:p>
-            <a:pPr marL="0" lvl="0" indent="0" algn="ctr" rtl="0">
+            <a:pPr indent="0" lvl="0" marL="0" rtl="0" algn="ctr">
               <a:spcBef>
                 <a:spcPts val="0"/>
               </a:spcBef>
@@ -6249,11 +6067,9 @@
       <p:sp>
         <p:nvSpPr>
           <p:cNvPr id="55" name="Google Shape;55;p13"/>
-          <p:cNvSpPr txBox="1">
-            <a:spLocks noGrp="1"/>
-          </p:cNvSpPr>
+          <p:cNvSpPr txBox="1"/>
           <p:nvPr>
-            <p:ph type="subTitle" idx="1"/>
+            <p:ph idx="1" type="subTitle"/>
           </p:nvPr>
         </p:nvSpPr>
         <p:spPr>
@@ -6266,12 +6082,12 @@
           </a:prstGeom>
         </p:spPr>
         <p:txBody>
-          <a:bodyPr spcFirstLastPara="1" wrap="square" lIns="91425" tIns="91425" rIns="91425" bIns="91425" anchor="t" anchorCtr="0">
+          <a:bodyPr anchorCtr="0" anchor="t" bIns="91425" lIns="91425" spcFirstLastPara="1" rIns="91425" wrap="square" tIns="91425">
             <a:normAutofit/>
           </a:bodyPr>
           <a:lstStyle/>
           <a:p>
-            <a:pPr marL="0" lvl="0" indent="0" algn="ctr" rtl="0">
+            <a:pPr indent="0" lvl="0" marL="0" rtl="0" algn="ctr">
               <a:spcBef>
                 <a:spcPts val="0"/>
               </a:spcBef>
@@ -6287,7 +6103,34 @@
                 <a:cs typeface="Calibri"/>
                 <a:sym typeface="Calibri"/>
               </a:rPr>
-              <a:t>Software Engineering </a:t>
+              <a:t>Software</a:t>
+            </a:r>
+            <a:r>
+              <a:rPr lang="en" sz="2600">
+                <a:latin typeface="Calibri"/>
+                <a:ea typeface="Calibri"/>
+                <a:cs typeface="Calibri"/>
+                <a:sym typeface="Calibri"/>
+              </a:rPr>
+              <a:t> </a:t>
+            </a:r>
+            <a:r>
+              <a:rPr lang="en" sz="2600">
+                <a:latin typeface="Calibri"/>
+                <a:ea typeface="Calibri"/>
+                <a:cs typeface="Calibri"/>
+                <a:sym typeface="Calibri"/>
+              </a:rPr>
+              <a:t>Engineering</a:t>
+            </a:r>
+            <a:r>
+              <a:rPr lang="en" sz="2600">
+                <a:latin typeface="Calibri"/>
+                <a:ea typeface="Calibri"/>
+                <a:cs typeface="Calibri"/>
+                <a:sym typeface="Calibri"/>
+              </a:rPr>
+              <a:t> </a:t>
             </a:r>
             <a:endParaRPr sz="2600">
               <a:latin typeface="Calibri"/>
@@ -6297,7 +6140,7 @@
             </a:endParaRPr>
           </a:p>
           <a:p>
-            <a:pPr marL="0" lvl="0" indent="0" algn="ctr" rtl="0">
+            <a:pPr indent="0" lvl="0" marL="0" rtl="0" algn="ctr">
               <a:spcBef>
                 <a:spcPts val="0"/>
               </a:spcBef>
@@ -6344,12 +6187,12 @@
           </a:ln>
         </p:spPr>
         <p:txBody>
-          <a:bodyPr spcFirstLastPara="1" wrap="square" lIns="91425" tIns="91425" rIns="91425" bIns="91425" anchor="t" anchorCtr="0">
+          <a:bodyPr anchorCtr="0" anchor="t" bIns="91425" lIns="91425" spcFirstLastPara="1" rIns="91425" wrap="square" tIns="91425">
             <a:normAutofit fontScale="77500" lnSpcReduction="10000"/>
           </a:bodyPr>
           <a:lstStyle/>
           <a:p>
-            <a:pPr marL="0" lvl="0" indent="0" algn="l" rtl="0">
+            <a:pPr indent="0" lvl="0" marL="0" rtl="0" algn="l">
               <a:lnSpc>
                 <a:spcPct val="80000"/>
               </a:lnSpc>
@@ -6372,7 +6215,19 @@
                 <a:cs typeface="Calibri"/>
                 <a:sym typeface="Calibri"/>
               </a:rPr>
-              <a:t>James Bui </a:t>
+              <a:t>James Bui</a:t>
+            </a:r>
+            <a:r>
+              <a:rPr lang="en" sz="1650">
+                <a:solidFill>
+                  <a:schemeClr val="lt2"/>
+                </a:solidFill>
+                <a:latin typeface="Calibri"/>
+                <a:ea typeface="Calibri"/>
+                <a:cs typeface="Calibri"/>
+                <a:sym typeface="Calibri"/>
+              </a:rPr>
+              <a:t> </a:t>
             </a:r>
             <a:endParaRPr sz="1650">
               <a:solidFill>
@@ -6385,7 +6240,7 @@
             </a:endParaRPr>
           </a:p>
           <a:p>
-            <a:pPr marL="0" lvl="0" indent="0" algn="l" rtl="0">
+            <a:pPr indent="0" lvl="0" marL="0" rtl="0" algn="l">
               <a:lnSpc>
                 <a:spcPct val="80000"/>
               </a:lnSpc>
@@ -6421,7 +6276,7 @@
             </a:endParaRPr>
           </a:p>
           <a:p>
-            <a:pPr marL="0" lvl="0" indent="0" algn="l" rtl="0">
+            <a:pPr indent="0" lvl="0" marL="0" rtl="0" algn="l">
               <a:lnSpc>
                 <a:spcPct val="80000"/>
               </a:lnSpc>
@@ -6457,7 +6312,7 @@
             </a:endParaRPr>
           </a:p>
           <a:p>
-            <a:pPr marL="0" lvl="0" indent="0" algn="l" rtl="0">
+            <a:pPr indent="0" lvl="0" marL="0" rtl="0" algn="l">
               <a:lnSpc>
                 <a:spcPct val="80000"/>
               </a:lnSpc>
@@ -6506,23 +6361,23 @@
             <a:avLst/>
           </a:prstGeom>
           <a:noFill/>
-          <a:ln w="28575" cap="flat" cmpd="sng">
+          <a:ln cap="flat" cmpd="sng" w="28575">
             <a:solidFill>
               <a:schemeClr val="dk1"/>
             </a:solidFill>
             <a:prstDash val="solid"/>
             <a:round/>
-            <a:headEnd type="none" w="sm" len="sm"/>
-            <a:tailEnd type="none" w="sm" len="sm"/>
+            <a:headEnd len="sm" w="sm" type="none"/>
+            <a:tailEnd len="sm" w="sm" type="none"/>
           </a:ln>
         </p:spPr>
         <p:txBody>
-          <a:bodyPr spcFirstLastPara="1" wrap="square" lIns="91425" tIns="91425" rIns="91425" bIns="91425" anchor="ctr" anchorCtr="0">
+          <a:bodyPr anchorCtr="0" anchor="ctr" bIns="91425" lIns="91425" spcFirstLastPara="1" rIns="91425" wrap="square" tIns="91425">
             <a:noAutofit/>
           </a:bodyPr>
           <a:lstStyle/>
           <a:p>
-            <a:pPr marL="0" lvl="0" indent="0" algn="l" rtl="0">
+            <a:pPr indent="0" lvl="0" marL="0" rtl="0" algn="l">
               <a:spcBef>
                 <a:spcPts val="0"/>
               </a:spcBef>
@@ -6531,6 +6386,9 @@
               </a:spcAft>
               <a:buNone/>
             </a:pPr>
+            <a:r>
+              <a:t/>
+            </a:r>
             <a:endParaRPr/>
           </a:p>
         </p:txBody>
@@ -6544,11 +6402,11 @@
 </file>
 
 <file path=ppt/slides/slide2.xml><?xml version="1.0" encoding="utf-8"?>
-<p:sld xmlns:a="http://schemas.openxmlformats.org/drawingml/2006/main" xmlns:r="http://schemas.openxmlformats.org/officeDocument/2006/relationships" xmlns:p="http://schemas.openxmlformats.org/presentationml/2006/main">
+<p:sld xmlns:a="http://schemas.openxmlformats.org/drawingml/2006/main" xmlns:r="http://schemas.openxmlformats.org/officeDocument/2006/relationships" xmlns:mc="http://schemas.openxmlformats.org/markup-compatibility/2006" xmlns:mv="urn:schemas-microsoft-com:mac:vml" xmlns:p="http://schemas.openxmlformats.org/presentationml/2006/main" xmlns:c="http://schemas.openxmlformats.org/drawingml/2006/chart" xmlns:dgm="http://schemas.openxmlformats.org/drawingml/2006/diagram" xmlns:o="urn:schemas-microsoft-com:office:office" xmlns:v="urn:schemas-microsoft-com:vml" xmlns:pvml="urn:schemas-microsoft-com:office:powerpoint" xmlns:com="http://schemas.openxmlformats.org/drawingml/2006/compatibility" xmlns:p14="http://schemas.microsoft.com/office/powerpoint/2010/main" xmlns:p15="http://schemas.microsoft.com/office/powerpoint/2012/main" xmlns:ahyp="http://schemas.microsoft.com/office/drawing/2018/hyperlinkcolor">
   <p:cSld>
     <p:spTree>
       <p:nvGrpSpPr>
-        <p:cNvPr id="1" name="Shape 61"/>
+        <p:cNvPr id="61" name="Shape 61"/>
         <p:cNvGrpSpPr/>
         <p:nvPr/>
       </p:nvGrpSpPr>
@@ -6563,9 +6421,7 @@
       <p:sp>
         <p:nvSpPr>
           <p:cNvPr id="62" name="Google Shape;62;p14"/>
-          <p:cNvSpPr txBox="1">
-            <a:spLocks noGrp="1"/>
-          </p:cNvSpPr>
+          <p:cNvSpPr txBox="1"/>
           <p:nvPr>
             <p:ph type="title"/>
           </p:nvPr>
@@ -6580,12 +6436,12 @@
           </a:prstGeom>
         </p:spPr>
         <p:txBody>
-          <a:bodyPr spcFirstLastPara="1" wrap="square" lIns="91425" tIns="91425" rIns="91425" bIns="91425" anchor="t" anchorCtr="0">
+          <a:bodyPr anchorCtr="0" anchor="t" bIns="91425" lIns="91425" spcFirstLastPara="1" rIns="91425" wrap="square" tIns="91425">
             <a:normAutofit fontScale="90000"/>
           </a:bodyPr>
           <a:lstStyle/>
           <a:p>
-            <a:pPr marL="0" lvl="0" indent="0" algn="l" rtl="0">
+            <a:pPr indent="0" lvl="0" marL="0" rtl="0" algn="l">
               <a:spcBef>
                 <a:spcPts val="0"/>
               </a:spcBef>
@@ -6615,11 +6471,9 @@
       <p:sp>
         <p:nvSpPr>
           <p:cNvPr id="63" name="Google Shape;63;p14"/>
-          <p:cNvSpPr txBox="1">
-            <a:spLocks noGrp="1"/>
-          </p:cNvSpPr>
+          <p:cNvSpPr txBox="1"/>
           <p:nvPr>
-            <p:ph type="body" idx="1"/>
+            <p:ph idx="1" type="body"/>
           </p:nvPr>
         </p:nvSpPr>
         <p:spPr>
@@ -6632,12 +6486,12 @@
           </a:prstGeom>
         </p:spPr>
         <p:txBody>
-          <a:bodyPr spcFirstLastPara="1" wrap="square" lIns="91425" tIns="91425" rIns="91425" bIns="91425" anchor="t" anchorCtr="0">
+          <a:bodyPr anchorCtr="0" anchor="t" bIns="91425" lIns="91425" spcFirstLastPara="1" rIns="91425" wrap="square" tIns="91425">
             <a:normAutofit lnSpcReduction="20000"/>
           </a:bodyPr>
           <a:lstStyle/>
           <a:p>
-            <a:pPr marL="457200" lvl="0" indent="-361950" algn="l" rtl="0">
+            <a:pPr indent="-361950" lvl="0" marL="457200" rtl="0" algn="l">
               <a:spcBef>
                 <a:spcPts val="0"/>
               </a:spcBef>
@@ -6661,7 +6515,31 @@
                 <a:cs typeface="Calibri"/>
                 <a:sym typeface="Calibri"/>
               </a:rPr>
-              <a:t>The purpose of this software system is to validate guests/visitors who do not have COVID or COVID related symptoms. With this validation made, said guests/visitors that are scheduled to attend an office meeting may attend one.</a:t>
+              <a:t>The purpose of this software system is to validate guests/</a:t>
+            </a:r>
+            <a:r>
+              <a:rPr lang="en" sz="2100">
+                <a:solidFill>
+                  <a:schemeClr val="dk1"/>
+                </a:solidFill>
+                <a:latin typeface="Calibri"/>
+                <a:ea typeface="Calibri"/>
+                <a:cs typeface="Calibri"/>
+                <a:sym typeface="Calibri"/>
+              </a:rPr>
+              <a:t>visitors who do not have COVID or COVID related symptoms. With this validation made, said guests/visitors that</a:t>
+            </a:r>
+            <a:r>
+              <a:rPr lang="en" sz="2100">
+                <a:solidFill>
+                  <a:schemeClr val="dk1"/>
+                </a:solidFill>
+                <a:latin typeface="Calibri"/>
+                <a:ea typeface="Calibri"/>
+                <a:cs typeface="Calibri"/>
+                <a:sym typeface="Calibri"/>
+              </a:rPr>
+              <a:t> are scheduled to attend an office meeting may attend one.</a:t>
             </a:r>
             <a:endParaRPr sz="2100">
               <a:solidFill>
@@ -6674,7 +6552,7 @@
             </a:endParaRPr>
           </a:p>
           <a:p>
-            <a:pPr marL="457200" lvl="0" indent="-361950" algn="l" rtl="0">
+            <a:pPr indent="-361950" lvl="0" marL="457200" rtl="0" algn="l">
               <a:spcBef>
                 <a:spcPts val="0"/>
               </a:spcBef>
@@ -6711,7 +6589,7 @@
             </a:endParaRPr>
           </a:p>
           <a:p>
-            <a:pPr marL="914400" lvl="1" indent="-336550" algn="l" rtl="0">
+            <a:pPr indent="-336550" lvl="1" marL="914400" rtl="0" algn="l">
               <a:spcBef>
                 <a:spcPts val="0"/>
               </a:spcBef>
@@ -6751,7 +6629,7 @@
             </a:endParaRPr>
           </a:p>
           <a:p>
-            <a:pPr marL="914400" lvl="1" indent="-336550" algn="l" rtl="0">
+            <a:pPr indent="-336550" lvl="1" marL="914400" rtl="0" algn="l">
               <a:spcBef>
                 <a:spcPts val="0"/>
               </a:spcBef>
@@ -6775,7 +6653,19 @@
                 <a:cs typeface="Calibri"/>
                 <a:sym typeface="Calibri"/>
               </a:rPr>
-              <a:t>The validator will be implemented through the use of a COVID questionnaire, where the results will either deny or grant permission into the office meeting.</a:t>
+              <a:t>The validator will be implemented through the use of a COVID questionnaire, where the</a:t>
+            </a:r>
+            <a:r>
+              <a:rPr lang="en" sz="1700">
+                <a:solidFill>
+                  <a:schemeClr val="dk1"/>
+                </a:solidFill>
+                <a:latin typeface="Calibri"/>
+                <a:ea typeface="Calibri"/>
+                <a:cs typeface="Calibri"/>
+                <a:sym typeface="Calibri"/>
+              </a:rPr>
+              <a:t> results will either deny or grant permission into the office meeting.</a:t>
             </a:r>
             <a:endParaRPr sz="1700">
               <a:solidFill>
@@ -6788,7 +6678,7 @@
             </a:endParaRPr>
           </a:p>
           <a:p>
-            <a:pPr marL="914400" lvl="1" indent="-336550" algn="l" rtl="0">
+            <a:pPr indent="-336550" lvl="1" marL="914400" rtl="0" algn="l">
               <a:spcBef>
                 <a:spcPts val="0"/>
               </a:spcBef>
@@ -6825,7 +6715,7 @@
             </a:endParaRPr>
           </a:p>
           <a:p>
-            <a:pPr marL="457200" lvl="0" indent="0" algn="l" rtl="0">
+            <a:pPr indent="0" lvl="0" marL="457200" rtl="0" algn="l">
               <a:spcBef>
                 <a:spcPts val="1200"/>
               </a:spcBef>
@@ -6834,6 +6724,9 @@
               </a:spcAft>
               <a:buNone/>
             </a:pPr>
+            <a:r>
+              <a:t/>
+            </a:r>
             <a:endParaRPr sz="1900"/>
           </a:p>
         </p:txBody>
@@ -6853,23 +6746,23 @@
             <a:avLst/>
           </a:prstGeom>
           <a:noFill/>
-          <a:ln w="28575" cap="flat" cmpd="sng">
+          <a:ln cap="flat" cmpd="sng" w="28575">
             <a:solidFill>
               <a:schemeClr val="dk1"/>
             </a:solidFill>
             <a:prstDash val="solid"/>
             <a:round/>
-            <a:headEnd type="none" w="sm" len="sm"/>
-            <a:tailEnd type="none" w="sm" len="sm"/>
+            <a:headEnd len="sm" w="sm" type="none"/>
+            <a:tailEnd len="sm" w="sm" type="none"/>
           </a:ln>
         </p:spPr>
         <p:txBody>
-          <a:bodyPr spcFirstLastPara="1" wrap="square" lIns="91425" tIns="91425" rIns="91425" bIns="91425" anchor="ctr" anchorCtr="0">
+          <a:bodyPr anchorCtr="0" anchor="ctr" bIns="91425" lIns="91425" spcFirstLastPara="1" rIns="91425" wrap="square" tIns="91425">
             <a:noAutofit/>
           </a:bodyPr>
           <a:lstStyle/>
           <a:p>
-            <a:pPr marL="0" lvl="0" indent="0" algn="l" rtl="0">
+            <a:pPr indent="0" lvl="0" marL="0" rtl="0" algn="l">
               <a:spcBef>
                 <a:spcPts val="0"/>
               </a:spcBef>
@@ -6878,6 +6771,9 @@
               </a:spcAft>
               <a:buNone/>
             </a:pPr>
+            <a:r>
+              <a:t/>
+            </a:r>
             <a:endParaRPr/>
           </a:p>
         </p:txBody>
@@ -6891,11 +6787,11 @@
 </file>
 
 <file path=ppt/slides/slide3.xml><?xml version="1.0" encoding="utf-8"?>
-<p:sld xmlns:a="http://schemas.openxmlformats.org/drawingml/2006/main" xmlns:r="http://schemas.openxmlformats.org/officeDocument/2006/relationships" xmlns:p="http://schemas.openxmlformats.org/presentationml/2006/main">
+<p:sld xmlns:a="http://schemas.openxmlformats.org/drawingml/2006/main" xmlns:r="http://schemas.openxmlformats.org/officeDocument/2006/relationships" xmlns:mc="http://schemas.openxmlformats.org/markup-compatibility/2006" xmlns:mv="urn:schemas-microsoft-com:mac:vml" xmlns:p="http://schemas.openxmlformats.org/presentationml/2006/main" xmlns:c="http://schemas.openxmlformats.org/drawingml/2006/chart" xmlns:dgm="http://schemas.openxmlformats.org/drawingml/2006/diagram" xmlns:o="urn:schemas-microsoft-com:office:office" xmlns:v="urn:schemas-microsoft-com:vml" xmlns:pvml="urn:schemas-microsoft-com:office:powerpoint" xmlns:com="http://schemas.openxmlformats.org/drawingml/2006/compatibility" xmlns:p14="http://schemas.microsoft.com/office/powerpoint/2010/main" xmlns:p15="http://schemas.microsoft.com/office/powerpoint/2012/main" xmlns:ahyp="http://schemas.microsoft.com/office/drawing/2018/hyperlinkcolor">
   <p:cSld>
     <p:spTree>
       <p:nvGrpSpPr>
-        <p:cNvPr id="1" name="Shape 68"/>
+        <p:cNvPr id="68" name="Shape 68"/>
         <p:cNvGrpSpPr/>
         <p:nvPr/>
       </p:nvGrpSpPr>
@@ -6910,9 +6806,7 @@
       <p:sp>
         <p:nvSpPr>
           <p:cNvPr id="69" name="Google Shape;69;p15"/>
-          <p:cNvSpPr txBox="1">
-            <a:spLocks noGrp="1"/>
-          </p:cNvSpPr>
+          <p:cNvSpPr txBox="1"/>
           <p:nvPr>
             <p:ph type="title"/>
           </p:nvPr>
@@ -6927,12 +6821,12 @@
           </a:prstGeom>
         </p:spPr>
         <p:txBody>
-          <a:bodyPr spcFirstLastPara="1" wrap="square" lIns="91425" tIns="91425" rIns="91425" bIns="91425" anchor="t" anchorCtr="0">
+          <a:bodyPr anchorCtr="0" anchor="t" bIns="91425" lIns="91425" spcFirstLastPara="1" rIns="91425" wrap="square" tIns="91425">
             <a:normAutofit fontScale="90000"/>
           </a:bodyPr>
           <a:lstStyle/>
           <a:p>
-            <a:pPr marL="0" lvl="0" indent="0" algn="l" rtl="0">
+            <a:pPr indent="0" lvl="0" marL="0" rtl="0" algn="l">
               <a:spcBef>
                 <a:spcPts val="0"/>
               </a:spcBef>
@@ -6962,11 +6856,9 @@
       <p:sp>
         <p:nvSpPr>
           <p:cNvPr id="70" name="Google Shape;70;p15"/>
-          <p:cNvSpPr txBox="1">
-            <a:spLocks noGrp="1"/>
-          </p:cNvSpPr>
+          <p:cNvSpPr txBox="1"/>
           <p:nvPr>
-            <p:ph type="body" idx="1"/>
+            <p:ph idx="1" type="body"/>
           </p:nvPr>
         </p:nvSpPr>
         <p:spPr>
@@ -6979,12 +6871,12 @@
           </a:prstGeom>
         </p:spPr>
         <p:txBody>
-          <a:bodyPr spcFirstLastPara="1" wrap="square" lIns="91425" tIns="91425" rIns="91425" bIns="91425" anchor="t" anchorCtr="0">
+          <a:bodyPr anchorCtr="0" anchor="t" bIns="91425" lIns="91425" spcFirstLastPara="1" rIns="91425" wrap="square" tIns="91425">
             <a:normAutofit/>
           </a:bodyPr>
           <a:lstStyle/>
           <a:p>
-            <a:pPr marL="457200" lvl="0" indent="-342900" algn="l" rtl="0">
+            <a:pPr indent="-342900" lvl="0" marL="457200" rtl="0" algn="l">
               <a:spcBef>
                 <a:spcPts val="0"/>
               </a:spcBef>
@@ -6999,7 +6891,7 @@
               <a:buChar char="●"/>
             </a:pPr>
             <a:r>
-              <a:rPr lang="en" b="1">
+              <a:rPr b="1" lang="en">
                 <a:solidFill>
                   <a:schemeClr val="dk1"/>
                 </a:solidFill>
@@ -7033,7 +6925,7 @@
             </a:endParaRPr>
           </a:p>
           <a:p>
-            <a:pPr marL="914400" lvl="1" indent="-317500" algn="l" rtl="0">
+            <a:pPr indent="-317500" lvl="1" marL="914400" rtl="0" algn="l">
               <a:spcBef>
                 <a:spcPts val="0"/>
               </a:spcBef>
@@ -7057,7 +6949,67 @@
                 <a:cs typeface="Calibri"/>
                 <a:sym typeface="Calibri"/>
               </a:rPr>
-              <a:t>Database to hold the data of guests/visitors and their corresponding meeting information (date and time of meeting) and the validation or invalidation assigned to each guests/visitors based upon answers to the questionnaire.</a:t>
+              <a:t>Database to hold the data of guests/</a:t>
+            </a:r>
+            <a:r>
+              <a:rPr lang="en">
+                <a:solidFill>
+                  <a:schemeClr val="dk1"/>
+                </a:solidFill>
+                <a:latin typeface="Calibri"/>
+                <a:ea typeface="Calibri"/>
+                <a:cs typeface="Calibri"/>
+                <a:sym typeface="Calibri"/>
+              </a:rPr>
+              <a:t>visitors</a:t>
+            </a:r>
+            <a:r>
+              <a:rPr lang="en">
+                <a:solidFill>
+                  <a:schemeClr val="dk1"/>
+                </a:solidFill>
+                <a:latin typeface="Calibri"/>
+                <a:ea typeface="Calibri"/>
+                <a:cs typeface="Calibri"/>
+                <a:sym typeface="Calibri"/>
+              </a:rPr>
+              <a:t> and their </a:t>
+            </a:r>
+            <a:r>
+              <a:rPr lang="en">
+                <a:solidFill>
+                  <a:schemeClr val="dk1"/>
+                </a:solidFill>
+                <a:latin typeface="Calibri"/>
+                <a:ea typeface="Calibri"/>
+                <a:cs typeface="Calibri"/>
+                <a:sym typeface="Calibri"/>
+              </a:rPr>
+              <a:t>corresponding</a:t>
+            </a:r>
+            <a:r>
+              <a:rPr lang="en">
+                <a:solidFill>
+                  <a:schemeClr val="dk1"/>
+                </a:solidFill>
+                <a:latin typeface="Calibri"/>
+                <a:ea typeface="Calibri"/>
+                <a:cs typeface="Calibri"/>
+                <a:sym typeface="Calibri"/>
+              </a:rPr>
+              <a:t> meeting information (date and time of meeting) and the validation or invalidation assigned to each guests/visitors based upon answers to the </a:t>
+            </a:r>
+            <a:r>
+              <a:rPr lang="en">
+                <a:solidFill>
+                  <a:schemeClr val="dk1"/>
+                </a:solidFill>
+                <a:latin typeface="Calibri"/>
+                <a:ea typeface="Calibri"/>
+                <a:cs typeface="Calibri"/>
+                <a:sym typeface="Calibri"/>
+              </a:rPr>
+              <a:t>questionnaire.</a:t>
             </a:r>
             <a:endParaRPr>
               <a:solidFill>
@@ -7070,7 +7022,7 @@
             </a:endParaRPr>
           </a:p>
           <a:p>
-            <a:pPr marL="457200" lvl="0" indent="-342900" algn="l" rtl="0">
+            <a:pPr indent="-342900" lvl="0" marL="457200" rtl="0" algn="l">
               <a:spcBef>
                 <a:spcPts val="0"/>
               </a:spcBef>
@@ -7085,7 +7037,7 @@
               <a:buChar char="●"/>
             </a:pPr>
             <a:r>
-              <a:rPr lang="en" b="1">
+              <a:rPr b="1" lang="en">
                 <a:solidFill>
                   <a:schemeClr val="dk1"/>
                 </a:solidFill>
@@ -7106,7 +7058,31 @@
                 <a:cs typeface="Calibri"/>
                 <a:sym typeface="Calibri"/>
               </a:rPr>
-              <a:t> - Language </a:t>
+              <a:t> - </a:t>
+            </a:r>
+            <a:r>
+              <a:rPr lang="en">
+                <a:solidFill>
+                  <a:schemeClr val="dk1"/>
+                </a:solidFill>
+                <a:latin typeface="Calibri"/>
+                <a:ea typeface="Calibri"/>
+                <a:cs typeface="Calibri"/>
+                <a:sym typeface="Calibri"/>
+              </a:rPr>
+              <a:t>Language</a:t>
+            </a:r>
+            <a:r>
+              <a:rPr lang="en">
+                <a:solidFill>
+                  <a:schemeClr val="dk1"/>
+                </a:solidFill>
+                <a:latin typeface="Calibri"/>
+                <a:ea typeface="Calibri"/>
+                <a:cs typeface="Calibri"/>
+                <a:sym typeface="Calibri"/>
+              </a:rPr>
+              <a:t> </a:t>
             </a:r>
             <a:endParaRPr>
               <a:solidFill>
@@ -7119,7 +7095,7 @@
             </a:endParaRPr>
           </a:p>
           <a:p>
-            <a:pPr marL="914400" lvl="1" indent="-317500" algn="l" rtl="0">
+            <a:pPr indent="-317500" lvl="1" marL="914400" rtl="0" algn="l">
               <a:spcBef>
                 <a:spcPts val="0"/>
               </a:spcBef>
@@ -7143,7 +7119,79 @@
                 <a:cs typeface="Calibri"/>
                 <a:sym typeface="Calibri"/>
               </a:rPr>
-              <a:t>Website will act as the main interaction between guests/visitors and the software. Here, guests will be verified and will be able to see the list of schedules of meetings. Additionally, the COVID questionnaire will be answered through the website.</a:t>
+              <a:t>Website will act as the main </a:t>
+            </a:r>
+            <a:r>
+              <a:rPr lang="en">
+                <a:solidFill>
+                  <a:schemeClr val="dk1"/>
+                </a:solidFill>
+                <a:latin typeface="Calibri"/>
+                <a:ea typeface="Calibri"/>
+                <a:cs typeface="Calibri"/>
+                <a:sym typeface="Calibri"/>
+              </a:rPr>
+              <a:t>interaction</a:t>
+            </a:r>
+            <a:r>
+              <a:rPr lang="en">
+                <a:solidFill>
+                  <a:schemeClr val="dk1"/>
+                </a:solidFill>
+                <a:latin typeface="Calibri"/>
+                <a:ea typeface="Calibri"/>
+                <a:cs typeface="Calibri"/>
+                <a:sym typeface="Calibri"/>
+              </a:rPr>
+              <a:t> between guests/visitors and the software. Here, guests will be verified and will be able to see the list of schedules of meetings. Additionally, the COVID </a:t>
+            </a:r>
+            <a:r>
+              <a:rPr lang="en">
+                <a:solidFill>
+                  <a:schemeClr val="dk1"/>
+                </a:solidFill>
+                <a:latin typeface="Calibri"/>
+                <a:ea typeface="Calibri"/>
+                <a:cs typeface="Calibri"/>
+                <a:sym typeface="Calibri"/>
+              </a:rPr>
+              <a:t>questionnaire</a:t>
+            </a:r>
+            <a:r>
+              <a:rPr lang="en">
+                <a:solidFill>
+                  <a:schemeClr val="dk1"/>
+                </a:solidFill>
+                <a:latin typeface="Calibri"/>
+                <a:ea typeface="Calibri"/>
+                <a:cs typeface="Calibri"/>
+                <a:sym typeface="Calibri"/>
+              </a:rPr>
+              <a:t> will be answered through the </a:t>
+            </a:r>
+            <a:r>
+              <a:rPr lang="en">
+                <a:solidFill>
+                  <a:schemeClr val="dk1"/>
+                </a:solidFill>
+                <a:latin typeface="Calibri"/>
+                <a:ea typeface="Calibri"/>
+                <a:cs typeface="Calibri"/>
+                <a:sym typeface="Calibri"/>
+              </a:rPr>
+              <a:t>website</a:t>
+            </a:r>
+            <a:r>
+              <a:rPr lang="en">
+                <a:solidFill>
+                  <a:schemeClr val="dk1"/>
+                </a:solidFill>
+                <a:latin typeface="Calibri"/>
+                <a:ea typeface="Calibri"/>
+                <a:cs typeface="Calibri"/>
+                <a:sym typeface="Calibri"/>
+              </a:rPr>
+              <a:t>.</a:t>
             </a:r>
             <a:endParaRPr>
               <a:solidFill>
@@ -7156,7 +7204,7 @@
             </a:endParaRPr>
           </a:p>
           <a:p>
-            <a:pPr marL="457200" lvl="0" indent="-342900" algn="l" rtl="0">
+            <a:pPr indent="-342900" lvl="0" marL="457200" rtl="0" algn="l">
               <a:spcBef>
                 <a:spcPts val="0"/>
               </a:spcBef>
@@ -7171,7 +7219,7 @@
               <a:buChar char="●"/>
             </a:pPr>
             <a:r>
-              <a:rPr lang="en" b="1">
+              <a:rPr b="1" lang="en">
                 <a:solidFill>
                   <a:schemeClr val="dk1"/>
                 </a:solidFill>
@@ -7205,7 +7253,7 @@
             </a:endParaRPr>
           </a:p>
           <a:p>
-            <a:pPr marL="914400" lvl="1" indent="-317500" algn="l" rtl="0">
+            <a:pPr indent="-317500" lvl="1" marL="914400" rtl="0" algn="l">
               <a:spcBef>
                 <a:spcPts val="0"/>
               </a:spcBef>
@@ -7229,7 +7277,55 @@
                 <a:cs typeface="Calibri"/>
                 <a:sym typeface="Calibri"/>
               </a:rPr>
-              <a:t>Performs the main function of grabbing the COVID symptom/identification questions from the CDC website in order to be used for the website-implemented questionnaire.</a:t>
+              <a:t>Performs the main function of </a:t>
+            </a:r>
+            <a:r>
+              <a:rPr lang="en">
+                <a:solidFill>
+                  <a:schemeClr val="dk1"/>
+                </a:solidFill>
+                <a:latin typeface="Calibri"/>
+                <a:ea typeface="Calibri"/>
+                <a:cs typeface="Calibri"/>
+                <a:sym typeface="Calibri"/>
+              </a:rPr>
+              <a:t>grabbing the COVID symptom/</a:t>
+            </a:r>
+            <a:r>
+              <a:rPr lang="en">
+                <a:solidFill>
+                  <a:schemeClr val="dk1"/>
+                </a:solidFill>
+                <a:latin typeface="Calibri"/>
+                <a:ea typeface="Calibri"/>
+                <a:cs typeface="Calibri"/>
+                <a:sym typeface="Calibri"/>
+              </a:rPr>
+              <a:t>identification</a:t>
+            </a:r>
+            <a:r>
+              <a:rPr lang="en">
+                <a:solidFill>
+                  <a:schemeClr val="dk1"/>
+                </a:solidFill>
+                <a:latin typeface="Calibri"/>
+                <a:ea typeface="Calibri"/>
+                <a:cs typeface="Calibri"/>
+                <a:sym typeface="Calibri"/>
+              </a:rPr>
+              <a:t> questions from the CDC website in order to be used for the website-implemented </a:t>
+            </a:r>
+            <a:r>
+              <a:rPr lang="en">
+                <a:solidFill>
+                  <a:schemeClr val="dk1"/>
+                </a:solidFill>
+                <a:latin typeface="Calibri"/>
+                <a:ea typeface="Calibri"/>
+                <a:cs typeface="Calibri"/>
+                <a:sym typeface="Calibri"/>
+              </a:rPr>
+              <a:t>questionnaire.</a:t>
             </a:r>
             <a:endParaRPr>
               <a:solidFill>
@@ -7242,7 +7338,7 @@
             </a:endParaRPr>
           </a:p>
           <a:p>
-            <a:pPr marL="457200" lvl="0" indent="-342900" algn="l" rtl="0">
+            <a:pPr indent="-342900" lvl="0" marL="457200" rtl="0" algn="l">
               <a:spcBef>
                 <a:spcPts val="0"/>
               </a:spcBef>
@@ -7257,7 +7353,7 @@
               <a:buChar char="●"/>
             </a:pPr>
             <a:r>
-              <a:rPr lang="en" b="1">
+              <a:rPr b="1" lang="en">
                 <a:solidFill>
                   <a:schemeClr val="dk1"/>
                 </a:solidFill>
@@ -7307,23 +7403,23 @@
             <a:avLst/>
           </a:prstGeom>
           <a:noFill/>
-          <a:ln w="28575" cap="flat" cmpd="sng">
+          <a:ln cap="flat" cmpd="sng" w="28575">
             <a:solidFill>
               <a:schemeClr val="dk1"/>
             </a:solidFill>
             <a:prstDash val="solid"/>
             <a:round/>
-            <a:headEnd type="none" w="sm" len="sm"/>
-            <a:tailEnd type="none" w="sm" len="sm"/>
+            <a:headEnd len="sm" w="sm" type="none"/>
+            <a:tailEnd len="sm" w="sm" type="none"/>
           </a:ln>
         </p:spPr>
         <p:txBody>
-          <a:bodyPr spcFirstLastPara="1" wrap="square" lIns="91425" tIns="91425" rIns="91425" bIns="91425" anchor="ctr" anchorCtr="0">
+          <a:bodyPr anchorCtr="0" anchor="ctr" bIns="91425" lIns="91425" spcFirstLastPara="1" rIns="91425" wrap="square" tIns="91425">
             <a:noAutofit/>
           </a:bodyPr>
           <a:lstStyle/>
           <a:p>
-            <a:pPr marL="0" lvl="0" indent="0" algn="l" rtl="0">
+            <a:pPr indent="0" lvl="0" marL="0" rtl="0" algn="l">
               <a:spcBef>
                 <a:spcPts val="0"/>
               </a:spcBef>
@@ -7332,6 +7428,9 @@
               </a:spcAft>
               <a:buNone/>
             </a:pPr>
+            <a:r>
+              <a:t/>
+            </a:r>
             <a:endParaRPr/>
           </a:p>
         </p:txBody>
@@ -7345,11 +7444,11 @@
 </file>
 
 <file path=ppt/slides/slide4.xml><?xml version="1.0" encoding="utf-8"?>
-<p:sld xmlns:a="http://schemas.openxmlformats.org/drawingml/2006/main" xmlns:r="http://schemas.openxmlformats.org/officeDocument/2006/relationships" xmlns:p="http://schemas.openxmlformats.org/presentationml/2006/main">
+<p:sld xmlns:a="http://schemas.openxmlformats.org/drawingml/2006/main" xmlns:r="http://schemas.openxmlformats.org/officeDocument/2006/relationships" xmlns:mc="http://schemas.openxmlformats.org/markup-compatibility/2006" xmlns:mv="urn:schemas-microsoft-com:mac:vml" xmlns:p="http://schemas.openxmlformats.org/presentationml/2006/main" xmlns:c="http://schemas.openxmlformats.org/drawingml/2006/chart" xmlns:dgm="http://schemas.openxmlformats.org/drawingml/2006/diagram" xmlns:o="urn:schemas-microsoft-com:office:office" xmlns:v="urn:schemas-microsoft-com:vml" xmlns:pvml="urn:schemas-microsoft-com:office:powerpoint" xmlns:com="http://schemas.openxmlformats.org/drawingml/2006/compatibility" xmlns:p14="http://schemas.microsoft.com/office/powerpoint/2010/main" xmlns:p15="http://schemas.microsoft.com/office/powerpoint/2012/main" xmlns:ahyp="http://schemas.microsoft.com/office/drawing/2018/hyperlinkcolor">
   <p:cSld>
     <p:spTree>
       <p:nvGrpSpPr>
-        <p:cNvPr id="1" name="Shape 75"/>
+        <p:cNvPr id="75" name="Shape 75"/>
         <p:cNvGrpSpPr/>
         <p:nvPr/>
       </p:nvGrpSpPr>
@@ -7398,11 +7497,11 @@
 </file>
 
 <file path=ppt/slides/slide5.xml><?xml version="1.0" encoding="utf-8"?>
-<p:sld xmlns:a="http://schemas.openxmlformats.org/drawingml/2006/main" xmlns:r="http://schemas.openxmlformats.org/officeDocument/2006/relationships" xmlns:p="http://schemas.openxmlformats.org/presentationml/2006/main">
+<p:sld xmlns:a="http://schemas.openxmlformats.org/drawingml/2006/main" xmlns:r="http://schemas.openxmlformats.org/officeDocument/2006/relationships" xmlns:mc="http://schemas.openxmlformats.org/markup-compatibility/2006" xmlns:mv="urn:schemas-microsoft-com:mac:vml" xmlns:p="http://schemas.openxmlformats.org/presentationml/2006/main" xmlns:c="http://schemas.openxmlformats.org/drawingml/2006/chart" xmlns:dgm="http://schemas.openxmlformats.org/drawingml/2006/diagram" xmlns:o="urn:schemas-microsoft-com:office:office" xmlns:v="urn:schemas-microsoft-com:vml" xmlns:pvml="urn:schemas-microsoft-com:office:powerpoint" xmlns:com="http://schemas.openxmlformats.org/drawingml/2006/compatibility" xmlns:p14="http://schemas.microsoft.com/office/powerpoint/2010/main" xmlns:p15="http://schemas.microsoft.com/office/powerpoint/2012/main" xmlns:ahyp="http://schemas.microsoft.com/office/drawing/2018/hyperlinkcolor">
   <p:cSld>
     <p:spTree>
       <p:nvGrpSpPr>
-        <p:cNvPr id="1" name="Shape 80"/>
+        <p:cNvPr id="80" name="Shape 80"/>
         <p:cNvGrpSpPr/>
         <p:nvPr/>
       </p:nvGrpSpPr>
@@ -7451,11 +7550,11 @@
 </file>
 
 <file path=ppt/slides/slide6.xml><?xml version="1.0" encoding="utf-8"?>
-<p:sld xmlns:a="http://schemas.openxmlformats.org/drawingml/2006/main" xmlns:r="http://schemas.openxmlformats.org/officeDocument/2006/relationships" xmlns:p="http://schemas.openxmlformats.org/presentationml/2006/main">
+<p:sld xmlns:a="http://schemas.openxmlformats.org/drawingml/2006/main" xmlns:r="http://schemas.openxmlformats.org/officeDocument/2006/relationships" xmlns:mc="http://schemas.openxmlformats.org/markup-compatibility/2006" xmlns:mv="urn:schemas-microsoft-com:mac:vml" xmlns:p="http://schemas.openxmlformats.org/presentationml/2006/main" xmlns:c="http://schemas.openxmlformats.org/drawingml/2006/chart" xmlns:dgm="http://schemas.openxmlformats.org/drawingml/2006/diagram" xmlns:o="urn:schemas-microsoft-com:office:office" xmlns:v="urn:schemas-microsoft-com:vml" xmlns:pvml="urn:schemas-microsoft-com:office:powerpoint" xmlns:com="http://schemas.openxmlformats.org/drawingml/2006/compatibility" xmlns:p14="http://schemas.microsoft.com/office/powerpoint/2010/main" xmlns:p15="http://schemas.microsoft.com/office/powerpoint/2012/main" xmlns:ahyp="http://schemas.microsoft.com/office/drawing/2018/hyperlinkcolor">
   <p:cSld>
     <p:spTree>
       <p:nvGrpSpPr>
-        <p:cNvPr id="1" name="Shape 85"/>
+        <p:cNvPr id="85" name="Shape 85"/>
         <p:cNvGrpSpPr/>
         <p:nvPr/>
       </p:nvGrpSpPr>
@@ -7504,7 +7603,7 @@
 </file>
 
 <file path=ppt/theme/theme1.xml><?xml version="1.0" encoding="utf-8"?>
-<a:theme xmlns:a="http://schemas.openxmlformats.org/drawingml/2006/main" name="Simple Dark">
+<a:theme xmlns:a="http://schemas.openxmlformats.org/drawingml/2006/main" xmlns:r="http://schemas.openxmlformats.org/officeDocument/2006/relationships" name="Simple Dark">
   <a:themeElements>
     <a:clrScheme name="Simple Dark">
       <a:dk1>
@@ -7779,13 +7878,11 @@
       </a:bgFillStyleLst>
     </a:fmtScheme>
   </a:themeElements>
-  <a:objectDefaults/>
-  <a:extraClrSchemeLst/>
 </a:theme>
 </file>
 
 <file path=ppt/theme/theme2.xml><?xml version="1.0" encoding="utf-8"?>
-<a:theme xmlns:a="http://schemas.openxmlformats.org/drawingml/2006/main">
+<a:theme xmlns:a="http://schemas.openxmlformats.org/drawingml/2006/main" xmlns:r="http://schemas.openxmlformats.org/officeDocument/2006/relationships">
   <a:themeElements>
     <a:clrScheme name="Default">
       <a:dk1>
@@ -8060,7 +8157,5 @@
       </a:bgFillStyleLst>
     </a:fmtScheme>
   </a:themeElements>
-  <a:objectDefaults/>
-  <a:extraClrSchemeLst/>
 </a:theme>
 </file>